--- a/Presentation/thesis.pptx
+++ b/Presentation/thesis.pptx
@@ -299,7 +299,7 @@
           <a:p>
             <a:fld id="{128544F9-6274-428F-AED5-7532969F09B7}" type="datetimeFigureOut">
               <a:rPr lang="de-DE" smtClean="0"/>
-              <a:t>23.09.12</a:t>
+              <a:t>24.09.12</a:t>
             </a:fld>
             <a:endParaRPr lang="de-DE"/>
           </a:p>
@@ -845,7 +845,7 @@
           <a:p>
             <a:fld id="{382DCE13-B615-4A29-B7F1-41C942AC5F1B}" type="datetime1">
               <a:rPr lang="en-US" smtClean="0"/>
-              <a:t>9/23/2012</a:t>
+              <a:t>9/24/2012</a:t>
             </a:fld>
             <a:endParaRPr lang="en-US"/>
           </a:p>
@@ -1087,6 +1087,9 @@
   <p:clrMapOvr>
     <a:overrideClrMapping bg1="lt1" tx1="dk1" bg2="lt2" tx2="dk2" accent1="accent1" accent2="accent2" accent3="accent3" accent4="accent4" accent5="accent5" accent6="accent6" hlink="hlink" folHlink="folHlink"/>
   </p:clrMapOvr>
+  <p:transition>
+    <p:fade/>
+  </p:transition>
 </p:sldLayout>
 </file>
 
@@ -1199,7 +1202,7 @@
           <a:p>
             <a:fld id="{E5FF9BC1-539B-45E2-B7F5-C25F3B7706AA}" type="datetime1">
               <a:rPr lang="en-US" smtClean="0"/>
-              <a:t>9/23/2012</a:t>
+              <a:t>9/24/2012</a:t>
             </a:fld>
             <a:endParaRPr lang="en-US"/>
           </a:p>
@@ -1253,6 +1256,9 @@
   <p:clrMapOvr>
     <a:masterClrMapping/>
   </p:clrMapOvr>
+  <p:transition>
+    <p:fade/>
+  </p:transition>
 </p:sldLayout>
 </file>
 
@@ -1375,7 +1381,7 @@
           <a:p>
             <a:fld id="{B9FE1570-E272-4CF2-8273-7DE46ED54D91}" type="datetime1">
               <a:rPr lang="en-US" smtClean="0"/>
-              <a:t>9/23/2012</a:t>
+              <a:t>9/24/2012</a:t>
             </a:fld>
             <a:endParaRPr lang="en-US"/>
           </a:p>
@@ -1429,6 +1435,9 @@
   <p:clrMapOvr>
     <a:masterClrMapping/>
   </p:clrMapOvr>
+  <p:transition>
+    <p:fade/>
+  </p:transition>
 </p:sldLayout>
 </file>
 
@@ -1489,7 +1498,7 @@
           <a:p>
             <a:fld id="{B38C0C15-F942-4A77-A348-46113EF3C91E}" type="datetime1">
               <a:rPr lang="en-US" smtClean="0"/>
-              <a:t>9/23/2012</a:t>
+              <a:t>9/24/2012</a:t>
             </a:fld>
             <a:endParaRPr lang="en-US"/>
           </a:p>
@@ -1600,6 +1609,9 @@
   <p:clrMapOvr>
     <a:masterClrMapping/>
   </p:clrMapOvr>
+  <p:transition>
+    <p:fade/>
+  </p:transition>
 </p:sldLayout>
 </file>
 
@@ -1848,7 +1860,7 @@
           <a:p>
             <a:fld id="{0AB6283C-0EF5-4900-BC64-073C1E69257B}" type="datetime1">
               <a:rPr lang="en-US" smtClean="0"/>
-              <a:t>9/23/2012</a:t>
+              <a:t>9/24/2012</a:t>
             </a:fld>
             <a:endParaRPr lang="en-US"/>
           </a:p>
@@ -2054,6 +2066,9 @@
   <p:clrMapOvr>
     <a:overrideClrMapping bg1="lt1" tx1="dk1" bg2="lt2" tx2="dk2" accent1="accent1" accent2="accent2" accent3="accent3" accent4="accent4" accent5="accent5" accent6="accent6" hlink="hlink" folHlink="folHlink"/>
   </p:clrMapOvr>
+  <p:transition>
+    <p:fade/>
+  </p:transition>
 </p:sldLayout>
 </file>
 
@@ -2114,7 +2129,7 @@
           <a:p>
             <a:fld id="{4D8FB70D-CCAB-4BD8-ADAA-DC33F6E9956E}" type="datetime1">
               <a:rPr lang="en-US" smtClean="0"/>
-              <a:t>9/23/2012</a:t>
+              <a:t>9/24/2012</a:t>
             </a:fld>
             <a:endParaRPr lang="en-US"/>
           </a:p>
@@ -2282,6 +2297,9 @@
   <p:clrMapOvr>
     <a:masterClrMapping/>
   </p:clrMapOvr>
+  <p:transition>
+    <p:fade/>
+  </p:transition>
 </p:sldLayout>
 </file>
 
@@ -2477,7 +2495,7 @@
           <a:p>
             <a:fld id="{84D6C17F-F3A8-4DC5-8C93-E29F80D9380B}" type="datetime1">
               <a:rPr lang="en-US" smtClean="0"/>
-              <a:t>9/23/2012</a:t>
+              <a:t>9/24/2012</a:t>
             </a:fld>
             <a:endParaRPr lang="en-US"/>
           </a:p>
@@ -2645,6 +2663,9 @@
   <p:clrMapOvr>
     <a:masterClrMapping/>
   </p:clrMapOvr>
+  <p:transition>
+    <p:fade/>
+  </p:transition>
 </p:sldLayout>
 </file>
 
@@ -2705,7 +2726,7 @@
           <a:p>
             <a:fld id="{9D05A2B3-4288-42A1-95E0-6C90D8F87363}" type="datetime1">
               <a:rPr lang="en-US" smtClean="0"/>
-              <a:t>9/23/2012</a:t>
+              <a:t>9/24/2012</a:t>
             </a:fld>
             <a:endParaRPr lang="en-US"/>
           </a:p>
@@ -2759,6 +2780,9 @@
   <p:clrMapOvr>
     <a:masterClrMapping/>
   </p:clrMapOvr>
+  <p:transition>
+    <p:fade/>
+  </p:transition>
 </p:sldLayout>
 </file>
 
@@ -2796,7 +2820,7 @@
           <a:p>
             <a:fld id="{C5C462D2-DB24-41D7-8F55-5912A5F65B04}" type="datetime1">
               <a:rPr lang="en-US" smtClean="0"/>
-              <a:t>9/23/2012</a:t>
+              <a:t>9/24/2012</a:t>
             </a:fld>
             <a:endParaRPr lang="en-US"/>
           </a:p>
@@ -2850,6 +2874,9 @@
   <p:clrMapOvr>
     <a:masterClrMapping/>
   </p:clrMapOvr>
+  <p:transition>
+    <p:fade/>
+  </p:transition>
 </p:sldLayout>
 </file>
 
@@ -3064,7 +3091,7 @@
           <a:p>
             <a:fld id="{65954EE9-8D99-491A-B475-660B4A3BF902}" type="datetime1">
               <a:rPr lang="en-US" smtClean="0"/>
-              <a:t>9/23/2012</a:t>
+              <a:t>9/24/2012</a:t>
             </a:fld>
             <a:endParaRPr lang="en-US"/>
           </a:p>
@@ -3175,6 +3202,9 @@
   <p:clrMapOvr>
     <a:masterClrMapping/>
   </p:clrMapOvr>
+  <p:transition>
+    <p:fade/>
+  </p:transition>
 </p:sldLayout>
 </file>
 
@@ -3293,7 +3323,7 @@
           <a:p>
             <a:fld id="{54D65B13-E26F-481D-A48B-614E20257810}" type="datetime1">
               <a:rPr lang="en-US" smtClean="0"/>
-              <a:t>9/23/2012</a:t>
+              <a:t>9/24/2012</a:t>
             </a:fld>
             <a:endParaRPr lang="en-US"/>
           </a:p>
@@ -3546,6 +3576,9 @@
   <p:clrMapOvr>
     <a:masterClrMapping/>
   </p:clrMapOvr>
+  <p:transition>
+    <p:fade/>
+  </p:transition>
 </p:sldLayout>
 </file>
 
@@ -3793,7 +3826,7 @@
           <a:p>
             <a:fld id="{191AF15E-0006-4E83-9229-FDB290031091}" type="datetime1">
               <a:rPr lang="en-US" smtClean="0"/>
-              <a:t>9/23/2012</a:t>
+              <a:t>9/24/2012</a:t>
             </a:fld>
             <a:endParaRPr lang="en-US"/>
           </a:p>
@@ -3898,6 +3931,9 @@
     <p:sldLayoutId id="2147483814" r:id="rId10"/>
     <p:sldLayoutId id="2147483815" r:id="rId11"/>
   </p:sldLayoutIdLst>
+  <p:transition>
+    <p:fade/>
+  </p:transition>
   <p:hf hdr="0" ftr="0" dt="0"/>
   <p:txStyles>
     <p:titleStyle>
@@ -4216,11 +4252,7 @@
           <a:p>
             <a:r>
               <a:rPr lang="en-US" dirty="0" smtClean="0"/>
-              <a:t>Von Stefan </a:t>
-            </a:r>
-            <a:r>
-              <a:rPr lang="en-US" dirty="0" smtClean="0"/>
-              <a:t>Kuhn</a:t>
+              <a:t>Von Stefan Kuhn</a:t>
             </a:r>
           </a:p>
           <a:p>
@@ -4285,6 +4317,9 @@
   <p:clrMapOvr>
     <a:masterClrMapping/>
   </p:clrMapOvr>
+  <p:transition>
+    <p:fade/>
+  </p:transition>
   <p:timing>
     <p:tnLst>
       <p:par>
@@ -4517,6 +4552,9 @@
   <p:clrMapOvr>
     <a:masterClrMapping/>
   </p:clrMapOvr>
+  <p:transition>
+    <p:fade/>
+  </p:transition>
   <p:timing>
     <p:tnLst>
       <p:par>
@@ -4603,7 +4641,7 @@
         </p:nvSpPr>
         <p:spPr>
           <a:xfrm>
-            <a:off x="914400" y="2743200"/>
+            <a:off x="914400" y="1676400"/>
             <a:ext cx="7772400" cy="3505200"/>
           </a:xfrm>
         </p:spPr>
@@ -4611,36 +4649,74 @@
           <a:bodyPr/>
           <a:lstStyle/>
           <a:p>
+            <a:pPr marL="0" indent="0">
+              <a:buNone/>
+            </a:pPr>
+            <a:r>
+              <a:rPr lang="en-US" dirty="0" err="1" smtClean="0"/>
+              <a:t>Anforderungen</a:t>
+            </a:r>
+            <a:r>
+              <a:rPr lang="en-US" dirty="0"/>
+              <a:t>:</a:t>
+            </a:r>
+            <a:endParaRPr lang="de-DE" dirty="0" smtClean="0"/>
+          </a:p>
+          <a:p>
             <a:r>
               <a:rPr lang="de-DE" dirty="0" smtClean="0"/>
-              <a:t>„Hinweise“ ermöglichen</a:t>
-            </a:r>
-          </a:p>
-          <a:p>
+              <a:t>„Hinweise</a:t>
+            </a:r>
             <a:r>
               <a:rPr lang="de-DE" dirty="0" smtClean="0"/>
-              <a:t>Alternativen bereitstellen</a:t>
+              <a:t>“ ermöglichen</a:t>
             </a:r>
           </a:p>
           <a:p>
             <a:r>
               <a:rPr lang="de-DE" dirty="0" smtClean="0"/>
-              <a:t>Bestimmte Parse Tree Erzeugung eindeutig beschreibbar </a:t>
+              <a:t>Alternative Darstellungen halten</a:t>
+            </a:r>
+          </a:p>
+          <a:p>
+            <a:r>
+              <a:rPr lang="de-DE" dirty="0"/>
+              <a:t>Pro Sprachelement ein Notations </a:t>
+            </a:r>
+            <a:r>
+              <a:rPr lang="de-DE" dirty="0" smtClean="0"/>
+              <a:t>Pendant</a:t>
+            </a:r>
+            <a:endParaRPr lang="de-DE" dirty="0" smtClean="0"/>
+          </a:p>
+          <a:p>
+            <a:r>
+              <a:rPr lang="de-DE" dirty="0" smtClean="0"/>
+              <a:t>Parse </a:t>
+            </a:r>
+            <a:r>
+              <a:rPr lang="de-DE" dirty="0" smtClean="0"/>
+              <a:t>Tree Erzeugung eindeutig </a:t>
             </a:r>
             <a:r>
               <a:rPr lang="de-DE" dirty="0" smtClean="0">
                 <a:sym typeface="Wingdings" pitchFamily="2" charset="2"/>
               </a:rPr>
-              <a:t> (fast) Parse Tree Substitut</a:t>
+              <a:t> Parse </a:t>
+            </a:r>
+            <a:r>
+              <a:rPr lang="de-DE" dirty="0" smtClean="0">
+                <a:sym typeface="Wingdings" pitchFamily="2" charset="2"/>
+              </a:rPr>
+              <a:t>Tree </a:t>
+            </a:r>
+            <a:r>
+              <a:rPr lang="de-DE" dirty="0" smtClean="0">
+                <a:sym typeface="Wingdings" pitchFamily="2" charset="2"/>
+              </a:rPr>
+              <a:t>Substitut</a:t>
             </a:r>
             <a:endParaRPr lang="de-DE" dirty="0" smtClean="0"/>
-          </a:p>
-          <a:p>
-            <a:r>
-              <a:rPr lang="de-DE" dirty="0" smtClean="0"/>
-              <a:t>Pro Sprachelement ein Notations Pendant</a:t>
-            </a:r>
-            <a:endParaRPr lang="de-DE" dirty="0"/>
           </a:p>
         </p:txBody>
       </p:sp>
@@ -4652,7 +4728,7 @@
         </p:nvSpPr>
         <p:spPr>
           <a:xfrm>
-            <a:off x="990600" y="1639669"/>
+            <a:off x="838200" y="4343400"/>
             <a:ext cx="7620000" cy="646331"/>
           </a:xfrm>
           <a:prstGeom prst="rect">
@@ -4781,12 +4857,320 @@
   <p:clrMapOvr>
     <a:masterClrMapping/>
   </p:clrMapOvr>
+  <p:transition>
+    <p:fade/>
+  </p:transition>
   <p:timing>
     <p:tnLst>
       <p:par>
-        <p:cTn id="1" dur="indefinite" restart="never" nodeType="tmRoot"/>
+        <p:cTn id="1" dur="indefinite" restart="never" nodeType="tmRoot">
+          <p:childTnLst>
+            <p:seq concurrent="1" nextAc="seek">
+              <p:cTn id="2" dur="indefinite" nodeType="mainSeq">
+                <p:childTnLst>
+                  <p:par>
+                    <p:cTn id="3" fill="hold">
+                      <p:stCondLst>
+                        <p:cond delay="indefinite"/>
+                      </p:stCondLst>
+                      <p:childTnLst>
+                        <p:par>
+                          <p:cTn id="4" fill="hold">
+                            <p:stCondLst>
+                              <p:cond delay="0"/>
+                            </p:stCondLst>
+                            <p:childTnLst>
+                              <p:par>
+                                <p:cTn id="5" presetID="10" presetClass="entr" presetSubtype="0" fill="hold" nodeType="clickEffect">
+                                  <p:stCondLst>
+                                    <p:cond delay="0"/>
+                                  </p:stCondLst>
+                                  <p:childTnLst>
+                                    <p:set>
+                                      <p:cBhvr>
+                                        <p:cTn id="6" dur="1" fill="hold">
+                                          <p:stCondLst>
+                                            <p:cond delay="0"/>
+                                          </p:stCondLst>
+                                        </p:cTn>
+                                        <p:tgtEl>
+                                          <p:spTgt spid="4">
+                                            <p:txEl>
+                                              <p:pRg st="1" end="1"/>
+                                            </p:txEl>
+                                          </p:spTgt>
+                                        </p:tgtEl>
+                                        <p:attrNameLst>
+                                          <p:attrName>style.visibility</p:attrName>
+                                        </p:attrNameLst>
+                                      </p:cBhvr>
+                                      <p:to>
+                                        <p:strVal val="visible"/>
+                                      </p:to>
+                                    </p:set>
+                                    <p:animEffect transition="in" filter="fade">
+                                      <p:cBhvr>
+                                        <p:cTn id="7" dur="250"/>
+                                        <p:tgtEl>
+                                          <p:spTgt spid="4">
+                                            <p:txEl>
+                                              <p:pRg st="1" end="1"/>
+                                            </p:txEl>
+                                          </p:spTgt>
+                                        </p:tgtEl>
+                                      </p:cBhvr>
+                                    </p:animEffect>
+                                  </p:childTnLst>
+                                </p:cTn>
+                              </p:par>
+                            </p:childTnLst>
+                          </p:cTn>
+                        </p:par>
+                      </p:childTnLst>
+                    </p:cTn>
+                  </p:par>
+                  <p:par>
+                    <p:cTn id="8" fill="hold">
+                      <p:stCondLst>
+                        <p:cond delay="indefinite"/>
+                      </p:stCondLst>
+                      <p:childTnLst>
+                        <p:par>
+                          <p:cTn id="9" fill="hold">
+                            <p:stCondLst>
+                              <p:cond delay="0"/>
+                            </p:stCondLst>
+                            <p:childTnLst>
+                              <p:par>
+                                <p:cTn id="10" presetID="10" presetClass="entr" presetSubtype="0" fill="hold" nodeType="clickEffect">
+                                  <p:stCondLst>
+                                    <p:cond delay="0"/>
+                                  </p:stCondLst>
+                                  <p:childTnLst>
+                                    <p:set>
+                                      <p:cBhvr>
+                                        <p:cTn id="11" dur="1" fill="hold">
+                                          <p:stCondLst>
+                                            <p:cond delay="0"/>
+                                          </p:stCondLst>
+                                        </p:cTn>
+                                        <p:tgtEl>
+                                          <p:spTgt spid="4">
+                                            <p:txEl>
+                                              <p:pRg st="2" end="2"/>
+                                            </p:txEl>
+                                          </p:spTgt>
+                                        </p:tgtEl>
+                                        <p:attrNameLst>
+                                          <p:attrName>style.visibility</p:attrName>
+                                        </p:attrNameLst>
+                                      </p:cBhvr>
+                                      <p:to>
+                                        <p:strVal val="visible"/>
+                                      </p:to>
+                                    </p:set>
+                                    <p:animEffect transition="in" filter="fade">
+                                      <p:cBhvr>
+                                        <p:cTn id="12" dur="250"/>
+                                        <p:tgtEl>
+                                          <p:spTgt spid="4">
+                                            <p:txEl>
+                                              <p:pRg st="2" end="2"/>
+                                            </p:txEl>
+                                          </p:spTgt>
+                                        </p:tgtEl>
+                                      </p:cBhvr>
+                                    </p:animEffect>
+                                  </p:childTnLst>
+                                </p:cTn>
+                              </p:par>
+                            </p:childTnLst>
+                          </p:cTn>
+                        </p:par>
+                      </p:childTnLst>
+                    </p:cTn>
+                  </p:par>
+                  <p:par>
+                    <p:cTn id="13" fill="hold">
+                      <p:stCondLst>
+                        <p:cond delay="indefinite"/>
+                      </p:stCondLst>
+                      <p:childTnLst>
+                        <p:par>
+                          <p:cTn id="14" fill="hold">
+                            <p:stCondLst>
+                              <p:cond delay="0"/>
+                            </p:stCondLst>
+                            <p:childTnLst>
+                              <p:par>
+                                <p:cTn id="15" presetID="10" presetClass="entr" presetSubtype="0" fill="hold" nodeType="clickEffect">
+                                  <p:stCondLst>
+                                    <p:cond delay="0"/>
+                                  </p:stCondLst>
+                                  <p:childTnLst>
+                                    <p:set>
+                                      <p:cBhvr>
+                                        <p:cTn id="16" dur="1" fill="hold">
+                                          <p:stCondLst>
+                                            <p:cond delay="0"/>
+                                          </p:stCondLst>
+                                        </p:cTn>
+                                        <p:tgtEl>
+                                          <p:spTgt spid="4">
+                                            <p:txEl>
+                                              <p:pRg st="3" end="3"/>
+                                            </p:txEl>
+                                          </p:spTgt>
+                                        </p:tgtEl>
+                                        <p:attrNameLst>
+                                          <p:attrName>style.visibility</p:attrName>
+                                        </p:attrNameLst>
+                                      </p:cBhvr>
+                                      <p:to>
+                                        <p:strVal val="visible"/>
+                                      </p:to>
+                                    </p:set>
+                                    <p:animEffect transition="in" filter="fade">
+                                      <p:cBhvr>
+                                        <p:cTn id="17" dur="250"/>
+                                        <p:tgtEl>
+                                          <p:spTgt spid="4">
+                                            <p:txEl>
+                                              <p:pRg st="3" end="3"/>
+                                            </p:txEl>
+                                          </p:spTgt>
+                                        </p:tgtEl>
+                                      </p:cBhvr>
+                                    </p:animEffect>
+                                  </p:childTnLst>
+                                </p:cTn>
+                              </p:par>
+                            </p:childTnLst>
+                          </p:cTn>
+                        </p:par>
+                      </p:childTnLst>
+                    </p:cTn>
+                  </p:par>
+                  <p:par>
+                    <p:cTn id="18" fill="hold">
+                      <p:stCondLst>
+                        <p:cond delay="indefinite"/>
+                      </p:stCondLst>
+                      <p:childTnLst>
+                        <p:par>
+                          <p:cTn id="19" fill="hold">
+                            <p:stCondLst>
+                              <p:cond delay="0"/>
+                            </p:stCondLst>
+                            <p:childTnLst>
+                              <p:par>
+                                <p:cTn id="20" presetID="10" presetClass="entr" presetSubtype="0" fill="hold" nodeType="clickEffect">
+                                  <p:stCondLst>
+                                    <p:cond delay="0"/>
+                                  </p:stCondLst>
+                                  <p:childTnLst>
+                                    <p:set>
+                                      <p:cBhvr>
+                                        <p:cTn id="21" dur="1" fill="hold">
+                                          <p:stCondLst>
+                                            <p:cond delay="0"/>
+                                          </p:stCondLst>
+                                        </p:cTn>
+                                        <p:tgtEl>
+                                          <p:spTgt spid="4">
+                                            <p:txEl>
+                                              <p:pRg st="4" end="4"/>
+                                            </p:txEl>
+                                          </p:spTgt>
+                                        </p:tgtEl>
+                                        <p:attrNameLst>
+                                          <p:attrName>style.visibility</p:attrName>
+                                        </p:attrNameLst>
+                                      </p:cBhvr>
+                                      <p:to>
+                                        <p:strVal val="visible"/>
+                                      </p:to>
+                                    </p:set>
+                                    <p:animEffect transition="in" filter="fade">
+                                      <p:cBhvr>
+                                        <p:cTn id="22" dur="250"/>
+                                        <p:tgtEl>
+                                          <p:spTgt spid="4">
+                                            <p:txEl>
+                                              <p:pRg st="4" end="4"/>
+                                            </p:txEl>
+                                          </p:spTgt>
+                                        </p:tgtEl>
+                                      </p:cBhvr>
+                                    </p:animEffect>
+                                  </p:childTnLst>
+                                </p:cTn>
+                              </p:par>
+                              <p:par>
+                                <p:cTn id="23" presetID="10" presetClass="entr" presetSubtype="0" fill="hold" grpId="0" nodeType="withEffect">
+                                  <p:stCondLst>
+                                    <p:cond delay="0"/>
+                                  </p:stCondLst>
+                                  <p:childTnLst>
+                                    <p:set>
+                                      <p:cBhvr>
+                                        <p:cTn id="24" dur="1" fill="hold">
+                                          <p:stCondLst>
+                                            <p:cond delay="0"/>
+                                          </p:stCondLst>
+                                        </p:cTn>
+                                        <p:tgtEl>
+                                          <p:spTgt spid="5"/>
+                                        </p:tgtEl>
+                                        <p:attrNameLst>
+                                          <p:attrName>style.visibility</p:attrName>
+                                        </p:attrNameLst>
+                                      </p:cBhvr>
+                                      <p:to>
+                                        <p:strVal val="visible"/>
+                                      </p:to>
+                                    </p:set>
+                                    <p:animEffect transition="in" filter="fade">
+                                      <p:cBhvr>
+                                        <p:cTn id="25" dur="250"/>
+                                        <p:tgtEl>
+                                          <p:spTgt spid="5"/>
+                                        </p:tgtEl>
+                                      </p:cBhvr>
+                                    </p:animEffect>
+                                  </p:childTnLst>
+                                </p:cTn>
+                              </p:par>
+                            </p:childTnLst>
+                          </p:cTn>
+                        </p:par>
+                      </p:childTnLst>
+                    </p:cTn>
+                  </p:par>
+                </p:childTnLst>
+              </p:cTn>
+              <p:prevCondLst>
+                <p:cond evt="onPrev" delay="0">
+                  <p:tgtEl>
+                    <p:sldTgt/>
+                  </p:tgtEl>
+                </p:cond>
+              </p:prevCondLst>
+              <p:nextCondLst>
+                <p:cond evt="onNext" delay="0">
+                  <p:tgtEl>
+                    <p:sldTgt/>
+                  </p:tgtEl>
+                </p:cond>
+              </p:nextCondLst>
+            </p:seq>
+          </p:childTnLst>
+        </p:cTn>
       </p:par>
     </p:tnLst>
+    <p:bldLst>
+      <p:bldP spid="5" grpId="0" animBg="1"/>
+    </p:bldLst>
   </p:timing>
 </p:sld>
 </file>
@@ -4978,10 +5362,219 @@
   <p:clrMapOvr>
     <a:masterClrMapping/>
   </p:clrMapOvr>
+  <p:transition>
+    <p:fade/>
+  </p:transition>
   <p:timing>
     <p:tnLst>
       <p:par>
-        <p:cTn id="1" dur="indefinite" restart="never" nodeType="tmRoot"/>
+        <p:cTn id="1" dur="indefinite" restart="never" nodeType="tmRoot">
+          <p:childTnLst>
+            <p:seq concurrent="1" nextAc="seek">
+              <p:cTn id="2" dur="indefinite" nodeType="mainSeq">
+                <p:childTnLst>
+                  <p:par>
+                    <p:cTn id="3" fill="hold">
+                      <p:stCondLst>
+                        <p:cond delay="indefinite"/>
+                      </p:stCondLst>
+                      <p:childTnLst>
+                        <p:par>
+                          <p:cTn id="4" fill="hold">
+                            <p:stCondLst>
+                              <p:cond delay="0"/>
+                            </p:stCondLst>
+                            <p:childTnLst>
+                              <p:par>
+                                <p:cTn id="5" presetID="10" presetClass="entr" presetSubtype="0" fill="hold" nodeType="clickEffect">
+                                  <p:stCondLst>
+                                    <p:cond delay="0"/>
+                                  </p:stCondLst>
+                                  <p:childTnLst>
+                                    <p:set>
+                                      <p:cBhvr>
+                                        <p:cTn id="6" dur="1" fill="hold">
+                                          <p:stCondLst>
+                                            <p:cond delay="0"/>
+                                          </p:stCondLst>
+                                        </p:cTn>
+                                        <p:tgtEl>
+                                          <p:spTgt spid="7">
+                                            <p:txEl>
+                                              <p:pRg st="0" end="0"/>
+                                            </p:txEl>
+                                          </p:spTgt>
+                                        </p:tgtEl>
+                                        <p:attrNameLst>
+                                          <p:attrName>style.visibility</p:attrName>
+                                        </p:attrNameLst>
+                                      </p:cBhvr>
+                                      <p:to>
+                                        <p:strVal val="visible"/>
+                                      </p:to>
+                                    </p:set>
+                                    <p:animEffect transition="in" filter="fade">
+                                      <p:cBhvr>
+                                        <p:cTn id="7" dur="250"/>
+                                        <p:tgtEl>
+                                          <p:spTgt spid="7">
+                                            <p:txEl>
+                                              <p:pRg st="0" end="0"/>
+                                            </p:txEl>
+                                          </p:spTgt>
+                                        </p:tgtEl>
+                                      </p:cBhvr>
+                                    </p:animEffect>
+                                  </p:childTnLst>
+                                </p:cTn>
+                              </p:par>
+                            </p:childTnLst>
+                          </p:cTn>
+                        </p:par>
+                      </p:childTnLst>
+                    </p:cTn>
+                  </p:par>
+                  <p:par>
+                    <p:cTn id="8" fill="hold">
+                      <p:stCondLst>
+                        <p:cond delay="indefinite"/>
+                      </p:stCondLst>
+                      <p:childTnLst>
+                        <p:par>
+                          <p:cTn id="9" fill="hold">
+                            <p:stCondLst>
+                              <p:cond delay="0"/>
+                            </p:stCondLst>
+                            <p:childTnLst>
+                              <p:par>
+                                <p:cTn id="10" presetID="10" presetClass="entr" presetSubtype="0" fill="hold" nodeType="clickEffect">
+                                  <p:stCondLst>
+                                    <p:cond delay="0"/>
+                                  </p:stCondLst>
+                                  <p:childTnLst>
+                                    <p:set>
+                                      <p:cBhvr>
+                                        <p:cTn id="11" dur="1" fill="hold">
+                                          <p:stCondLst>
+                                            <p:cond delay="0"/>
+                                          </p:stCondLst>
+                                        </p:cTn>
+                                        <p:tgtEl>
+                                          <p:spTgt spid="7">
+                                            <p:txEl>
+                                              <p:pRg st="1" end="1"/>
+                                            </p:txEl>
+                                          </p:spTgt>
+                                        </p:tgtEl>
+                                        <p:attrNameLst>
+                                          <p:attrName>style.visibility</p:attrName>
+                                        </p:attrNameLst>
+                                      </p:cBhvr>
+                                      <p:to>
+                                        <p:strVal val="visible"/>
+                                      </p:to>
+                                    </p:set>
+                                    <p:animEffect transition="in" filter="fade">
+                                      <p:cBhvr>
+                                        <p:cTn id="12" dur="250"/>
+                                        <p:tgtEl>
+                                          <p:spTgt spid="7">
+                                            <p:txEl>
+                                              <p:pRg st="1" end="1"/>
+                                            </p:txEl>
+                                          </p:spTgt>
+                                        </p:tgtEl>
+                                      </p:cBhvr>
+                                    </p:animEffect>
+                                  </p:childTnLst>
+                                </p:cTn>
+                              </p:par>
+                            </p:childTnLst>
+                          </p:cTn>
+                        </p:par>
+                      </p:childTnLst>
+                    </p:cTn>
+                  </p:par>
+                  <p:par>
+                    <p:cTn id="13" fill="hold">
+                      <p:stCondLst>
+                        <p:cond delay="indefinite"/>
+                      </p:stCondLst>
+                      <p:childTnLst>
+                        <p:par>
+                          <p:cTn id="14" fill="hold">
+                            <p:stCondLst>
+                              <p:cond delay="0"/>
+                            </p:stCondLst>
+                            <p:childTnLst>
+                              <p:par>
+                                <p:cTn id="15" presetID="10" presetClass="entr" presetSubtype="0" fill="hold" nodeType="clickEffect">
+                                  <p:stCondLst>
+                                    <p:cond delay="0"/>
+                                  </p:stCondLst>
+                                  <p:childTnLst>
+                                    <p:set>
+                                      <p:cBhvr>
+                                        <p:cTn id="16" dur="1" fill="hold">
+                                          <p:stCondLst>
+                                            <p:cond delay="0"/>
+                                          </p:stCondLst>
+                                        </p:cTn>
+                                        <p:tgtEl>
+                                          <p:spTgt spid="7">
+                                            <p:txEl>
+                                              <p:pRg st="2" end="2"/>
+                                            </p:txEl>
+                                          </p:spTgt>
+                                        </p:tgtEl>
+                                        <p:attrNameLst>
+                                          <p:attrName>style.visibility</p:attrName>
+                                        </p:attrNameLst>
+                                      </p:cBhvr>
+                                      <p:to>
+                                        <p:strVal val="visible"/>
+                                      </p:to>
+                                    </p:set>
+                                    <p:animEffect transition="in" filter="fade">
+                                      <p:cBhvr>
+                                        <p:cTn id="17" dur="250"/>
+                                        <p:tgtEl>
+                                          <p:spTgt spid="7">
+                                            <p:txEl>
+                                              <p:pRg st="2" end="2"/>
+                                            </p:txEl>
+                                          </p:spTgt>
+                                        </p:tgtEl>
+                                      </p:cBhvr>
+                                    </p:animEffect>
+                                  </p:childTnLst>
+                                </p:cTn>
+                              </p:par>
+                            </p:childTnLst>
+                          </p:cTn>
+                        </p:par>
+                      </p:childTnLst>
+                    </p:cTn>
+                  </p:par>
+                </p:childTnLst>
+              </p:cTn>
+              <p:prevCondLst>
+                <p:cond evt="onPrev" delay="0">
+                  <p:tgtEl>
+                    <p:sldTgt/>
+                  </p:tgtEl>
+                </p:cond>
+              </p:prevCondLst>
+              <p:nextCondLst>
+                <p:cond evt="onNext" delay="0">
+                  <p:tgtEl>
+                    <p:sldTgt/>
+                  </p:tgtEl>
+                </p:cond>
+              </p:nextCondLst>
+            </p:seq>
+          </p:childTnLst>
+        </p:cTn>
       </p:par>
     </p:tnLst>
   </p:timing>
@@ -5181,12 +5774,323 @@
   <p:clrMapOvr>
     <a:masterClrMapping/>
   </p:clrMapOvr>
+  <p:transition>
+    <p:fade/>
+  </p:transition>
   <p:timing>
     <p:tnLst>
       <p:par>
-        <p:cTn id="1" dur="indefinite" restart="never" nodeType="tmRoot"/>
+        <p:cTn id="1" dur="indefinite" restart="never" nodeType="tmRoot">
+          <p:childTnLst>
+            <p:seq concurrent="1" nextAc="seek">
+              <p:cTn id="2" dur="indefinite" nodeType="mainSeq">
+                <p:childTnLst>
+                  <p:par>
+                    <p:cTn id="3" fill="hold">
+                      <p:stCondLst>
+                        <p:cond delay="indefinite"/>
+                        <p:cond evt="onBegin" delay="0">
+                          <p:tn val="2"/>
+                        </p:cond>
+                      </p:stCondLst>
+                      <p:childTnLst>
+                        <p:par>
+                          <p:cTn id="4" fill="hold">
+                            <p:stCondLst>
+                              <p:cond delay="0"/>
+                            </p:stCondLst>
+                            <p:childTnLst>
+                              <p:par>
+                                <p:cTn id="5" presetID="10" presetClass="entr" presetSubtype="0" fill="hold" grpId="0" nodeType="afterEffect">
+                                  <p:stCondLst>
+                                    <p:cond delay="500"/>
+                                  </p:stCondLst>
+                                  <p:childTnLst>
+                                    <p:set>
+                                      <p:cBhvr>
+                                        <p:cTn id="6" dur="1" fill="hold">
+                                          <p:stCondLst>
+                                            <p:cond delay="0"/>
+                                          </p:stCondLst>
+                                        </p:cTn>
+                                        <p:tgtEl>
+                                          <p:spTgt spid="6">
+                                            <p:txEl>
+                                              <p:pRg st="0" end="0"/>
+                                            </p:txEl>
+                                          </p:spTgt>
+                                        </p:tgtEl>
+                                        <p:attrNameLst>
+                                          <p:attrName>style.visibility</p:attrName>
+                                        </p:attrNameLst>
+                                      </p:cBhvr>
+                                      <p:to>
+                                        <p:strVal val="visible"/>
+                                      </p:to>
+                                    </p:set>
+                                    <p:animEffect transition="in" filter="fade">
+                                      <p:cBhvr>
+                                        <p:cTn id="7" dur="250"/>
+                                        <p:tgtEl>
+                                          <p:spTgt spid="6">
+                                            <p:txEl>
+                                              <p:pRg st="0" end="0"/>
+                                            </p:txEl>
+                                          </p:spTgt>
+                                        </p:tgtEl>
+                                      </p:cBhvr>
+                                    </p:animEffect>
+                                  </p:childTnLst>
+                                </p:cTn>
+                              </p:par>
+                            </p:childTnLst>
+                          </p:cTn>
+                        </p:par>
+                        <p:par>
+                          <p:cTn id="8" fill="hold">
+                            <p:stCondLst>
+                              <p:cond delay="750"/>
+                            </p:stCondLst>
+                            <p:childTnLst>
+                              <p:par>
+                                <p:cTn id="9" presetID="10" presetClass="entr" presetSubtype="0" fill="hold" grpId="0" nodeType="afterEffect">
+                                  <p:stCondLst>
+                                    <p:cond delay="500"/>
+                                  </p:stCondLst>
+                                  <p:childTnLst>
+                                    <p:set>
+                                      <p:cBhvr>
+                                        <p:cTn id="10" dur="1" fill="hold">
+                                          <p:stCondLst>
+                                            <p:cond delay="0"/>
+                                          </p:stCondLst>
+                                        </p:cTn>
+                                        <p:tgtEl>
+                                          <p:spTgt spid="6">
+                                            <p:txEl>
+                                              <p:pRg st="1" end="1"/>
+                                            </p:txEl>
+                                          </p:spTgt>
+                                        </p:tgtEl>
+                                        <p:attrNameLst>
+                                          <p:attrName>style.visibility</p:attrName>
+                                        </p:attrNameLst>
+                                      </p:cBhvr>
+                                      <p:to>
+                                        <p:strVal val="visible"/>
+                                      </p:to>
+                                    </p:set>
+                                    <p:animEffect transition="in" filter="fade">
+                                      <p:cBhvr>
+                                        <p:cTn id="11" dur="250"/>
+                                        <p:tgtEl>
+                                          <p:spTgt spid="6">
+                                            <p:txEl>
+                                              <p:pRg st="1" end="1"/>
+                                            </p:txEl>
+                                          </p:spTgt>
+                                        </p:tgtEl>
+                                      </p:cBhvr>
+                                    </p:animEffect>
+                                  </p:childTnLst>
+                                </p:cTn>
+                              </p:par>
+                            </p:childTnLst>
+                          </p:cTn>
+                        </p:par>
+                      </p:childTnLst>
+                    </p:cTn>
+                  </p:par>
+                  <p:par>
+                    <p:cTn id="12" fill="hold">
+                      <p:stCondLst>
+                        <p:cond delay="indefinite"/>
+                      </p:stCondLst>
+                      <p:childTnLst>
+                        <p:par>
+                          <p:cTn id="13" fill="hold">
+                            <p:stCondLst>
+                              <p:cond delay="0"/>
+                            </p:stCondLst>
+                            <p:childTnLst>
+                              <p:par>
+                                <p:cTn id="14" presetID="10" presetClass="entr" presetSubtype="0" fill="hold" grpId="0" nodeType="clickEffect">
+                                  <p:stCondLst>
+                                    <p:cond delay="0"/>
+                                  </p:stCondLst>
+                                  <p:childTnLst>
+                                    <p:set>
+                                      <p:cBhvr>
+                                        <p:cTn id="15" dur="1" fill="hold">
+                                          <p:stCondLst>
+                                            <p:cond delay="0"/>
+                                          </p:stCondLst>
+                                        </p:cTn>
+                                        <p:tgtEl>
+                                          <p:spTgt spid="8">
+                                            <p:txEl>
+                                              <p:pRg st="0" end="0"/>
+                                            </p:txEl>
+                                          </p:spTgt>
+                                        </p:tgtEl>
+                                        <p:attrNameLst>
+                                          <p:attrName>style.visibility</p:attrName>
+                                        </p:attrNameLst>
+                                      </p:cBhvr>
+                                      <p:to>
+                                        <p:strVal val="visible"/>
+                                      </p:to>
+                                    </p:set>
+                                    <p:animEffect transition="in" filter="fade">
+                                      <p:cBhvr>
+                                        <p:cTn id="16" dur="250"/>
+                                        <p:tgtEl>
+                                          <p:spTgt spid="8">
+                                            <p:txEl>
+                                              <p:pRg st="0" end="0"/>
+                                            </p:txEl>
+                                          </p:spTgt>
+                                        </p:tgtEl>
+                                      </p:cBhvr>
+                                    </p:animEffect>
+                                  </p:childTnLst>
+                                </p:cTn>
+                              </p:par>
+                            </p:childTnLst>
+                          </p:cTn>
+                        </p:par>
+                        <p:par>
+                          <p:cTn id="17" fill="hold">
+                            <p:stCondLst>
+                              <p:cond delay="250"/>
+                            </p:stCondLst>
+                            <p:childTnLst>
+                              <p:par>
+                                <p:cTn id="18" presetID="10" presetClass="entr" presetSubtype="0" fill="hold" grpId="0" nodeType="afterEffect">
+                                  <p:stCondLst>
+                                    <p:cond delay="500"/>
+                                  </p:stCondLst>
+                                  <p:childTnLst>
+                                    <p:set>
+                                      <p:cBhvr>
+                                        <p:cTn id="19" dur="1" fill="hold">
+                                          <p:stCondLst>
+                                            <p:cond delay="0"/>
+                                          </p:stCondLst>
+                                        </p:cTn>
+                                        <p:tgtEl>
+                                          <p:spTgt spid="8">
+                                            <p:txEl>
+                                              <p:pRg st="1" end="1"/>
+                                            </p:txEl>
+                                          </p:spTgt>
+                                        </p:tgtEl>
+                                        <p:attrNameLst>
+                                          <p:attrName>style.visibility</p:attrName>
+                                        </p:attrNameLst>
+                                      </p:cBhvr>
+                                      <p:to>
+                                        <p:strVal val="visible"/>
+                                      </p:to>
+                                    </p:set>
+                                    <p:animEffect transition="in" filter="fade">
+                                      <p:cBhvr>
+                                        <p:cTn id="20" dur="250"/>
+                                        <p:tgtEl>
+                                          <p:spTgt spid="8">
+                                            <p:txEl>
+                                              <p:pRg st="1" end="1"/>
+                                            </p:txEl>
+                                          </p:spTgt>
+                                        </p:tgtEl>
+                                      </p:cBhvr>
+                                    </p:animEffect>
+                                  </p:childTnLst>
+                                </p:cTn>
+                              </p:par>
+                            </p:childTnLst>
+                          </p:cTn>
+                        </p:par>
+                        <p:par>
+                          <p:cTn id="21" fill="hold">
+                            <p:stCondLst>
+                              <p:cond delay="1000"/>
+                            </p:stCondLst>
+                            <p:childTnLst>
+                              <p:par>
+                                <p:cTn id="22" presetID="10" presetClass="entr" presetSubtype="0" fill="hold" grpId="0" nodeType="afterEffect">
+                                  <p:stCondLst>
+                                    <p:cond delay="500"/>
+                                  </p:stCondLst>
+                                  <p:childTnLst>
+                                    <p:set>
+                                      <p:cBhvr>
+                                        <p:cTn id="23" dur="1" fill="hold">
+                                          <p:stCondLst>
+                                            <p:cond delay="0"/>
+                                          </p:stCondLst>
+                                        </p:cTn>
+                                        <p:tgtEl>
+                                          <p:spTgt spid="8">
+                                            <p:txEl>
+                                              <p:pRg st="2" end="2"/>
+                                            </p:txEl>
+                                          </p:spTgt>
+                                        </p:tgtEl>
+                                        <p:attrNameLst>
+                                          <p:attrName>style.visibility</p:attrName>
+                                        </p:attrNameLst>
+                                      </p:cBhvr>
+                                      <p:to>
+                                        <p:strVal val="visible"/>
+                                      </p:to>
+                                    </p:set>
+                                    <p:animEffect transition="in" filter="fade">
+                                      <p:cBhvr>
+                                        <p:cTn id="24" dur="250"/>
+                                        <p:tgtEl>
+                                          <p:spTgt spid="8">
+                                            <p:txEl>
+                                              <p:pRg st="2" end="2"/>
+                                            </p:txEl>
+                                          </p:spTgt>
+                                        </p:tgtEl>
+                                      </p:cBhvr>
+                                    </p:animEffect>
+                                  </p:childTnLst>
+                                </p:cTn>
+                              </p:par>
+                            </p:childTnLst>
+                          </p:cTn>
+                        </p:par>
+                      </p:childTnLst>
+                    </p:cTn>
+                  </p:par>
+                </p:childTnLst>
+              </p:cTn>
+              <p:prevCondLst>
+                <p:cond evt="onPrev" delay="0">
+                  <p:tgtEl>
+                    <p:sldTgt/>
+                  </p:tgtEl>
+                </p:cond>
+              </p:prevCondLst>
+              <p:nextCondLst>
+                <p:cond evt="onNext" delay="0">
+                  <p:tgtEl>
+                    <p:sldTgt/>
+                  </p:tgtEl>
+                </p:cond>
+              </p:nextCondLst>
+            </p:seq>
+          </p:childTnLst>
+        </p:cTn>
       </p:par>
     </p:tnLst>
+    <p:bldLst>
+      <p:bldP spid="6" grpId="0" uiExpand="1" build="p"/>
+      <p:bldP spid="8" grpId="0" uiExpand="1" build="p"/>
+    </p:bldLst>
   </p:timing>
 </p:sld>
 </file>
@@ -5308,6 +6212,9 @@
   <p:clrMapOvr>
     <a:masterClrMapping/>
   </p:clrMapOvr>
+  <p:transition>
+    <p:fade/>
+  </p:transition>
   <p:timing>
     <p:tnLst>
       <p:par>
@@ -5583,12 +6490,687 @@
   <p:clrMapOvr>
     <a:masterClrMapping/>
   </p:clrMapOvr>
+  <p:transition>
+    <p:fade/>
+  </p:transition>
   <p:timing>
     <p:tnLst>
       <p:par>
-        <p:cTn id="1" dur="indefinite" restart="never" nodeType="tmRoot"/>
+        <p:cTn id="1" dur="indefinite" restart="never" nodeType="tmRoot">
+          <p:childTnLst>
+            <p:seq concurrent="1" nextAc="seek">
+              <p:cTn id="2" dur="indefinite" nodeType="mainSeq">
+                <p:childTnLst>
+                  <p:par>
+                    <p:cTn id="3" fill="hold">
+                      <p:stCondLst>
+                        <p:cond delay="indefinite"/>
+                        <p:cond evt="onBegin" delay="0">
+                          <p:tn val="2"/>
+                        </p:cond>
+                      </p:stCondLst>
+                      <p:childTnLst>
+                        <p:par>
+                          <p:cTn id="4" fill="hold">
+                            <p:stCondLst>
+                              <p:cond delay="0"/>
+                            </p:stCondLst>
+                            <p:childTnLst>
+                              <p:par>
+                                <p:cTn id="5" presetID="10" presetClass="entr" presetSubtype="0" fill="hold" grpId="0" nodeType="afterEffect">
+                                  <p:stCondLst>
+                                    <p:cond delay="500"/>
+                                  </p:stCondLst>
+                                  <p:childTnLst>
+                                    <p:set>
+                                      <p:cBhvr>
+                                        <p:cTn id="6" dur="1" fill="hold">
+                                          <p:stCondLst>
+                                            <p:cond delay="0"/>
+                                          </p:stCondLst>
+                                        </p:cTn>
+                                        <p:tgtEl>
+                                          <p:spTgt spid="7">
+                                            <p:txEl>
+                                              <p:pRg st="0" end="0"/>
+                                            </p:txEl>
+                                          </p:spTgt>
+                                        </p:tgtEl>
+                                        <p:attrNameLst>
+                                          <p:attrName>style.visibility</p:attrName>
+                                        </p:attrNameLst>
+                                      </p:cBhvr>
+                                      <p:to>
+                                        <p:strVal val="visible"/>
+                                      </p:to>
+                                    </p:set>
+                                    <p:animEffect transition="in" filter="fade">
+                                      <p:cBhvr>
+                                        <p:cTn id="7" dur="250"/>
+                                        <p:tgtEl>
+                                          <p:spTgt spid="7">
+                                            <p:txEl>
+                                              <p:pRg st="0" end="0"/>
+                                            </p:txEl>
+                                          </p:spTgt>
+                                        </p:tgtEl>
+                                      </p:cBhvr>
+                                    </p:animEffect>
+                                  </p:childTnLst>
+                                </p:cTn>
+                              </p:par>
+                            </p:childTnLst>
+                          </p:cTn>
+                        </p:par>
+                        <p:par>
+                          <p:cTn id="8" fill="hold">
+                            <p:stCondLst>
+                              <p:cond delay="750"/>
+                            </p:stCondLst>
+                            <p:childTnLst>
+                              <p:par>
+                                <p:cTn id="9" presetID="10" presetClass="entr" presetSubtype="0" fill="hold" grpId="0" nodeType="afterEffect">
+                                  <p:stCondLst>
+                                    <p:cond delay="500"/>
+                                  </p:stCondLst>
+                                  <p:childTnLst>
+                                    <p:set>
+                                      <p:cBhvr>
+                                        <p:cTn id="10" dur="1" fill="hold">
+                                          <p:stCondLst>
+                                            <p:cond delay="0"/>
+                                          </p:stCondLst>
+                                        </p:cTn>
+                                        <p:tgtEl>
+                                          <p:spTgt spid="7">
+                                            <p:txEl>
+                                              <p:pRg st="1" end="1"/>
+                                            </p:txEl>
+                                          </p:spTgt>
+                                        </p:tgtEl>
+                                        <p:attrNameLst>
+                                          <p:attrName>style.visibility</p:attrName>
+                                        </p:attrNameLst>
+                                      </p:cBhvr>
+                                      <p:to>
+                                        <p:strVal val="visible"/>
+                                      </p:to>
+                                    </p:set>
+                                    <p:animEffect transition="in" filter="fade">
+                                      <p:cBhvr>
+                                        <p:cTn id="11" dur="250"/>
+                                        <p:tgtEl>
+                                          <p:spTgt spid="7">
+                                            <p:txEl>
+                                              <p:pRg st="1" end="1"/>
+                                            </p:txEl>
+                                          </p:spTgt>
+                                        </p:tgtEl>
+                                      </p:cBhvr>
+                                    </p:animEffect>
+                                  </p:childTnLst>
+                                </p:cTn>
+                              </p:par>
+                            </p:childTnLst>
+                          </p:cTn>
+                        </p:par>
+                        <p:par>
+                          <p:cTn id="12" fill="hold">
+                            <p:stCondLst>
+                              <p:cond delay="1500"/>
+                            </p:stCondLst>
+                            <p:childTnLst>
+                              <p:par>
+                                <p:cTn id="13" presetID="10" presetClass="entr" presetSubtype="0" fill="hold" grpId="0" nodeType="afterEffect">
+                                  <p:stCondLst>
+                                    <p:cond delay="500"/>
+                                  </p:stCondLst>
+                                  <p:childTnLst>
+                                    <p:set>
+                                      <p:cBhvr>
+                                        <p:cTn id="14" dur="1" fill="hold">
+                                          <p:stCondLst>
+                                            <p:cond delay="0"/>
+                                          </p:stCondLst>
+                                        </p:cTn>
+                                        <p:tgtEl>
+                                          <p:spTgt spid="7">
+                                            <p:txEl>
+                                              <p:pRg st="2" end="2"/>
+                                            </p:txEl>
+                                          </p:spTgt>
+                                        </p:tgtEl>
+                                        <p:attrNameLst>
+                                          <p:attrName>style.visibility</p:attrName>
+                                        </p:attrNameLst>
+                                      </p:cBhvr>
+                                      <p:to>
+                                        <p:strVal val="visible"/>
+                                      </p:to>
+                                    </p:set>
+                                    <p:animEffect transition="in" filter="fade">
+                                      <p:cBhvr>
+                                        <p:cTn id="15" dur="250"/>
+                                        <p:tgtEl>
+                                          <p:spTgt spid="7">
+                                            <p:txEl>
+                                              <p:pRg st="2" end="2"/>
+                                            </p:txEl>
+                                          </p:spTgt>
+                                        </p:tgtEl>
+                                      </p:cBhvr>
+                                    </p:animEffect>
+                                  </p:childTnLst>
+                                </p:cTn>
+                              </p:par>
+                            </p:childTnLst>
+                          </p:cTn>
+                        </p:par>
+                        <p:par>
+                          <p:cTn id="16" fill="hold">
+                            <p:stCondLst>
+                              <p:cond delay="2250"/>
+                            </p:stCondLst>
+                            <p:childTnLst>
+                              <p:par>
+                                <p:cTn id="17" presetID="10" presetClass="entr" presetSubtype="0" fill="hold" grpId="0" nodeType="afterEffect">
+                                  <p:stCondLst>
+                                    <p:cond delay="500"/>
+                                  </p:stCondLst>
+                                  <p:childTnLst>
+                                    <p:set>
+                                      <p:cBhvr>
+                                        <p:cTn id="18" dur="1" fill="hold">
+                                          <p:stCondLst>
+                                            <p:cond delay="0"/>
+                                          </p:stCondLst>
+                                        </p:cTn>
+                                        <p:tgtEl>
+                                          <p:spTgt spid="7">
+                                            <p:txEl>
+                                              <p:pRg st="3" end="3"/>
+                                            </p:txEl>
+                                          </p:spTgt>
+                                        </p:tgtEl>
+                                        <p:attrNameLst>
+                                          <p:attrName>style.visibility</p:attrName>
+                                        </p:attrNameLst>
+                                      </p:cBhvr>
+                                      <p:to>
+                                        <p:strVal val="visible"/>
+                                      </p:to>
+                                    </p:set>
+                                    <p:animEffect transition="in" filter="fade">
+                                      <p:cBhvr>
+                                        <p:cTn id="19" dur="250"/>
+                                        <p:tgtEl>
+                                          <p:spTgt spid="7">
+                                            <p:txEl>
+                                              <p:pRg st="3" end="3"/>
+                                            </p:txEl>
+                                          </p:spTgt>
+                                        </p:tgtEl>
+                                      </p:cBhvr>
+                                    </p:animEffect>
+                                  </p:childTnLst>
+                                </p:cTn>
+                              </p:par>
+                            </p:childTnLst>
+                          </p:cTn>
+                        </p:par>
+                      </p:childTnLst>
+                    </p:cTn>
+                  </p:par>
+                  <p:par>
+                    <p:cTn id="20" fill="hold">
+                      <p:stCondLst>
+                        <p:cond delay="indefinite"/>
+                      </p:stCondLst>
+                      <p:childTnLst>
+                        <p:par>
+                          <p:cTn id="21" fill="hold">
+                            <p:stCondLst>
+                              <p:cond delay="0"/>
+                            </p:stCondLst>
+                            <p:childTnLst>
+                              <p:par>
+                                <p:cTn id="22" presetID="10" presetClass="entr" presetSubtype="0" fill="hold" grpId="0" nodeType="clickEffect">
+                                  <p:stCondLst>
+                                    <p:cond delay="500"/>
+                                  </p:stCondLst>
+                                  <p:childTnLst>
+                                    <p:set>
+                                      <p:cBhvr>
+                                        <p:cTn id="23" dur="1" fill="hold">
+                                          <p:stCondLst>
+                                            <p:cond delay="0"/>
+                                          </p:stCondLst>
+                                        </p:cTn>
+                                        <p:tgtEl>
+                                          <p:spTgt spid="9">
+                                            <p:txEl>
+                                              <p:pRg st="0" end="0"/>
+                                            </p:txEl>
+                                          </p:spTgt>
+                                        </p:tgtEl>
+                                        <p:attrNameLst>
+                                          <p:attrName>style.visibility</p:attrName>
+                                        </p:attrNameLst>
+                                      </p:cBhvr>
+                                      <p:to>
+                                        <p:strVal val="visible"/>
+                                      </p:to>
+                                    </p:set>
+                                    <p:animEffect transition="in" filter="fade">
+                                      <p:cBhvr>
+                                        <p:cTn id="24" dur="250"/>
+                                        <p:tgtEl>
+                                          <p:spTgt spid="9">
+                                            <p:txEl>
+                                              <p:pRg st="0" end="0"/>
+                                            </p:txEl>
+                                          </p:spTgt>
+                                        </p:tgtEl>
+                                      </p:cBhvr>
+                                    </p:animEffect>
+                                  </p:childTnLst>
+                                </p:cTn>
+                              </p:par>
+                            </p:childTnLst>
+                          </p:cTn>
+                        </p:par>
+                        <p:par>
+                          <p:cTn id="25" fill="hold">
+                            <p:stCondLst>
+                              <p:cond delay="750"/>
+                            </p:stCondLst>
+                            <p:childTnLst>
+                              <p:par>
+                                <p:cTn id="26" presetID="10" presetClass="entr" presetSubtype="0" fill="hold" grpId="0" nodeType="afterEffect">
+                                  <p:stCondLst>
+                                    <p:cond delay="500"/>
+                                  </p:stCondLst>
+                                  <p:childTnLst>
+                                    <p:set>
+                                      <p:cBhvr>
+                                        <p:cTn id="27" dur="1" fill="hold">
+                                          <p:stCondLst>
+                                            <p:cond delay="0"/>
+                                          </p:stCondLst>
+                                        </p:cTn>
+                                        <p:tgtEl>
+                                          <p:spTgt spid="9">
+                                            <p:txEl>
+                                              <p:pRg st="1" end="1"/>
+                                            </p:txEl>
+                                          </p:spTgt>
+                                        </p:tgtEl>
+                                        <p:attrNameLst>
+                                          <p:attrName>style.visibility</p:attrName>
+                                        </p:attrNameLst>
+                                      </p:cBhvr>
+                                      <p:to>
+                                        <p:strVal val="visible"/>
+                                      </p:to>
+                                    </p:set>
+                                    <p:animEffect transition="in" filter="fade">
+                                      <p:cBhvr>
+                                        <p:cTn id="28" dur="250"/>
+                                        <p:tgtEl>
+                                          <p:spTgt spid="9">
+                                            <p:txEl>
+                                              <p:pRg st="1" end="1"/>
+                                            </p:txEl>
+                                          </p:spTgt>
+                                        </p:tgtEl>
+                                      </p:cBhvr>
+                                    </p:animEffect>
+                                  </p:childTnLst>
+                                </p:cTn>
+                              </p:par>
+                            </p:childTnLst>
+                          </p:cTn>
+                        </p:par>
+                        <p:par>
+                          <p:cTn id="29" fill="hold">
+                            <p:stCondLst>
+                              <p:cond delay="1500"/>
+                            </p:stCondLst>
+                            <p:childTnLst>
+                              <p:par>
+                                <p:cTn id="30" presetID="10" presetClass="entr" presetSubtype="0" fill="hold" grpId="0" nodeType="afterEffect">
+                                  <p:stCondLst>
+                                    <p:cond delay="500"/>
+                                  </p:stCondLst>
+                                  <p:childTnLst>
+                                    <p:set>
+                                      <p:cBhvr>
+                                        <p:cTn id="31" dur="1" fill="hold">
+                                          <p:stCondLst>
+                                            <p:cond delay="0"/>
+                                          </p:stCondLst>
+                                        </p:cTn>
+                                        <p:tgtEl>
+                                          <p:spTgt spid="9">
+                                            <p:txEl>
+                                              <p:pRg st="2" end="2"/>
+                                            </p:txEl>
+                                          </p:spTgt>
+                                        </p:tgtEl>
+                                        <p:attrNameLst>
+                                          <p:attrName>style.visibility</p:attrName>
+                                        </p:attrNameLst>
+                                      </p:cBhvr>
+                                      <p:to>
+                                        <p:strVal val="visible"/>
+                                      </p:to>
+                                    </p:set>
+                                    <p:animEffect transition="in" filter="fade">
+                                      <p:cBhvr>
+                                        <p:cTn id="32" dur="250"/>
+                                        <p:tgtEl>
+                                          <p:spTgt spid="9">
+                                            <p:txEl>
+                                              <p:pRg st="2" end="2"/>
+                                            </p:txEl>
+                                          </p:spTgt>
+                                        </p:tgtEl>
+                                      </p:cBhvr>
+                                    </p:animEffect>
+                                  </p:childTnLst>
+                                </p:cTn>
+                              </p:par>
+                            </p:childTnLst>
+                          </p:cTn>
+                        </p:par>
+                        <p:par>
+                          <p:cTn id="33" fill="hold">
+                            <p:stCondLst>
+                              <p:cond delay="2250"/>
+                            </p:stCondLst>
+                            <p:childTnLst>
+                              <p:par>
+                                <p:cTn id="34" presetID="10" presetClass="entr" presetSubtype="0" fill="hold" grpId="0" nodeType="afterEffect">
+                                  <p:stCondLst>
+                                    <p:cond delay="500"/>
+                                  </p:stCondLst>
+                                  <p:childTnLst>
+                                    <p:set>
+                                      <p:cBhvr>
+                                        <p:cTn id="35" dur="1" fill="hold">
+                                          <p:stCondLst>
+                                            <p:cond delay="0"/>
+                                          </p:stCondLst>
+                                        </p:cTn>
+                                        <p:tgtEl>
+                                          <p:spTgt spid="9">
+                                            <p:txEl>
+                                              <p:pRg st="3" end="3"/>
+                                            </p:txEl>
+                                          </p:spTgt>
+                                        </p:tgtEl>
+                                        <p:attrNameLst>
+                                          <p:attrName>style.visibility</p:attrName>
+                                        </p:attrNameLst>
+                                      </p:cBhvr>
+                                      <p:to>
+                                        <p:strVal val="visible"/>
+                                      </p:to>
+                                    </p:set>
+                                    <p:animEffect transition="in" filter="fade">
+                                      <p:cBhvr>
+                                        <p:cTn id="36" dur="250"/>
+                                        <p:tgtEl>
+                                          <p:spTgt spid="9">
+                                            <p:txEl>
+                                              <p:pRg st="3" end="3"/>
+                                            </p:txEl>
+                                          </p:spTgt>
+                                        </p:tgtEl>
+                                      </p:cBhvr>
+                                    </p:animEffect>
+                                  </p:childTnLst>
+                                </p:cTn>
+                              </p:par>
+                            </p:childTnLst>
+                          </p:cTn>
+                        </p:par>
+                        <p:par>
+                          <p:cTn id="37" fill="hold">
+                            <p:stCondLst>
+                              <p:cond delay="3000"/>
+                            </p:stCondLst>
+                            <p:childTnLst>
+                              <p:par>
+                                <p:cTn id="38" presetID="10" presetClass="entr" presetSubtype="0" fill="hold" grpId="0" nodeType="afterEffect">
+                                  <p:stCondLst>
+                                    <p:cond delay="500"/>
+                                  </p:stCondLst>
+                                  <p:childTnLst>
+                                    <p:set>
+                                      <p:cBhvr>
+                                        <p:cTn id="39" dur="1" fill="hold">
+                                          <p:stCondLst>
+                                            <p:cond delay="0"/>
+                                          </p:stCondLst>
+                                        </p:cTn>
+                                        <p:tgtEl>
+                                          <p:spTgt spid="9">
+                                            <p:txEl>
+                                              <p:pRg st="4" end="4"/>
+                                            </p:txEl>
+                                          </p:spTgt>
+                                        </p:tgtEl>
+                                        <p:attrNameLst>
+                                          <p:attrName>style.visibility</p:attrName>
+                                        </p:attrNameLst>
+                                      </p:cBhvr>
+                                      <p:to>
+                                        <p:strVal val="visible"/>
+                                      </p:to>
+                                    </p:set>
+                                    <p:animEffect transition="in" filter="fade">
+                                      <p:cBhvr>
+                                        <p:cTn id="40" dur="250"/>
+                                        <p:tgtEl>
+                                          <p:spTgt spid="9">
+                                            <p:txEl>
+                                              <p:pRg st="4" end="4"/>
+                                            </p:txEl>
+                                          </p:spTgt>
+                                        </p:tgtEl>
+                                      </p:cBhvr>
+                                    </p:animEffect>
+                                  </p:childTnLst>
+                                </p:cTn>
+                              </p:par>
+                            </p:childTnLst>
+                          </p:cTn>
+                        </p:par>
+                        <p:par>
+                          <p:cTn id="41" fill="hold">
+                            <p:stCondLst>
+                              <p:cond delay="3750"/>
+                            </p:stCondLst>
+                            <p:childTnLst>
+                              <p:par>
+                                <p:cTn id="42" presetID="10" presetClass="entr" presetSubtype="0" fill="hold" grpId="0" nodeType="afterEffect">
+                                  <p:stCondLst>
+                                    <p:cond delay="500"/>
+                                  </p:stCondLst>
+                                  <p:childTnLst>
+                                    <p:set>
+                                      <p:cBhvr>
+                                        <p:cTn id="43" dur="1" fill="hold">
+                                          <p:stCondLst>
+                                            <p:cond delay="0"/>
+                                          </p:stCondLst>
+                                        </p:cTn>
+                                        <p:tgtEl>
+                                          <p:spTgt spid="9">
+                                            <p:txEl>
+                                              <p:pRg st="5" end="5"/>
+                                            </p:txEl>
+                                          </p:spTgt>
+                                        </p:tgtEl>
+                                        <p:attrNameLst>
+                                          <p:attrName>style.visibility</p:attrName>
+                                        </p:attrNameLst>
+                                      </p:cBhvr>
+                                      <p:to>
+                                        <p:strVal val="visible"/>
+                                      </p:to>
+                                    </p:set>
+                                    <p:animEffect transition="in" filter="fade">
+                                      <p:cBhvr>
+                                        <p:cTn id="44" dur="250"/>
+                                        <p:tgtEl>
+                                          <p:spTgt spid="9">
+                                            <p:txEl>
+                                              <p:pRg st="5" end="5"/>
+                                            </p:txEl>
+                                          </p:spTgt>
+                                        </p:tgtEl>
+                                      </p:cBhvr>
+                                    </p:animEffect>
+                                  </p:childTnLst>
+                                </p:cTn>
+                              </p:par>
+                            </p:childTnLst>
+                          </p:cTn>
+                        </p:par>
+                        <p:par>
+                          <p:cTn id="45" fill="hold">
+                            <p:stCondLst>
+                              <p:cond delay="4500"/>
+                            </p:stCondLst>
+                            <p:childTnLst>
+                              <p:par>
+                                <p:cTn id="46" presetID="10" presetClass="entr" presetSubtype="0" fill="hold" grpId="0" nodeType="afterEffect">
+                                  <p:stCondLst>
+                                    <p:cond delay="500"/>
+                                  </p:stCondLst>
+                                  <p:childTnLst>
+                                    <p:set>
+                                      <p:cBhvr>
+                                        <p:cTn id="47" dur="1" fill="hold">
+                                          <p:stCondLst>
+                                            <p:cond delay="0"/>
+                                          </p:stCondLst>
+                                        </p:cTn>
+                                        <p:tgtEl>
+                                          <p:spTgt spid="9">
+                                            <p:txEl>
+                                              <p:pRg st="6" end="6"/>
+                                            </p:txEl>
+                                          </p:spTgt>
+                                        </p:tgtEl>
+                                        <p:attrNameLst>
+                                          <p:attrName>style.visibility</p:attrName>
+                                        </p:attrNameLst>
+                                      </p:cBhvr>
+                                      <p:to>
+                                        <p:strVal val="visible"/>
+                                      </p:to>
+                                    </p:set>
+                                    <p:animEffect transition="in" filter="fade">
+                                      <p:cBhvr>
+                                        <p:cTn id="48" dur="250"/>
+                                        <p:tgtEl>
+                                          <p:spTgt spid="9">
+                                            <p:txEl>
+                                              <p:pRg st="6" end="6"/>
+                                            </p:txEl>
+                                          </p:spTgt>
+                                        </p:tgtEl>
+                                      </p:cBhvr>
+                                    </p:animEffect>
+                                  </p:childTnLst>
+                                </p:cTn>
+                              </p:par>
+                            </p:childTnLst>
+                          </p:cTn>
+                        </p:par>
+                        <p:par>
+                          <p:cTn id="49" fill="hold">
+                            <p:stCondLst>
+                              <p:cond delay="5250"/>
+                            </p:stCondLst>
+                            <p:childTnLst>
+                              <p:par>
+                                <p:cTn id="50" presetID="10" presetClass="entr" presetSubtype="0" fill="hold" grpId="0" nodeType="afterEffect">
+                                  <p:stCondLst>
+                                    <p:cond delay="500"/>
+                                  </p:stCondLst>
+                                  <p:childTnLst>
+                                    <p:set>
+                                      <p:cBhvr>
+                                        <p:cTn id="51" dur="1" fill="hold">
+                                          <p:stCondLst>
+                                            <p:cond delay="0"/>
+                                          </p:stCondLst>
+                                        </p:cTn>
+                                        <p:tgtEl>
+                                          <p:spTgt spid="9">
+                                            <p:txEl>
+                                              <p:pRg st="7" end="7"/>
+                                            </p:txEl>
+                                          </p:spTgt>
+                                        </p:tgtEl>
+                                        <p:attrNameLst>
+                                          <p:attrName>style.visibility</p:attrName>
+                                        </p:attrNameLst>
+                                      </p:cBhvr>
+                                      <p:to>
+                                        <p:strVal val="visible"/>
+                                      </p:to>
+                                    </p:set>
+                                    <p:animEffect transition="in" filter="fade">
+                                      <p:cBhvr>
+                                        <p:cTn id="52" dur="250"/>
+                                        <p:tgtEl>
+                                          <p:spTgt spid="9">
+                                            <p:txEl>
+                                              <p:pRg st="7" end="7"/>
+                                            </p:txEl>
+                                          </p:spTgt>
+                                        </p:tgtEl>
+                                      </p:cBhvr>
+                                    </p:animEffect>
+                                  </p:childTnLst>
+                                </p:cTn>
+                              </p:par>
+                            </p:childTnLst>
+                          </p:cTn>
+                        </p:par>
+                      </p:childTnLst>
+                    </p:cTn>
+                  </p:par>
+                </p:childTnLst>
+              </p:cTn>
+              <p:prevCondLst>
+                <p:cond evt="onPrev" delay="0">
+                  <p:tgtEl>
+                    <p:sldTgt/>
+                  </p:tgtEl>
+                </p:cond>
+              </p:prevCondLst>
+              <p:nextCondLst>
+                <p:cond evt="onNext" delay="0">
+                  <p:tgtEl>
+                    <p:sldTgt/>
+                  </p:tgtEl>
+                </p:cond>
+              </p:nextCondLst>
+            </p:seq>
+          </p:childTnLst>
+        </p:cTn>
       </p:par>
     </p:tnLst>
+    <p:bldLst>
+      <p:bldP spid="7" grpId="0" build="p"/>
+      <p:bldP spid="9" grpId="0" build="p"/>
+    </p:bldLst>
   </p:timing>
 </p:sld>
 </file>
@@ -5817,12 +7399,530 @@
   <p:clrMapOvr>
     <a:masterClrMapping/>
   </p:clrMapOvr>
+  <p:transition>
+    <p:fade/>
+  </p:transition>
   <p:timing>
     <p:tnLst>
       <p:par>
-        <p:cTn id="1" dur="indefinite" restart="never" nodeType="tmRoot"/>
+        <p:cTn id="1" dur="indefinite" restart="never" nodeType="tmRoot">
+          <p:childTnLst>
+            <p:seq concurrent="1" nextAc="seek">
+              <p:cTn id="2" dur="indefinite" nodeType="mainSeq">
+                <p:childTnLst>
+                  <p:par>
+                    <p:cTn id="3" fill="hold">
+                      <p:stCondLst>
+                        <p:cond delay="indefinite"/>
+                        <p:cond evt="onBegin" delay="0">
+                          <p:tn val="2"/>
+                        </p:cond>
+                      </p:stCondLst>
+                      <p:childTnLst>
+                        <p:par>
+                          <p:cTn id="4" fill="hold">
+                            <p:stCondLst>
+                              <p:cond delay="0"/>
+                            </p:stCondLst>
+                            <p:childTnLst>
+                              <p:par>
+                                <p:cTn id="5" presetID="10" presetClass="entr" presetSubtype="0" fill="hold" grpId="0" nodeType="afterEffect">
+                                  <p:stCondLst>
+                                    <p:cond delay="1000"/>
+                                  </p:stCondLst>
+                                  <p:childTnLst>
+                                    <p:set>
+                                      <p:cBhvr>
+                                        <p:cTn id="6" dur="1" fill="hold">
+                                          <p:stCondLst>
+                                            <p:cond delay="0"/>
+                                          </p:stCondLst>
+                                        </p:cTn>
+                                        <p:tgtEl>
+                                          <p:spTgt spid="9">
+                                            <p:txEl>
+                                              <p:pRg st="0" end="0"/>
+                                            </p:txEl>
+                                          </p:spTgt>
+                                        </p:tgtEl>
+                                        <p:attrNameLst>
+                                          <p:attrName>style.visibility</p:attrName>
+                                        </p:attrNameLst>
+                                      </p:cBhvr>
+                                      <p:to>
+                                        <p:strVal val="visible"/>
+                                      </p:to>
+                                    </p:set>
+                                    <p:animEffect transition="in" filter="fade">
+                                      <p:cBhvr>
+                                        <p:cTn id="7" dur="250"/>
+                                        <p:tgtEl>
+                                          <p:spTgt spid="9">
+                                            <p:txEl>
+                                              <p:pRg st="0" end="0"/>
+                                            </p:txEl>
+                                          </p:spTgt>
+                                        </p:tgtEl>
+                                      </p:cBhvr>
+                                    </p:animEffect>
+                                  </p:childTnLst>
+                                </p:cTn>
+                              </p:par>
+                            </p:childTnLst>
+                          </p:cTn>
+                        </p:par>
+                        <p:par>
+                          <p:cTn id="8" fill="hold">
+                            <p:stCondLst>
+                              <p:cond delay="1250"/>
+                            </p:stCondLst>
+                            <p:childTnLst>
+                              <p:par>
+                                <p:cTn id="9" presetID="10" presetClass="entr" presetSubtype="0" fill="hold" grpId="0" nodeType="afterEffect">
+                                  <p:stCondLst>
+                                    <p:cond delay="1000"/>
+                                  </p:stCondLst>
+                                  <p:childTnLst>
+                                    <p:set>
+                                      <p:cBhvr>
+                                        <p:cTn id="10" dur="1" fill="hold">
+                                          <p:stCondLst>
+                                            <p:cond delay="0"/>
+                                          </p:stCondLst>
+                                        </p:cTn>
+                                        <p:tgtEl>
+                                          <p:spTgt spid="9">
+                                            <p:txEl>
+                                              <p:pRg st="1" end="1"/>
+                                            </p:txEl>
+                                          </p:spTgt>
+                                        </p:tgtEl>
+                                        <p:attrNameLst>
+                                          <p:attrName>style.visibility</p:attrName>
+                                        </p:attrNameLst>
+                                      </p:cBhvr>
+                                      <p:to>
+                                        <p:strVal val="visible"/>
+                                      </p:to>
+                                    </p:set>
+                                    <p:animEffect transition="in" filter="fade">
+                                      <p:cBhvr>
+                                        <p:cTn id="11" dur="250"/>
+                                        <p:tgtEl>
+                                          <p:spTgt spid="9">
+                                            <p:txEl>
+                                              <p:pRg st="1" end="1"/>
+                                            </p:txEl>
+                                          </p:spTgt>
+                                        </p:tgtEl>
+                                      </p:cBhvr>
+                                    </p:animEffect>
+                                  </p:childTnLst>
+                                </p:cTn>
+                              </p:par>
+                            </p:childTnLst>
+                          </p:cTn>
+                        </p:par>
+                        <p:par>
+                          <p:cTn id="12" fill="hold">
+                            <p:stCondLst>
+                              <p:cond delay="2500"/>
+                            </p:stCondLst>
+                            <p:childTnLst>
+                              <p:par>
+                                <p:cTn id="13" presetID="10" presetClass="entr" presetSubtype="0" fill="hold" grpId="0" nodeType="afterEffect">
+                                  <p:stCondLst>
+                                    <p:cond delay="1000"/>
+                                  </p:stCondLst>
+                                  <p:childTnLst>
+                                    <p:set>
+                                      <p:cBhvr>
+                                        <p:cTn id="14" dur="1" fill="hold">
+                                          <p:stCondLst>
+                                            <p:cond delay="0"/>
+                                          </p:stCondLst>
+                                        </p:cTn>
+                                        <p:tgtEl>
+                                          <p:spTgt spid="9">
+                                            <p:txEl>
+                                              <p:pRg st="2" end="2"/>
+                                            </p:txEl>
+                                          </p:spTgt>
+                                        </p:tgtEl>
+                                        <p:attrNameLst>
+                                          <p:attrName>style.visibility</p:attrName>
+                                        </p:attrNameLst>
+                                      </p:cBhvr>
+                                      <p:to>
+                                        <p:strVal val="visible"/>
+                                      </p:to>
+                                    </p:set>
+                                    <p:animEffect transition="in" filter="fade">
+                                      <p:cBhvr>
+                                        <p:cTn id="15" dur="250"/>
+                                        <p:tgtEl>
+                                          <p:spTgt spid="9">
+                                            <p:txEl>
+                                              <p:pRg st="2" end="2"/>
+                                            </p:txEl>
+                                          </p:spTgt>
+                                        </p:tgtEl>
+                                      </p:cBhvr>
+                                    </p:animEffect>
+                                  </p:childTnLst>
+                                </p:cTn>
+                              </p:par>
+                            </p:childTnLst>
+                          </p:cTn>
+                        </p:par>
+                        <p:par>
+                          <p:cTn id="16" fill="hold">
+                            <p:stCondLst>
+                              <p:cond delay="3750"/>
+                            </p:stCondLst>
+                            <p:childTnLst>
+                              <p:par>
+                                <p:cTn id="17" presetID="10" presetClass="entr" presetSubtype="0" fill="hold" grpId="0" nodeType="afterEffect">
+                                  <p:stCondLst>
+                                    <p:cond delay="1000"/>
+                                  </p:stCondLst>
+                                  <p:childTnLst>
+                                    <p:set>
+                                      <p:cBhvr>
+                                        <p:cTn id="18" dur="1" fill="hold">
+                                          <p:stCondLst>
+                                            <p:cond delay="0"/>
+                                          </p:stCondLst>
+                                        </p:cTn>
+                                        <p:tgtEl>
+                                          <p:spTgt spid="9">
+                                            <p:txEl>
+                                              <p:pRg st="3" end="3"/>
+                                            </p:txEl>
+                                          </p:spTgt>
+                                        </p:tgtEl>
+                                        <p:attrNameLst>
+                                          <p:attrName>style.visibility</p:attrName>
+                                        </p:attrNameLst>
+                                      </p:cBhvr>
+                                      <p:to>
+                                        <p:strVal val="visible"/>
+                                      </p:to>
+                                    </p:set>
+                                    <p:animEffect transition="in" filter="fade">
+                                      <p:cBhvr>
+                                        <p:cTn id="19" dur="250"/>
+                                        <p:tgtEl>
+                                          <p:spTgt spid="9">
+                                            <p:txEl>
+                                              <p:pRg st="3" end="3"/>
+                                            </p:txEl>
+                                          </p:spTgt>
+                                        </p:tgtEl>
+                                      </p:cBhvr>
+                                    </p:animEffect>
+                                  </p:childTnLst>
+                                </p:cTn>
+                              </p:par>
+                            </p:childTnLst>
+                          </p:cTn>
+                        </p:par>
+                      </p:childTnLst>
+                    </p:cTn>
+                  </p:par>
+                  <p:par>
+                    <p:cTn id="20" fill="hold">
+                      <p:stCondLst>
+                        <p:cond delay="indefinite"/>
+                      </p:stCondLst>
+                      <p:childTnLst>
+                        <p:par>
+                          <p:cTn id="21" fill="hold">
+                            <p:stCondLst>
+                              <p:cond delay="0"/>
+                            </p:stCondLst>
+                            <p:childTnLst>
+                              <p:par>
+                                <p:cTn id="22" presetID="10" presetClass="entr" presetSubtype="0" fill="hold" grpId="0" nodeType="clickEffect">
+                                  <p:stCondLst>
+                                    <p:cond delay="1000"/>
+                                  </p:stCondLst>
+                                  <p:childTnLst>
+                                    <p:set>
+                                      <p:cBhvr>
+                                        <p:cTn id="23" dur="1" fill="hold">
+                                          <p:stCondLst>
+                                            <p:cond delay="0"/>
+                                          </p:stCondLst>
+                                        </p:cTn>
+                                        <p:tgtEl>
+                                          <p:spTgt spid="9">
+                                            <p:txEl>
+                                              <p:pRg st="4" end="4"/>
+                                            </p:txEl>
+                                          </p:spTgt>
+                                        </p:tgtEl>
+                                        <p:attrNameLst>
+                                          <p:attrName>style.visibility</p:attrName>
+                                        </p:attrNameLst>
+                                      </p:cBhvr>
+                                      <p:to>
+                                        <p:strVal val="visible"/>
+                                      </p:to>
+                                    </p:set>
+                                    <p:animEffect transition="in" filter="fade">
+                                      <p:cBhvr>
+                                        <p:cTn id="24" dur="250"/>
+                                        <p:tgtEl>
+                                          <p:spTgt spid="9">
+                                            <p:txEl>
+                                              <p:pRg st="4" end="4"/>
+                                            </p:txEl>
+                                          </p:spTgt>
+                                        </p:tgtEl>
+                                      </p:cBhvr>
+                                    </p:animEffect>
+                                  </p:childTnLst>
+                                </p:cTn>
+                              </p:par>
+                            </p:childTnLst>
+                          </p:cTn>
+                        </p:par>
+                        <p:par>
+                          <p:cTn id="25" fill="hold">
+                            <p:stCondLst>
+                              <p:cond delay="1250"/>
+                            </p:stCondLst>
+                            <p:childTnLst>
+                              <p:par>
+                                <p:cTn id="26" presetID="10" presetClass="entr" presetSubtype="0" fill="hold" grpId="0" nodeType="afterEffect">
+                                  <p:stCondLst>
+                                    <p:cond delay="1000"/>
+                                  </p:stCondLst>
+                                  <p:childTnLst>
+                                    <p:set>
+                                      <p:cBhvr>
+                                        <p:cTn id="27" dur="1" fill="hold">
+                                          <p:stCondLst>
+                                            <p:cond delay="0"/>
+                                          </p:stCondLst>
+                                        </p:cTn>
+                                        <p:tgtEl>
+                                          <p:spTgt spid="9">
+                                            <p:txEl>
+                                              <p:pRg st="5" end="5"/>
+                                            </p:txEl>
+                                          </p:spTgt>
+                                        </p:tgtEl>
+                                        <p:attrNameLst>
+                                          <p:attrName>style.visibility</p:attrName>
+                                        </p:attrNameLst>
+                                      </p:cBhvr>
+                                      <p:to>
+                                        <p:strVal val="visible"/>
+                                      </p:to>
+                                    </p:set>
+                                    <p:animEffect transition="in" filter="fade">
+                                      <p:cBhvr>
+                                        <p:cTn id="28" dur="250"/>
+                                        <p:tgtEl>
+                                          <p:spTgt spid="9">
+                                            <p:txEl>
+                                              <p:pRg st="5" end="5"/>
+                                            </p:txEl>
+                                          </p:spTgt>
+                                        </p:tgtEl>
+                                      </p:cBhvr>
+                                    </p:animEffect>
+                                  </p:childTnLst>
+                                </p:cTn>
+                              </p:par>
+                            </p:childTnLst>
+                          </p:cTn>
+                        </p:par>
+                        <p:par>
+                          <p:cTn id="29" fill="hold">
+                            <p:stCondLst>
+                              <p:cond delay="2500"/>
+                            </p:stCondLst>
+                            <p:childTnLst>
+                              <p:par>
+                                <p:cTn id="30" presetID="10" presetClass="entr" presetSubtype="0" fill="hold" grpId="0" nodeType="afterEffect">
+                                  <p:stCondLst>
+                                    <p:cond delay="1000"/>
+                                  </p:stCondLst>
+                                  <p:childTnLst>
+                                    <p:set>
+                                      <p:cBhvr>
+                                        <p:cTn id="31" dur="1" fill="hold">
+                                          <p:stCondLst>
+                                            <p:cond delay="0"/>
+                                          </p:stCondLst>
+                                        </p:cTn>
+                                        <p:tgtEl>
+                                          <p:spTgt spid="9">
+                                            <p:txEl>
+                                              <p:pRg st="6" end="6"/>
+                                            </p:txEl>
+                                          </p:spTgt>
+                                        </p:tgtEl>
+                                        <p:attrNameLst>
+                                          <p:attrName>style.visibility</p:attrName>
+                                        </p:attrNameLst>
+                                      </p:cBhvr>
+                                      <p:to>
+                                        <p:strVal val="visible"/>
+                                      </p:to>
+                                    </p:set>
+                                    <p:animEffect transition="in" filter="fade">
+                                      <p:cBhvr>
+                                        <p:cTn id="32" dur="250"/>
+                                        <p:tgtEl>
+                                          <p:spTgt spid="9">
+                                            <p:txEl>
+                                              <p:pRg st="6" end="6"/>
+                                            </p:txEl>
+                                          </p:spTgt>
+                                        </p:tgtEl>
+                                      </p:cBhvr>
+                                    </p:animEffect>
+                                  </p:childTnLst>
+                                </p:cTn>
+                              </p:par>
+                            </p:childTnLst>
+                          </p:cTn>
+                        </p:par>
+                        <p:par>
+                          <p:cTn id="33" fill="hold">
+                            <p:stCondLst>
+                              <p:cond delay="3750"/>
+                            </p:stCondLst>
+                            <p:childTnLst>
+                              <p:par>
+                                <p:cTn id="34" presetID="10" presetClass="entr" presetSubtype="0" fill="hold" grpId="0" nodeType="afterEffect">
+                                  <p:stCondLst>
+                                    <p:cond delay="1000"/>
+                                  </p:stCondLst>
+                                  <p:childTnLst>
+                                    <p:set>
+                                      <p:cBhvr>
+                                        <p:cTn id="35" dur="1" fill="hold">
+                                          <p:stCondLst>
+                                            <p:cond delay="0"/>
+                                          </p:stCondLst>
+                                        </p:cTn>
+                                        <p:tgtEl>
+                                          <p:spTgt spid="9">
+                                            <p:txEl>
+                                              <p:pRg st="7" end="7"/>
+                                            </p:txEl>
+                                          </p:spTgt>
+                                        </p:tgtEl>
+                                        <p:attrNameLst>
+                                          <p:attrName>style.visibility</p:attrName>
+                                        </p:attrNameLst>
+                                      </p:cBhvr>
+                                      <p:to>
+                                        <p:strVal val="visible"/>
+                                      </p:to>
+                                    </p:set>
+                                    <p:animEffect transition="in" filter="fade">
+                                      <p:cBhvr>
+                                        <p:cTn id="36" dur="250"/>
+                                        <p:tgtEl>
+                                          <p:spTgt spid="9">
+                                            <p:txEl>
+                                              <p:pRg st="7" end="7"/>
+                                            </p:txEl>
+                                          </p:spTgt>
+                                        </p:tgtEl>
+                                      </p:cBhvr>
+                                    </p:animEffect>
+                                  </p:childTnLst>
+                                </p:cTn>
+                              </p:par>
+                            </p:childTnLst>
+                          </p:cTn>
+                        </p:par>
+                        <p:par>
+                          <p:cTn id="37" fill="hold">
+                            <p:stCondLst>
+                              <p:cond delay="5000"/>
+                            </p:stCondLst>
+                            <p:childTnLst>
+                              <p:par>
+                                <p:cTn id="38" presetID="10" presetClass="entr" presetSubtype="0" fill="hold" grpId="0" nodeType="afterEffect">
+                                  <p:stCondLst>
+                                    <p:cond delay="1000"/>
+                                  </p:stCondLst>
+                                  <p:childTnLst>
+                                    <p:set>
+                                      <p:cBhvr>
+                                        <p:cTn id="39" dur="1" fill="hold">
+                                          <p:stCondLst>
+                                            <p:cond delay="0"/>
+                                          </p:stCondLst>
+                                        </p:cTn>
+                                        <p:tgtEl>
+                                          <p:spTgt spid="9">
+                                            <p:txEl>
+                                              <p:pRg st="8" end="8"/>
+                                            </p:txEl>
+                                          </p:spTgt>
+                                        </p:tgtEl>
+                                        <p:attrNameLst>
+                                          <p:attrName>style.visibility</p:attrName>
+                                        </p:attrNameLst>
+                                      </p:cBhvr>
+                                      <p:to>
+                                        <p:strVal val="visible"/>
+                                      </p:to>
+                                    </p:set>
+                                    <p:animEffect transition="in" filter="fade">
+                                      <p:cBhvr>
+                                        <p:cTn id="40" dur="250"/>
+                                        <p:tgtEl>
+                                          <p:spTgt spid="9">
+                                            <p:txEl>
+                                              <p:pRg st="8" end="8"/>
+                                            </p:txEl>
+                                          </p:spTgt>
+                                        </p:tgtEl>
+                                      </p:cBhvr>
+                                    </p:animEffect>
+                                  </p:childTnLst>
+                                </p:cTn>
+                              </p:par>
+                            </p:childTnLst>
+                          </p:cTn>
+                        </p:par>
+                      </p:childTnLst>
+                    </p:cTn>
+                  </p:par>
+                </p:childTnLst>
+              </p:cTn>
+              <p:prevCondLst>
+                <p:cond evt="onPrev" delay="0">
+                  <p:tgtEl>
+                    <p:sldTgt/>
+                  </p:tgtEl>
+                </p:cond>
+              </p:prevCondLst>
+              <p:nextCondLst>
+                <p:cond evt="onNext" delay="0">
+                  <p:tgtEl>
+                    <p:sldTgt/>
+                  </p:tgtEl>
+                </p:cond>
+              </p:nextCondLst>
+            </p:seq>
+          </p:childTnLst>
+        </p:cTn>
       </p:par>
     </p:tnLst>
+    <p:bldLst>
+      <p:bldP spid="9" grpId="0" uiExpand="1" build="p"/>
+    </p:bldLst>
   </p:timing>
 </p:sld>
 </file>
@@ -5942,6 +8042,9 @@
   <p:clrMapOvr>
     <a:masterClrMapping/>
   </p:clrMapOvr>
+  <p:transition>
+    <p:fade/>
+  </p:transition>
   <p:timing>
     <p:tnLst>
       <p:par>
@@ -6065,10 +8168,204 @@
   <p:clrMapOvr>
     <a:masterClrMapping/>
   </p:clrMapOvr>
+  <p:transition>
+    <p:fade/>
+  </p:transition>
   <p:timing>
     <p:tnLst>
       <p:par>
-        <p:cTn id="1" dur="indefinite" restart="never" nodeType="tmRoot"/>
+        <p:cTn id="1" dur="indefinite" restart="never" nodeType="tmRoot">
+          <p:childTnLst>
+            <p:seq concurrent="1" nextAc="seek">
+              <p:cTn id="2" dur="indefinite" nodeType="mainSeq">
+                <p:childTnLst>
+                  <p:par>
+                    <p:cTn id="3" fill="hold">
+                      <p:stCondLst>
+                        <p:cond delay="indefinite"/>
+                        <p:cond evt="onBegin" delay="0">
+                          <p:tn val="2"/>
+                        </p:cond>
+                      </p:stCondLst>
+                      <p:childTnLst>
+                        <p:par>
+                          <p:cTn id="4" fill="hold">
+                            <p:stCondLst>
+                              <p:cond delay="0"/>
+                            </p:stCondLst>
+                            <p:childTnLst>
+                              <p:par>
+                                <p:cTn id="5" presetID="10" presetClass="entr" presetSubtype="0" fill="hold" nodeType="afterEffect">
+                                  <p:stCondLst>
+                                    <p:cond delay="1000"/>
+                                  </p:stCondLst>
+                                  <p:childTnLst>
+                                    <p:set>
+                                      <p:cBhvr>
+                                        <p:cTn id="6" dur="1" fill="hold">
+                                          <p:stCondLst>
+                                            <p:cond delay="0"/>
+                                          </p:stCondLst>
+                                        </p:cTn>
+                                        <p:tgtEl>
+                                          <p:spTgt spid="4">
+                                            <p:txEl>
+                                              <p:pRg st="0" end="0"/>
+                                            </p:txEl>
+                                          </p:spTgt>
+                                        </p:tgtEl>
+                                        <p:attrNameLst>
+                                          <p:attrName>style.visibility</p:attrName>
+                                        </p:attrNameLst>
+                                      </p:cBhvr>
+                                      <p:to>
+                                        <p:strVal val="visible"/>
+                                      </p:to>
+                                    </p:set>
+                                    <p:animEffect transition="in" filter="fade">
+                                      <p:cBhvr>
+                                        <p:cTn id="7" dur="250"/>
+                                        <p:tgtEl>
+                                          <p:spTgt spid="4">
+                                            <p:txEl>
+                                              <p:pRg st="0" end="0"/>
+                                            </p:txEl>
+                                          </p:spTgt>
+                                        </p:tgtEl>
+                                      </p:cBhvr>
+                                    </p:animEffect>
+                                  </p:childTnLst>
+                                </p:cTn>
+                              </p:par>
+                            </p:childTnLst>
+                          </p:cTn>
+                        </p:par>
+                        <p:par>
+                          <p:cTn id="8" fill="hold">
+                            <p:stCondLst>
+                              <p:cond delay="1250"/>
+                            </p:stCondLst>
+                            <p:childTnLst>
+                              <p:par>
+                                <p:cTn id="9" presetID="10" presetClass="entr" presetSubtype="0" fill="hold" nodeType="afterEffect">
+                                  <p:stCondLst>
+                                    <p:cond delay="1000"/>
+                                  </p:stCondLst>
+                                  <p:childTnLst>
+                                    <p:set>
+                                      <p:cBhvr>
+                                        <p:cTn id="10" dur="1" fill="hold">
+                                          <p:stCondLst>
+                                            <p:cond delay="0"/>
+                                          </p:stCondLst>
+                                        </p:cTn>
+                                        <p:tgtEl>
+                                          <p:spTgt spid="4">
+                                            <p:txEl>
+                                              <p:pRg st="1" end="1"/>
+                                            </p:txEl>
+                                          </p:spTgt>
+                                        </p:tgtEl>
+                                        <p:attrNameLst>
+                                          <p:attrName>style.visibility</p:attrName>
+                                        </p:attrNameLst>
+                                      </p:cBhvr>
+                                      <p:to>
+                                        <p:strVal val="visible"/>
+                                      </p:to>
+                                    </p:set>
+                                    <p:animEffect transition="in" filter="fade">
+                                      <p:cBhvr>
+                                        <p:cTn id="11" dur="250"/>
+                                        <p:tgtEl>
+                                          <p:spTgt spid="4">
+                                            <p:txEl>
+                                              <p:pRg st="1" end="1"/>
+                                            </p:txEl>
+                                          </p:spTgt>
+                                        </p:tgtEl>
+                                      </p:cBhvr>
+                                    </p:animEffect>
+                                  </p:childTnLst>
+                                </p:cTn>
+                              </p:par>
+                            </p:childTnLst>
+                          </p:cTn>
+                        </p:par>
+                        <p:par>
+                          <p:cTn id="12" fill="hold">
+                            <p:stCondLst>
+                              <p:cond delay="2500"/>
+                            </p:stCondLst>
+                            <p:childTnLst>
+                              <p:par>
+                                <p:cTn id="13" presetID="10" presetClass="entr" presetSubtype="0" fill="hold" nodeType="afterEffect">
+                                  <p:stCondLst>
+                                    <p:cond delay="1000"/>
+                                  </p:stCondLst>
+                                  <p:childTnLst>
+                                    <p:set>
+                                      <p:cBhvr>
+                                        <p:cTn id="14" dur="1" fill="hold">
+                                          <p:stCondLst>
+                                            <p:cond delay="0"/>
+                                          </p:stCondLst>
+                                        </p:cTn>
+                                        <p:tgtEl>
+                                          <p:spTgt spid="4">
+                                            <p:txEl>
+                                              <p:pRg st="2" end="2"/>
+                                            </p:txEl>
+                                          </p:spTgt>
+                                        </p:tgtEl>
+                                        <p:attrNameLst>
+                                          <p:attrName>style.visibility</p:attrName>
+                                        </p:attrNameLst>
+                                      </p:cBhvr>
+                                      <p:to>
+                                        <p:strVal val="visible"/>
+                                      </p:to>
+                                    </p:set>
+                                    <p:animEffect transition="in" filter="fade">
+                                      <p:cBhvr>
+                                        <p:cTn id="15" dur="250"/>
+                                        <p:tgtEl>
+                                          <p:spTgt spid="4">
+                                            <p:txEl>
+                                              <p:pRg st="2" end="2"/>
+                                            </p:txEl>
+                                          </p:spTgt>
+                                        </p:tgtEl>
+                                      </p:cBhvr>
+                                    </p:animEffect>
+                                  </p:childTnLst>
+                                </p:cTn>
+                              </p:par>
+                            </p:childTnLst>
+                          </p:cTn>
+                        </p:par>
+                      </p:childTnLst>
+                    </p:cTn>
+                  </p:par>
+                </p:childTnLst>
+              </p:cTn>
+              <p:prevCondLst>
+                <p:cond evt="onPrev" delay="0">
+                  <p:tgtEl>
+                    <p:sldTgt/>
+                  </p:tgtEl>
+                </p:cond>
+              </p:prevCondLst>
+              <p:nextCondLst>
+                <p:cond evt="onNext" delay="0">
+                  <p:tgtEl>
+                    <p:sldTgt/>
+                  </p:tgtEl>
+                </p:cond>
+              </p:nextCondLst>
+            </p:seq>
+          </p:childTnLst>
+        </p:cTn>
       </p:par>
     </p:tnLst>
   </p:timing>
@@ -6368,12 +8665,236 @@
   <p:clrMapOvr>
     <a:masterClrMapping/>
   </p:clrMapOvr>
+  <p:transition>
+    <p:fade/>
+  </p:transition>
   <p:timing>
     <p:tnLst>
       <p:par>
-        <p:cTn id="1" dur="indefinite" restart="never" nodeType="tmRoot"/>
+        <p:cTn id="1" dur="indefinite" restart="never" nodeType="tmRoot">
+          <p:childTnLst>
+            <p:seq concurrent="1" nextAc="seek">
+              <p:cTn id="2" dur="indefinite" nodeType="mainSeq">
+                <p:childTnLst>
+                  <p:par>
+                    <p:cTn id="3" fill="hold">
+                      <p:stCondLst>
+                        <p:cond delay="indefinite"/>
+                      </p:stCondLst>
+                      <p:childTnLst>
+                        <p:par>
+                          <p:cTn id="4" fill="hold">
+                            <p:stCondLst>
+                              <p:cond delay="0"/>
+                            </p:stCondLst>
+                            <p:childTnLst>
+                              <p:par>
+                                <p:cTn id="5" presetID="10" presetClass="entr" presetSubtype="0" fill="hold" grpId="0" nodeType="clickEffect">
+                                  <p:stCondLst>
+                                    <p:cond delay="0"/>
+                                  </p:stCondLst>
+                                  <p:childTnLst>
+                                    <p:set>
+                                      <p:cBhvr>
+                                        <p:cTn id="6" dur="1" fill="hold">
+                                          <p:stCondLst>
+                                            <p:cond delay="0"/>
+                                          </p:stCondLst>
+                                        </p:cTn>
+                                        <p:tgtEl>
+                                          <p:spTgt spid="16"/>
+                                        </p:tgtEl>
+                                        <p:attrNameLst>
+                                          <p:attrName>style.visibility</p:attrName>
+                                        </p:attrNameLst>
+                                      </p:cBhvr>
+                                      <p:to>
+                                        <p:strVal val="visible"/>
+                                      </p:to>
+                                    </p:set>
+                                    <p:animEffect transition="in" filter="fade">
+                                      <p:cBhvr>
+                                        <p:cTn id="7" dur="250"/>
+                                        <p:tgtEl>
+                                          <p:spTgt spid="16"/>
+                                        </p:tgtEl>
+                                      </p:cBhvr>
+                                    </p:animEffect>
+                                  </p:childTnLst>
+                                </p:cTn>
+                              </p:par>
+                            </p:childTnLst>
+                          </p:cTn>
+                        </p:par>
+                        <p:par>
+                          <p:cTn id="8" fill="hold">
+                            <p:stCondLst>
+                              <p:cond delay="250"/>
+                            </p:stCondLst>
+                            <p:childTnLst>
+                              <p:par>
+                                <p:cTn id="9" presetID="10" presetClass="entr" presetSubtype="0" fill="hold" nodeType="afterEffect">
+                                  <p:stCondLst>
+                                    <p:cond delay="0"/>
+                                  </p:stCondLst>
+                                  <p:childTnLst>
+                                    <p:set>
+                                      <p:cBhvr>
+                                        <p:cTn id="10" dur="1" fill="hold">
+                                          <p:stCondLst>
+                                            <p:cond delay="0"/>
+                                          </p:stCondLst>
+                                        </p:cTn>
+                                        <p:tgtEl>
+                                          <p:spTgt spid="10247"/>
+                                        </p:tgtEl>
+                                        <p:attrNameLst>
+                                          <p:attrName>style.visibility</p:attrName>
+                                        </p:attrNameLst>
+                                      </p:cBhvr>
+                                      <p:to>
+                                        <p:strVal val="visible"/>
+                                      </p:to>
+                                    </p:set>
+                                    <p:animEffect transition="in" filter="fade">
+                                      <p:cBhvr>
+                                        <p:cTn id="11" dur="250"/>
+                                        <p:tgtEl>
+                                          <p:spTgt spid="10247"/>
+                                        </p:tgtEl>
+                                      </p:cBhvr>
+                                    </p:animEffect>
+                                  </p:childTnLst>
+                                </p:cTn>
+                              </p:par>
+                            </p:childTnLst>
+                          </p:cTn>
+                        </p:par>
+                      </p:childTnLst>
+                    </p:cTn>
+                  </p:par>
+                  <p:par>
+                    <p:cTn id="12" fill="hold">
+                      <p:stCondLst>
+                        <p:cond delay="indefinite"/>
+                      </p:stCondLst>
+                      <p:childTnLst>
+                        <p:par>
+                          <p:cTn id="13" fill="hold">
+                            <p:stCondLst>
+                              <p:cond delay="0"/>
+                            </p:stCondLst>
+                            <p:childTnLst>
+                              <p:par>
+                                <p:cTn id="14" presetID="10" presetClass="entr" presetSubtype="0" fill="hold" grpId="0" nodeType="clickEffect">
+                                  <p:stCondLst>
+                                    <p:cond delay="500"/>
+                                  </p:stCondLst>
+                                  <p:childTnLst>
+                                    <p:set>
+                                      <p:cBhvr>
+                                        <p:cTn id="15" dur="1" fill="hold">
+                                          <p:stCondLst>
+                                            <p:cond delay="0"/>
+                                          </p:stCondLst>
+                                        </p:cTn>
+                                        <p:tgtEl>
+                                          <p:spTgt spid="15"/>
+                                        </p:tgtEl>
+                                        <p:attrNameLst>
+                                          <p:attrName>style.visibility</p:attrName>
+                                        </p:attrNameLst>
+                                      </p:cBhvr>
+                                      <p:to>
+                                        <p:strVal val="visible"/>
+                                      </p:to>
+                                    </p:set>
+                                    <p:animEffect transition="in" filter="fade">
+                                      <p:cBhvr>
+                                        <p:cTn id="16" dur="250"/>
+                                        <p:tgtEl>
+                                          <p:spTgt spid="15"/>
+                                        </p:tgtEl>
+                                      </p:cBhvr>
+                                    </p:animEffect>
+                                  </p:childTnLst>
+                                </p:cTn>
+                              </p:par>
+                            </p:childTnLst>
+                          </p:cTn>
+                        </p:par>
+                        <p:par>
+                          <p:cTn id="17" fill="hold">
+                            <p:stCondLst>
+                              <p:cond delay="750"/>
+                            </p:stCondLst>
+                            <p:childTnLst>
+                              <p:par>
+                                <p:cTn id="18" presetID="10" presetClass="entr" presetSubtype="0" fill="hold" nodeType="afterEffect">
+                                  <p:stCondLst>
+                                    <p:cond delay="0"/>
+                                  </p:stCondLst>
+                                  <p:childTnLst>
+                                    <p:set>
+                                      <p:cBhvr>
+                                        <p:cTn id="19" dur="1" fill="hold">
+                                          <p:stCondLst>
+                                            <p:cond delay="0"/>
+                                          </p:stCondLst>
+                                        </p:cTn>
+                                        <p:tgtEl>
+                                          <p:spTgt spid="10246"/>
+                                        </p:tgtEl>
+                                        <p:attrNameLst>
+                                          <p:attrName>style.visibility</p:attrName>
+                                        </p:attrNameLst>
+                                      </p:cBhvr>
+                                      <p:to>
+                                        <p:strVal val="visible"/>
+                                      </p:to>
+                                    </p:set>
+                                    <p:animEffect transition="in" filter="fade">
+                                      <p:cBhvr>
+                                        <p:cTn id="20" dur="250"/>
+                                        <p:tgtEl>
+                                          <p:spTgt spid="10246"/>
+                                        </p:tgtEl>
+                                      </p:cBhvr>
+                                    </p:animEffect>
+                                  </p:childTnLst>
+                                </p:cTn>
+                              </p:par>
+                            </p:childTnLst>
+                          </p:cTn>
+                        </p:par>
+                      </p:childTnLst>
+                    </p:cTn>
+                  </p:par>
+                </p:childTnLst>
+              </p:cTn>
+              <p:prevCondLst>
+                <p:cond evt="onPrev" delay="0">
+                  <p:tgtEl>
+                    <p:sldTgt/>
+                  </p:tgtEl>
+                </p:cond>
+              </p:prevCondLst>
+              <p:nextCondLst>
+                <p:cond evt="onNext" delay="0">
+                  <p:tgtEl>
+                    <p:sldTgt/>
+                  </p:tgtEl>
+                </p:cond>
+              </p:nextCondLst>
+            </p:seq>
+          </p:childTnLst>
+        </p:cTn>
       </p:par>
     </p:tnLst>
+    <p:bldLst>
+      <p:bldP spid="15" grpId="0" animBg="1"/>
+      <p:bldP spid="16" grpId="0" animBg="1"/>
+    </p:bldLst>
   </p:timing>
 </p:sld>
 </file>
@@ -6471,7 +8992,11 @@
           <a:p>
             <a:r>
               <a:rPr lang="de-DE" dirty="0" smtClean="0"/>
-              <a:t>Als Präsentationszeichen</a:t>
+              <a:t>Sentential-, als </a:t>
+            </a:r>
+            <a:r>
+              <a:rPr lang="de-DE" dirty="0" smtClean="0"/>
+              <a:t>Präsentationszeichen</a:t>
             </a:r>
           </a:p>
           <a:p>
@@ -6516,12 +9041,469 @@
   <p:clrMapOvr>
     <a:masterClrMapping/>
   </p:clrMapOvr>
+  <p:transition>
+    <p:fade/>
+  </p:transition>
   <p:timing>
     <p:tnLst>
       <p:par>
-        <p:cTn id="1" dur="indefinite" restart="never" nodeType="tmRoot"/>
+        <p:cTn id="1" dur="indefinite" restart="never" nodeType="tmRoot">
+          <p:childTnLst>
+            <p:seq concurrent="1" nextAc="seek">
+              <p:cTn id="2" dur="indefinite" nodeType="mainSeq">
+                <p:childTnLst>
+                  <p:par>
+                    <p:cTn id="3" fill="hold">
+                      <p:stCondLst>
+                        <p:cond delay="indefinite"/>
+                        <p:cond evt="onBegin" delay="0">
+                          <p:tn val="2"/>
+                        </p:cond>
+                      </p:stCondLst>
+                      <p:childTnLst>
+                        <p:par>
+                          <p:cTn id="4" fill="hold">
+                            <p:stCondLst>
+                              <p:cond delay="0"/>
+                            </p:stCondLst>
+                            <p:childTnLst>
+                              <p:par>
+                                <p:cTn id="5" presetID="10" presetClass="entr" presetSubtype="0" fill="hold" grpId="0" nodeType="afterEffect">
+                                  <p:stCondLst>
+                                    <p:cond delay="500"/>
+                                  </p:stCondLst>
+                                  <p:childTnLst>
+                                    <p:set>
+                                      <p:cBhvr>
+                                        <p:cTn id="6" dur="1" fill="hold">
+                                          <p:stCondLst>
+                                            <p:cond delay="0"/>
+                                          </p:stCondLst>
+                                        </p:cTn>
+                                        <p:tgtEl>
+                                          <p:spTgt spid="3">
+                                            <p:txEl>
+                                              <p:pRg st="0" end="0"/>
+                                            </p:txEl>
+                                          </p:spTgt>
+                                        </p:tgtEl>
+                                        <p:attrNameLst>
+                                          <p:attrName>style.visibility</p:attrName>
+                                        </p:attrNameLst>
+                                      </p:cBhvr>
+                                      <p:to>
+                                        <p:strVal val="visible"/>
+                                      </p:to>
+                                    </p:set>
+                                    <p:animEffect transition="in" filter="fade">
+                                      <p:cBhvr>
+                                        <p:cTn id="7" dur="250"/>
+                                        <p:tgtEl>
+                                          <p:spTgt spid="3">
+                                            <p:txEl>
+                                              <p:pRg st="0" end="0"/>
+                                            </p:txEl>
+                                          </p:spTgt>
+                                        </p:tgtEl>
+                                      </p:cBhvr>
+                                    </p:animEffect>
+                                  </p:childTnLst>
+                                </p:cTn>
+                              </p:par>
+                            </p:childTnLst>
+                          </p:cTn>
+                        </p:par>
+                        <p:par>
+                          <p:cTn id="8" fill="hold">
+                            <p:stCondLst>
+                              <p:cond delay="750"/>
+                            </p:stCondLst>
+                            <p:childTnLst>
+                              <p:par>
+                                <p:cTn id="9" presetID="10" presetClass="entr" presetSubtype="0" fill="hold" grpId="0" nodeType="afterEffect">
+                                  <p:stCondLst>
+                                    <p:cond delay="500"/>
+                                  </p:stCondLst>
+                                  <p:childTnLst>
+                                    <p:set>
+                                      <p:cBhvr>
+                                        <p:cTn id="10" dur="1" fill="hold">
+                                          <p:stCondLst>
+                                            <p:cond delay="0"/>
+                                          </p:stCondLst>
+                                        </p:cTn>
+                                        <p:tgtEl>
+                                          <p:spTgt spid="3">
+                                            <p:txEl>
+                                              <p:pRg st="1" end="1"/>
+                                            </p:txEl>
+                                          </p:spTgt>
+                                        </p:tgtEl>
+                                        <p:attrNameLst>
+                                          <p:attrName>style.visibility</p:attrName>
+                                        </p:attrNameLst>
+                                      </p:cBhvr>
+                                      <p:to>
+                                        <p:strVal val="visible"/>
+                                      </p:to>
+                                    </p:set>
+                                    <p:animEffect transition="in" filter="fade">
+                                      <p:cBhvr>
+                                        <p:cTn id="11" dur="250"/>
+                                        <p:tgtEl>
+                                          <p:spTgt spid="3">
+                                            <p:txEl>
+                                              <p:pRg st="1" end="1"/>
+                                            </p:txEl>
+                                          </p:spTgt>
+                                        </p:tgtEl>
+                                      </p:cBhvr>
+                                    </p:animEffect>
+                                  </p:childTnLst>
+                                </p:cTn>
+                              </p:par>
+                            </p:childTnLst>
+                          </p:cTn>
+                        </p:par>
+                        <p:par>
+                          <p:cTn id="12" fill="hold">
+                            <p:stCondLst>
+                              <p:cond delay="1500"/>
+                            </p:stCondLst>
+                            <p:childTnLst>
+                              <p:par>
+                                <p:cTn id="13" presetID="10" presetClass="entr" presetSubtype="0" fill="hold" grpId="0" nodeType="afterEffect">
+                                  <p:stCondLst>
+                                    <p:cond delay="500"/>
+                                  </p:stCondLst>
+                                  <p:childTnLst>
+                                    <p:set>
+                                      <p:cBhvr>
+                                        <p:cTn id="14" dur="1" fill="hold">
+                                          <p:stCondLst>
+                                            <p:cond delay="0"/>
+                                          </p:stCondLst>
+                                        </p:cTn>
+                                        <p:tgtEl>
+                                          <p:spTgt spid="3">
+                                            <p:txEl>
+                                              <p:pRg st="2" end="2"/>
+                                            </p:txEl>
+                                          </p:spTgt>
+                                        </p:tgtEl>
+                                        <p:attrNameLst>
+                                          <p:attrName>style.visibility</p:attrName>
+                                        </p:attrNameLst>
+                                      </p:cBhvr>
+                                      <p:to>
+                                        <p:strVal val="visible"/>
+                                      </p:to>
+                                    </p:set>
+                                    <p:animEffect transition="in" filter="fade">
+                                      <p:cBhvr>
+                                        <p:cTn id="15" dur="250"/>
+                                        <p:tgtEl>
+                                          <p:spTgt spid="3">
+                                            <p:txEl>
+                                              <p:pRg st="2" end="2"/>
+                                            </p:txEl>
+                                          </p:spTgt>
+                                        </p:tgtEl>
+                                      </p:cBhvr>
+                                    </p:animEffect>
+                                  </p:childTnLst>
+                                </p:cTn>
+                              </p:par>
+                            </p:childTnLst>
+                          </p:cTn>
+                        </p:par>
+                        <p:par>
+                          <p:cTn id="16" fill="hold">
+                            <p:stCondLst>
+                              <p:cond delay="2250"/>
+                            </p:stCondLst>
+                            <p:childTnLst>
+                              <p:par>
+                                <p:cTn id="17" presetID="10" presetClass="entr" presetSubtype="0" fill="hold" grpId="0" nodeType="afterEffect">
+                                  <p:stCondLst>
+                                    <p:cond delay="500"/>
+                                  </p:stCondLst>
+                                  <p:childTnLst>
+                                    <p:set>
+                                      <p:cBhvr>
+                                        <p:cTn id="18" dur="1" fill="hold">
+                                          <p:stCondLst>
+                                            <p:cond delay="0"/>
+                                          </p:stCondLst>
+                                        </p:cTn>
+                                        <p:tgtEl>
+                                          <p:spTgt spid="3">
+                                            <p:txEl>
+                                              <p:pRg st="3" end="3"/>
+                                            </p:txEl>
+                                          </p:spTgt>
+                                        </p:tgtEl>
+                                        <p:attrNameLst>
+                                          <p:attrName>style.visibility</p:attrName>
+                                        </p:attrNameLst>
+                                      </p:cBhvr>
+                                      <p:to>
+                                        <p:strVal val="visible"/>
+                                      </p:to>
+                                    </p:set>
+                                    <p:animEffect transition="in" filter="fade">
+                                      <p:cBhvr>
+                                        <p:cTn id="19" dur="250"/>
+                                        <p:tgtEl>
+                                          <p:spTgt spid="3">
+                                            <p:txEl>
+                                              <p:pRg st="3" end="3"/>
+                                            </p:txEl>
+                                          </p:spTgt>
+                                        </p:tgtEl>
+                                      </p:cBhvr>
+                                    </p:animEffect>
+                                  </p:childTnLst>
+                                </p:cTn>
+                              </p:par>
+                            </p:childTnLst>
+                          </p:cTn>
+                        </p:par>
+                        <p:par>
+                          <p:cTn id="20" fill="hold">
+                            <p:stCondLst>
+                              <p:cond delay="3000"/>
+                            </p:stCondLst>
+                            <p:childTnLst>
+                              <p:par>
+                                <p:cTn id="21" presetID="10" presetClass="entr" presetSubtype="0" fill="hold" grpId="0" nodeType="afterEffect">
+                                  <p:stCondLst>
+                                    <p:cond delay="500"/>
+                                  </p:stCondLst>
+                                  <p:childTnLst>
+                                    <p:set>
+                                      <p:cBhvr>
+                                        <p:cTn id="22" dur="1" fill="hold">
+                                          <p:stCondLst>
+                                            <p:cond delay="0"/>
+                                          </p:stCondLst>
+                                        </p:cTn>
+                                        <p:tgtEl>
+                                          <p:spTgt spid="3">
+                                            <p:txEl>
+                                              <p:pRg st="4" end="4"/>
+                                            </p:txEl>
+                                          </p:spTgt>
+                                        </p:tgtEl>
+                                        <p:attrNameLst>
+                                          <p:attrName>style.visibility</p:attrName>
+                                        </p:attrNameLst>
+                                      </p:cBhvr>
+                                      <p:to>
+                                        <p:strVal val="visible"/>
+                                      </p:to>
+                                    </p:set>
+                                    <p:animEffect transition="in" filter="fade">
+                                      <p:cBhvr>
+                                        <p:cTn id="23" dur="250"/>
+                                        <p:tgtEl>
+                                          <p:spTgt spid="3">
+                                            <p:txEl>
+                                              <p:pRg st="4" end="4"/>
+                                            </p:txEl>
+                                          </p:spTgt>
+                                        </p:tgtEl>
+                                      </p:cBhvr>
+                                    </p:animEffect>
+                                  </p:childTnLst>
+                                </p:cTn>
+                              </p:par>
+                            </p:childTnLst>
+                          </p:cTn>
+                        </p:par>
+                        <p:par>
+                          <p:cTn id="24" fill="hold">
+                            <p:stCondLst>
+                              <p:cond delay="3750"/>
+                            </p:stCondLst>
+                            <p:childTnLst>
+                              <p:par>
+                                <p:cTn id="25" presetID="10" presetClass="entr" presetSubtype="0" fill="hold" grpId="0" nodeType="afterEffect">
+                                  <p:stCondLst>
+                                    <p:cond delay="500"/>
+                                  </p:stCondLst>
+                                  <p:childTnLst>
+                                    <p:set>
+                                      <p:cBhvr>
+                                        <p:cTn id="26" dur="1" fill="hold">
+                                          <p:stCondLst>
+                                            <p:cond delay="0"/>
+                                          </p:stCondLst>
+                                        </p:cTn>
+                                        <p:tgtEl>
+                                          <p:spTgt spid="3">
+                                            <p:txEl>
+                                              <p:pRg st="5" end="5"/>
+                                            </p:txEl>
+                                          </p:spTgt>
+                                        </p:tgtEl>
+                                        <p:attrNameLst>
+                                          <p:attrName>style.visibility</p:attrName>
+                                        </p:attrNameLst>
+                                      </p:cBhvr>
+                                      <p:to>
+                                        <p:strVal val="visible"/>
+                                      </p:to>
+                                    </p:set>
+                                    <p:animEffect transition="in" filter="fade">
+                                      <p:cBhvr>
+                                        <p:cTn id="27" dur="250"/>
+                                        <p:tgtEl>
+                                          <p:spTgt spid="3">
+                                            <p:txEl>
+                                              <p:pRg st="5" end="5"/>
+                                            </p:txEl>
+                                          </p:spTgt>
+                                        </p:tgtEl>
+                                      </p:cBhvr>
+                                    </p:animEffect>
+                                  </p:childTnLst>
+                                </p:cTn>
+                              </p:par>
+                            </p:childTnLst>
+                          </p:cTn>
+                        </p:par>
+                        <p:par>
+                          <p:cTn id="28" fill="hold">
+                            <p:stCondLst>
+                              <p:cond delay="4500"/>
+                            </p:stCondLst>
+                            <p:childTnLst>
+                              <p:par>
+                                <p:cTn id="29" presetID="10" presetClass="entr" presetSubtype="0" fill="hold" grpId="0" nodeType="afterEffect">
+                                  <p:stCondLst>
+                                    <p:cond delay="500"/>
+                                  </p:stCondLst>
+                                  <p:childTnLst>
+                                    <p:set>
+                                      <p:cBhvr>
+                                        <p:cTn id="30" dur="1" fill="hold">
+                                          <p:stCondLst>
+                                            <p:cond delay="0"/>
+                                          </p:stCondLst>
+                                        </p:cTn>
+                                        <p:tgtEl>
+                                          <p:spTgt spid="3">
+                                            <p:txEl>
+                                              <p:pRg st="6" end="6"/>
+                                            </p:txEl>
+                                          </p:spTgt>
+                                        </p:tgtEl>
+                                        <p:attrNameLst>
+                                          <p:attrName>style.visibility</p:attrName>
+                                        </p:attrNameLst>
+                                      </p:cBhvr>
+                                      <p:to>
+                                        <p:strVal val="visible"/>
+                                      </p:to>
+                                    </p:set>
+                                    <p:animEffect transition="in" filter="fade">
+                                      <p:cBhvr>
+                                        <p:cTn id="31" dur="250"/>
+                                        <p:tgtEl>
+                                          <p:spTgt spid="3">
+                                            <p:txEl>
+                                              <p:pRg st="6" end="6"/>
+                                            </p:txEl>
+                                          </p:spTgt>
+                                        </p:tgtEl>
+                                      </p:cBhvr>
+                                    </p:animEffect>
+                                  </p:childTnLst>
+                                </p:cTn>
+                              </p:par>
+                            </p:childTnLst>
+                          </p:cTn>
+                        </p:par>
+                        <p:par>
+                          <p:cTn id="32" fill="hold">
+                            <p:stCondLst>
+                              <p:cond delay="5250"/>
+                            </p:stCondLst>
+                            <p:childTnLst>
+                              <p:par>
+                                <p:cTn id="33" presetID="10" presetClass="entr" presetSubtype="0" fill="hold" grpId="0" nodeType="afterEffect">
+                                  <p:stCondLst>
+                                    <p:cond delay="500"/>
+                                  </p:stCondLst>
+                                  <p:childTnLst>
+                                    <p:set>
+                                      <p:cBhvr>
+                                        <p:cTn id="34" dur="1" fill="hold">
+                                          <p:stCondLst>
+                                            <p:cond delay="0"/>
+                                          </p:stCondLst>
+                                        </p:cTn>
+                                        <p:tgtEl>
+                                          <p:spTgt spid="3">
+                                            <p:txEl>
+                                              <p:pRg st="7" end="7"/>
+                                            </p:txEl>
+                                          </p:spTgt>
+                                        </p:tgtEl>
+                                        <p:attrNameLst>
+                                          <p:attrName>style.visibility</p:attrName>
+                                        </p:attrNameLst>
+                                      </p:cBhvr>
+                                      <p:to>
+                                        <p:strVal val="visible"/>
+                                      </p:to>
+                                    </p:set>
+                                    <p:animEffect transition="in" filter="fade">
+                                      <p:cBhvr>
+                                        <p:cTn id="35" dur="250"/>
+                                        <p:tgtEl>
+                                          <p:spTgt spid="3">
+                                            <p:txEl>
+                                              <p:pRg st="7" end="7"/>
+                                            </p:txEl>
+                                          </p:spTgt>
+                                        </p:tgtEl>
+                                      </p:cBhvr>
+                                    </p:animEffect>
+                                  </p:childTnLst>
+                                </p:cTn>
+                              </p:par>
+                            </p:childTnLst>
+                          </p:cTn>
+                        </p:par>
+                      </p:childTnLst>
+                    </p:cTn>
+                  </p:par>
+                </p:childTnLst>
+              </p:cTn>
+              <p:prevCondLst>
+                <p:cond evt="onPrev" delay="0">
+                  <p:tgtEl>
+                    <p:sldTgt/>
+                  </p:tgtEl>
+                </p:cond>
+              </p:prevCondLst>
+              <p:nextCondLst>
+                <p:cond evt="onNext" delay="0">
+                  <p:tgtEl>
+                    <p:sldTgt/>
+                  </p:tgtEl>
+                </p:cond>
+              </p:nextCondLst>
+            </p:seq>
+          </p:childTnLst>
+        </p:cTn>
       </p:par>
     </p:tnLst>
+    <p:bldLst>
+      <p:bldP spid="3" grpId="0" build="p"/>
+    </p:bldLst>
   </p:timing>
 </p:sld>
 </file>
@@ -6751,10 +9733,464 @@
   <p:clrMapOvr>
     <a:masterClrMapping/>
   </p:clrMapOvr>
+  <p:transition>
+    <p:fade/>
+  </p:transition>
   <p:timing>
     <p:tnLst>
       <p:par>
-        <p:cTn id="1" dur="indefinite" restart="never" nodeType="tmRoot"/>
+        <p:cTn id="1" dur="indefinite" restart="never" nodeType="tmRoot">
+          <p:childTnLst>
+            <p:seq concurrent="1" nextAc="seek">
+              <p:cTn id="2" dur="indefinite" nodeType="mainSeq">
+                <p:childTnLst>
+                  <p:par>
+                    <p:cTn id="3" fill="hold">
+                      <p:stCondLst>
+                        <p:cond delay="indefinite"/>
+                        <p:cond evt="onBegin" delay="0">
+                          <p:tn val="2"/>
+                        </p:cond>
+                      </p:stCondLst>
+                      <p:childTnLst>
+                        <p:par>
+                          <p:cTn id="4" fill="hold">
+                            <p:stCondLst>
+                              <p:cond delay="0"/>
+                            </p:stCondLst>
+                            <p:childTnLst>
+                              <p:par>
+                                <p:cTn id="5" presetID="10" presetClass="entr" presetSubtype="0" fill="hold" nodeType="withEffect">
+                                  <p:stCondLst>
+                                    <p:cond delay="0"/>
+                                  </p:stCondLst>
+                                  <p:childTnLst>
+                                    <p:set>
+                                      <p:cBhvr>
+                                        <p:cTn id="6" dur="1" fill="hold">
+                                          <p:stCondLst>
+                                            <p:cond delay="0"/>
+                                          </p:stCondLst>
+                                        </p:cTn>
+                                        <p:tgtEl>
+                                          <p:spTgt spid="7">
+                                            <p:txEl>
+                                              <p:pRg st="0" end="0"/>
+                                            </p:txEl>
+                                          </p:spTgt>
+                                        </p:tgtEl>
+                                        <p:attrNameLst>
+                                          <p:attrName>style.visibility</p:attrName>
+                                        </p:attrNameLst>
+                                      </p:cBhvr>
+                                      <p:to>
+                                        <p:strVal val="visible"/>
+                                      </p:to>
+                                    </p:set>
+                                    <p:animEffect transition="in" filter="fade">
+                                      <p:cBhvr>
+                                        <p:cTn id="7" dur="250"/>
+                                        <p:tgtEl>
+                                          <p:spTgt spid="7">
+                                            <p:txEl>
+                                              <p:pRg st="0" end="0"/>
+                                            </p:txEl>
+                                          </p:spTgt>
+                                        </p:tgtEl>
+                                      </p:cBhvr>
+                                    </p:animEffect>
+                                  </p:childTnLst>
+                                </p:cTn>
+                              </p:par>
+                              <p:par>
+                                <p:cTn id="8" presetID="10" presetClass="entr" presetSubtype="0" fill="hold" nodeType="withEffect">
+                                  <p:stCondLst>
+                                    <p:cond delay="1000"/>
+                                  </p:stCondLst>
+                                  <p:childTnLst>
+                                    <p:set>
+                                      <p:cBhvr>
+                                        <p:cTn id="9" dur="1" fill="hold">
+                                          <p:stCondLst>
+                                            <p:cond delay="0"/>
+                                          </p:stCondLst>
+                                        </p:cTn>
+                                        <p:tgtEl>
+                                          <p:spTgt spid="7">
+                                            <p:txEl>
+                                              <p:pRg st="1" end="1"/>
+                                            </p:txEl>
+                                          </p:spTgt>
+                                        </p:tgtEl>
+                                        <p:attrNameLst>
+                                          <p:attrName>style.visibility</p:attrName>
+                                        </p:attrNameLst>
+                                      </p:cBhvr>
+                                      <p:to>
+                                        <p:strVal val="visible"/>
+                                      </p:to>
+                                    </p:set>
+                                    <p:animEffect transition="in" filter="fade">
+                                      <p:cBhvr>
+                                        <p:cTn id="10" dur="250"/>
+                                        <p:tgtEl>
+                                          <p:spTgt spid="7">
+                                            <p:txEl>
+                                              <p:pRg st="1" end="1"/>
+                                            </p:txEl>
+                                          </p:spTgt>
+                                        </p:tgtEl>
+                                      </p:cBhvr>
+                                    </p:animEffect>
+                                  </p:childTnLst>
+                                </p:cTn>
+                              </p:par>
+                            </p:childTnLst>
+                          </p:cTn>
+                        </p:par>
+                      </p:childTnLst>
+                    </p:cTn>
+                  </p:par>
+                  <p:par>
+                    <p:cTn id="11" fill="hold">
+                      <p:stCondLst>
+                        <p:cond delay="indefinite"/>
+                      </p:stCondLst>
+                      <p:childTnLst>
+                        <p:par>
+                          <p:cTn id="12" fill="hold">
+                            <p:stCondLst>
+                              <p:cond delay="0"/>
+                            </p:stCondLst>
+                            <p:childTnLst>
+                              <p:par>
+                                <p:cTn id="13" presetID="10" presetClass="entr" presetSubtype="0" fill="hold" nodeType="clickEffect">
+                                  <p:stCondLst>
+                                    <p:cond delay="500"/>
+                                  </p:stCondLst>
+                                  <p:childTnLst>
+                                    <p:set>
+                                      <p:cBhvr>
+                                        <p:cTn id="14" dur="1" fill="hold">
+                                          <p:stCondLst>
+                                            <p:cond delay="0"/>
+                                          </p:stCondLst>
+                                        </p:cTn>
+                                        <p:tgtEl>
+                                          <p:spTgt spid="9">
+                                            <p:txEl>
+                                              <p:pRg st="0" end="0"/>
+                                            </p:txEl>
+                                          </p:spTgt>
+                                        </p:tgtEl>
+                                        <p:attrNameLst>
+                                          <p:attrName>style.visibility</p:attrName>
+                                        </p:attrNameLst>
+                                      </p:cBhvr>
+                                      <p:to>
+                                        <p:strVal val="visible"/>
+                                      </p:to>
+                                    </p:set>
+                                    <p:animEffect transition="in" filter="fade">
+                                      <p:cBhvr>
+                                        <p:cTn id="15" dur="250"/>
+                                        <p:tgtEl>
+                                          <p:spTgt spid="9">
+                                            <p:txEl>
+                                              <p:pRg st="0" end="0"/>
+                                            </p:txEl>
+                                          </p:spTgt>
+                                        </p:tgtEl>
+                                      </p:cBhvr>
+                                    </p:animEffect>
+                                  </p:childTnLst>
+                                </p:cTn>
+                              </p:par>
+                            </p:childTnLst>
+                          </p:cTn>
+                        </p:par>
+                        <p:par>
+                          <p:cTn id="16" fill="hold">
+                            <p:stCondLst>
+                              <p:cond delay="750"/>
+                            </p:stCondLst>
+                            <p:childTnLst>
+                              <p:par>
+                                <p:cTn id="17" presetID="10" presetClass="entr" presetSubtype="0" fill="hold" nodeType="afterEffect">
+                                  <p:stCondLst>
+                                    <p:cond delay="1000"/>
+                                  </p:stCondLst>
+                                  <p:childTnLst>
+                                    <p:set>
+                                      <p:cBhvr>
+                                        <p:cTn id="18" dur="1" fill="hold">
+                                          <p:stCondLst>
+                                            <p:cond delay="0"/>
+                                          </p:stCondLst>
+                                        </p:cTn>
+                                        <p:tgtEl>
+                                          <p:spTgt spid="9">
+                                            <p:txEl>
+                                              <p:pRg st="1" end="1"/>
+                                            </p:txEl>
+                                          </p:spTgt>
+                                        </p:tgtEl>
+                                        <p:attrNameLst>
+                                          <p:attrName>style.visibility</p:attrName>
+                                        </p:attrNameLst>
+                                      </p:cBhvr>
+                                      <p:to>
+                                        <p:strVal val="visible"/>
+                                      </p:to>
+                                    </p:set>
+                                    <p:animEffect transition="in" filter="fade">
+                                      <p:cBhvr>
+                                        <p:cTn id="19" dur="250"/>
+                                        <p:tgtEl>
+                                          <p:spTgt spid="9">
+                                            <p:txEl>
+                                              <p:pRg st="1" end="1"/>
+                                            </p:txEl>
+                                          </p:spTgt>
+                                        </p:tgtEl>
+                                      </p:cBhvr>
+                                    </p:animEffect>
+                                  </p:childTnLst>
+                                </p:cTn>
+                              </p:par>
+                            </p:childTnLst>
+                          </p:cTn>
+                        </p:par>
+                        <p:par>
+                          <p:cTn id="20" fill="hold">
+                            <p:stCondLst>
+                              <p:cond delay="2000"/>
+                            </p:stCondLst>
+                            <p:childTnLst>
+                              <p:par>
+                                <p:cTn id="21" presetID="10" presetClass="entr" presetSubtype="0" fill="hold" nodeType="afterEffect">
+                                  <p:stCondLst>
+                                    <p:cond delay="1000"/>
+                                  </p:stCondLst>
+                                  <p:childTnLst>
+                                    <p:set>
+                                      <p:cBhvr>
+                                        <p:cTn id="22" dur="1" fill="hold">
+                                          <p:stCondLst>
+                                            <p:cond delay="0"/>
+                                          </p:stCondLst>
+                                        </p:cTn>
+                                        <p:tgtEl>
+                                          <p:spTgt spid="9">
+                                            <p:txEl>
+                                              <p:pRg st="2" end="2"/>
+                                            </p:txEl>
+                                          </p:spTgt>
+                                        </p:tgtEl>
+                                        <p:attrNameLst>
+                                          <p:attrName>style.visibility</p:attrName>
+                                        </p:attrNameLst>
+                                      </p:cBhvr>
+                                      <p:to>
+                                        <p:strVal val="visible"/>
+                                      </p:to>
+                                    </p:set>
+                                    <p:animEffect transition="in" filter="fade">
+                                      <p:cBhvr>
+                                        <p:cTn id="23" dur="250"/>
+                                        <p:tgtEl>
+                                          <p:spTgt spid="9">
+                                            <p:txEl>
+                                              <p:pRg st="2" end="2"/>
+                                            </p:txEl>
+                                          </p:spTgt>
+                                        </p:tgtEl>
+                                      </p:cBhvr>
+                                    </p:animEffect>
+                                  </p:childTnLst>
+                                </p:cTn>
+                              </p:par>
+                            </p:childTnLst>
+                          </p:cTn>
+                        </p:par>
+                        <p:par>
+                          <p:cTn id="24" fill="hold">
+                            <p:stCondLst>
+                              <p:cond delay="3250"/>
+                            </p:stCondLst>
+                            <p:childTnLst>
+                              <p:par>
+                                <p:cTn id="25" presetID="10" presetClass="entr" presetSubtype="0" fill="hold" nodeType="afterEffect">
+                                  <p:stCondLst>
+                                    <p:cond delay="1000"/>
+                                  </p:stCondLst>
+                                  <p:childTnLst>
+                                    <p:set>
+                                      <p:cBhvr>
+                                        <p:cTn id="26" dur="1" fill="hold">
+                                          <p:stCondLst>
+                                            <p:cond delay="0"/>
+                                          </p:stCondLst>
+                                        </p:cTn>
+                                        <p:tgtEl>
+                                          <p:spTgt spid="9">
+                                            <p:txEl>
+                                              <p:pRg st="3" end="3"/>
+                                            </p:txEl>
+                                          </p:spTgt>
+                                        </p:tgtEl>
+                                        <p:attrNameLst>
+                                          <p:attrName>style.visibility</p:attrName>
+                                        </p:attrNameLst>
+                                      </p:cBhvr>
+                                      <p:to>
+                                        <p:strVal val="visible"/>
+                                      </p:to>
+                                    </p:set>
+                                    <p:animEffect transition="in" filter="fade">
+                                      <p:cBhvr>
+                                        <p:cTn id="27" dur="250"/>
+                                        <p:tgtEl>
+                                          <p:spTgt spid="9">
+                                            <p:txEl>
+                                              <p:pRg st="3" end="3"/>
+                                            </p:txEl>
+                                          </p:spTgt>
+                                        </p:tgtEl>
+                                      </p:cBhvr>
+                                    </p:animEffect>
+                                  </p:childTnLst>
+                                </p:cTn>
+                              </p:par>
+                            </p:childTnLst>
+                          </p:cTn>
+                        </p:par>
+                        <p:par>
+                          <p:cTn id="28" fill="hold">
+                            <p:stCondLst>
+                              <p:cond delay="4500"/>
+                            </p:stCondLst>
+                            <p:childTnLst>
+                              <p:par>
+                                <p:cTn id="29" presetID="10" presetClass="entr" presetSubtype="0" fill="hold" nodeType="afterEffect">
+                                  <p:stCondLst>
+                                    <p:cond delay="1000"/>
+                                  </p:stCondLst>
+                                  <p:childTnLst>
+                                    <p:set>
+                                      <p:cBhvr>
+                                        <p:cTn id="30" dur="1" fill="hold">
+                                          <p:stCondLst>
+                                            <p:cond delay="0"/>
+                                          </p:stCondLst>
+                                        </p:cTn>
+                                        <p:tgtEl>
+                                          <p:spTgt spid="9">
+                                            <p:txEl>
+                                              <p:pRg st="4" end="4"/>
+                                            </p:txEl>
+                                          </p:spTgt>
+                                        </p:tgtEl>
+                                        <p:attrNameLst>
+                                          <p:attrName>style.visibility</p:attrName>
+                                        </p:attrNameLst>
+                                      </p:cBhvr>
+                                      <p:to>
+                                        <p:strVal val="visible"/>
+                                      </p:to>
+                                    </p:set>
+                                    <p:animEffect transition="in" filter="fade">
+                                      <p:cBhvr>
+                                        <p:cTn id="31" dur="250"/>
+                                        <p:tgtEl>
+                                          <p:spTgt spid="9">
+                                            <p:txEl>
+                                              <p:pRg st="4" end="4"/>
+                                            </p:txEl>
+                                          </p:spTgt>
+                                        </p:tgtEl>
+                                      </p:cBhvr>
+                                    </p:animEffect>
+                                  </p:childTnLst>
+                                </p:cTn>
+                              </p:par>
+                            </p:childTnLst>
+                          </p:cTn>
+                        </p:par>
+                        <p:par>
+                          <p:cTn id="32" fill="hold">
+                            <p:stCondLst>
+                              <p:cond delay="5750"/>
+                            </p:stCondLst>
+                            <p:childTnLst>
+                              <p:par>
+                                <p:cTn id="33" presetID="10" presetClass="entr" presetSubtype="0" fill="hold" nodeType="afterEffect">
+                                  <p:stCondLst>
+                                    <p:cond delay="1000"/>
+                                  </p:stCondLst>
+                                  <p:childTnLst>
+                                    <p:set>
+                                      <p:cBhvr>
+                                        <p:cTn id="34" dur="1" fill="hold">
+                                          <p:stCondLst>
+                                            <p:cond delay="0"/>
+                                          </p:stCondLst>
+                                        </p:cTn>
+                                        <p:tgtEl>
+                                          <p:spTgt spid="9">
+                                            <p:txEl>
+                                              <p:pRg st="5" end="5"/>
+                                            </p:txEl>
+                                          </p:spTgt>
+                                        </p:tgtEl>
+                                        <p:attrNameLst>
+                                          <p:attrName>style.visibility</p:attrName>
+                                        </p:attrNameLst>
+                                      </p:cBhvr>
+                                      <p:to>
+                                        <p:strVal val="visible"/>
+                                      </p:to>
+                                    </p:set>
+                                    <p:animEffect transition="in" filter="fade">
+                                      <p:cBhvr>
+                                        <p:cTn id="35" dur="250"/>
+                                        <p:tgtEl>
+                                          <p:spTgt spid="9">
+                                            <p:txEl>
+                                              <p:pRg st="5" end="5"/>
+                                            </p:txEl>
+                                          </p:spTgt>
+                                        </p:tgtEl>
+                                      </p:cBhvr>
+                                    </p:animEffect>
+                                  </p:childTnLst>
+                                </p:cTn>
+                              </p:par>
+                            </p:childTnLst>
+                          </p:cTn>
+                        </p:par>
+                      </p:childTnLst>
+                    </p:cTn>
+                  </p:par>
+                </p:childTnLst>
+              </p:cTn>
+              <p:prevCondLst>
+                <p:cond evt="onPrev" delay="0">
+                  <p:tgtEl>
+                    <p:sldTgt/>
+                  </p:tgtEl>
+                </p:cond>
+              </p:prevCondLst>
+              <p:nextCondLst>
+                <p:cond evt="onNext" delay="0">
+                  <p:tgtEl>
+                    <p:sldTgt/>
+                  </p:tgtEl>
+                </p:cond>
+              </p:nextCondLst>
+            </p:seq>
+          </p:childTnLst>
+        </p:cTn>
       </p:par>
     </p:tnLst>
   </p:timing>
@@ -6885,10 +10321,280 @@
   <p:clrMapOvr>
     <a:masterClrMapping/>
   </p:clrMapOvr>
+  <p:transition>
+    <p:fade/>
+  </p:transition>
   <p:timing>
     <p:tnLst>
       <p:par>
-        <p:cTn id="1" dur="indefinite" restart="never" nodeType="tmRoot"/>
+        <p:cTn id="1" dur="indefinite" restart="never" nodeType="tmRoot">
+          <p:childTnLst>
+            <p:seq concurrent="1" nextAc="seek">
+              <p:cTn id="2" dur="indefinite" nodeType="mainSeq">
+                <p:childTnLst>
+                  <p:par>
+                    <p:cTn id="3" fill="hold">
+                      <p:stCondLst>
+                        <p:cond delay="indefinite"/>
+                      </p:stCondLst>
+                      <p:childTnLst>
+                        <p:par>
+                          <p:cTn id="4" fill="hold">
+                            <p:stCondLst>
+                              <p:cond delay="0"/>
+                            </p:stCondLst>
+                            <p:childTnLst>
+                              <p:par>
+                                <p:cTn id="5" presetID="10" presetClass="entr" presetSubtype="0" fill="hold" nodeType="clickEffect">
+                                  <p:stCondLst>
+                                    <p:cond delay="0"/>
+                                  </p:stCondLst>
+                                  <p:childTnLst>
+                                    <p:set>
+                                      <p:cBhvr>
+                                        <p:cTn id="6" dur="1" fill="hold">
+                                          <p:stCondLst>
+                                            <p:cond delay="0"/>
+                                          </p:stCondLst>
+                                        </p:cTn>
+                                        <p:tgtEl>
+                                          <p:spTgt spid="3">
+                                            <p:txEl>
+                                              <p:pRg st="0" end="0"/>
+                                            </p:txEl>
+                                          </p:spTgt>
+                                        </p:tgtEl>
+                                        <p:attrNameLst>
+                                          <p:attrName>style.visibility</p:attrName>
+                                        </p:attrNameLst>
+                                      </p:cBhvr>
+                                      <p:to>
+                                        <p:strVal val="visible"/>
+                                      </p:to>
+                                    </p:set>
+                                    <p:animEffect transition="in" filter="fade">
+                                      <p:cBhvr>
+                                        <p:cTn id="7" dur="250"/>
+                                        <p:tgtEl>
+                                          <p:spTgt spid="3">
+                                            <p:txEl>
+                                              <p:pRg st="0" end="0"/>
+                                            </p:txEl>
+                                          </p:spTgt>
+                                        </p:tgtEl>
+                                      </p:cBhvr>
+                                    </p:animEffect>
+                                  </p:childTnLst>
+                                </p:cTn>
+                              </p:par>
+                            </p:childTnLst>
+                          </p:cTn>
+                        </p:par>
+                      </p:childTnLst>
+                    </p:cTn>
+                  </p:par>
+                  <p:par>
+                    <p:cTn id="8" fill="hold">
+                      <p:stCondLst>
+                        <p:cond delay="indefinite"/>
+                      </p:stCondLst>
+                      <p:childTnLst>
+                        <p:par>
+                          <p:cTn id="9" fill="hold">
+                            <p:stCondLst>
+                              <p:cond delay="0"/>
+                            </p:stCondLst>
+                            <p:childTnLst>
+                              <p:par>
+                                <p:cTn id="10" presetID="10" presetClass="entr" presetSubtype="0" fill="hold" nodeType="clickEffect">
+                                  <p:stCondLst>
+                                    <p:cond delay="0"/>
+                                  </p:stCondLst>
+                                  <p:childTnLst>
+                                    <p:set>
+                                      <p:cBhvr>
+                                        <p:cTn id="11" dur="1" fill="hold">
+                                          <p:stCondLst>
+                                            <p:cond delay="0"/>
+                                          </p:stCondLst>
+                                        </p:cTn>
+                                        <p:tgtEl>
+                                          <p:spTgt spid="3">
+                                            <p:txEl>
+                                              <p:pRg st="1" end="1"/>
+                                            </p:txEl>
+                                          </p:spTgt>
+                                        </p:tgtEl>
+                                        <p:attrNameLst>
+                                          <p:attrName>style.visibility</p:attrName>
+                                        </p:attrNameLst>
+                                      </p:cBhvr>
+                                      <p:to>
+                                        <p:strVal val="visible"/>
+                                      </p:to>
+                                    </p:set>
+                                    <p:animEffect transition="in" filter="fade">
+                                      <p:cBhvr>
+                                        <p:cTn id="12" dur="250"/>
+                                        <p:tgtEl>
+                                          <p:spTgt spid="3">
+                                            <p:txEl>
+                                              <p:pRg st="1" end="1"/>
+                                            </p:txEl>
+                                          </p:spTgt>
+                                        </p:tgtEl>
+                                      </p:cBhvr>
+                                    </p:animEffect>
+                                  </p:childTnLst>
+                                </p:cTn>
+                              </p:par>
+                            </p:childTnLst>
+                          </p:cTn>
+                        </p:par>
+                      </p:childTnLst>
+                    </p:cTn>
+                  </p:par>
+                  <p:par>
+                    <p:cTn id="13" fill="hold">
+                      <p:stCondLst>
+                        <p:cond delay="indefinite"/>
+                      </p:stCondLst>
+                      <p:childTnLst>
+                        <p:par>
+                          <p:cTn id="14" fill="hold">
+                            <p:stCondLst>
+                              <p:cond delay="0"/>
+                            </p:stCondLst>
+                            <p:childTnLst>
+                              <p:par>
+                                <p:cTn id="15" presetID="10" presetClass="entr" presetSubtype="0" fill="hold" nodeType="clickEffect">
+                                  <p:stCondLst>
+                                    <p:cond delay="0"/>
+                                  </p:stCondLst>
+                                  <p:childTnLst>
+                                    <p:set>
+                                      <p:cBhvr>
+                                        <p:cTn id="16" dur="1" fill="hold">
+                                          <p:stCondLst>
+                                            <p:cond delay="0"/>
+                                          </p:stCondLst>
+                                        </p:cTn>
+                                        <p:tgtEl>
+                                          <p:spTgt spid="3">
+                                            <p:txEl>
+                                              <p:pRg st="2" end="2"/>
+                                            </p:txEl>
+                                          </p:spTgt>
+                                        </p:tgtEl>
+                                        <p:attrNameLst>
+                                          <p:attrName>style.visibility</p:attrName>
+                                        </p:attrNameLst>
+                                      </p:cBhvr>
+                                      <p:to>
+                                        <p:strVal val="visible"/>
+                                      </p:to>
+                                    </p:set>
+                                    <p:animEffect transition="in" filter="fade">
+                                      <p:cBhvr>
+                                        <p:cTn id="17" dur="250"/>
+                                        <p:tgtEl>
+                                          <p:spTgt spid="3">
+                                            <p:txEl>
+                                              <p:pRg st="2" end="2"/>
+                                            </p:txEl>
+                                          </p:spTgt>
+                                        </p:tgtEl>
+                                      </p:cBhvr>
+                                    </p:animEffect>
+                                  </p:childTnLst>
+                                </p:cTn>
+                              </p:par>
+                            </p:childTnLst>
+                          </p:cTn>
+                        </p:par>
+                      </p:childTnLst>
+                    </p:cTn>
+                  </p:par>
+                  <p:par>
+                    <p:cTn id="18" fill="hold">
+                      <p:stCondLst>
+                        <p:cond delay="indefinite"/>
+                      </p:stCondLst>
+                      <p:childTnLst>
+                        <p:par>
+                          <p:cTn id="19" fill="hold">
+                            <p:stCondLst>
+                              <p:cond delay="0"/>
+                            </p:stCondLst>
+                            <p:childTnLst>
+                              <p:par>
+                                <p:cTn id="20" presetID="10" presetClass="entr" presetSubtype="0" fill="hold" nodeType="clickEffect">
+                                  <p:stCondLst>
+                                    <p:cond delay="0"/>
+                                  </p:stCondLst>
+                                  <p:childTnLst>
+                                    <p:set>
+                                      <p:cBhvr>
+                                        <p:cTn id="21" dur="1" fill="hold">
+                                          <p:stCondLst>
+                                            <p:cond delay="0"/>
+                                          </p:stCondLst>
+                                        </p:cTn>
+                                        <p:tgtEl>
+                                          <p:spTgt spid="3">
+                                            <p:txEl>
+                                              <p:pRg st="3" end="3"/>
+                                            </p:txEl>
+                                          </p:spTgt>
+                                        </p:tgtEl>
+                                        <p:attrNameLst>
+                                          <p:attrName>style.visibility</p:attrName>
+                                        </p:attrNameLst>
+                                      </p:cBhvr>
+                                      <p:to>
+                                        <p:strVal val="visible"/>
+                                      </p:to>
+                                    </p:set>
+                                    <p:animEffect transition="in" filter="fade">
+                                      <p:cBhvr>
+                                        <p:cTn id="22" dur="250"/>
+                                        <p:tgtEl>
+                                          <p:spTgt spid="3">
+                                            <p:txEl>
+                                              <p:pRg st="3" end="3"/>
+                                            </p:txEl>
+                                          </p:spTgt>
+                                        </p:tgtEl>
+                                      </p:cBhvr>
+                                    </p:animEffect>
+                                  </p:childTnLst>
+                                </p:cTn>
+                              </p:par>
+                            </p:childTnLst>
+                          </p:cTn>
+                        </p:par>
+                      </p:childTnLst>
+                    </p:cTn>
+                  </p:par>
+                </p:childTnLst>
+              </p:cTn>
+              <p:prevCondLst>
+                <p:cond evt="onPrev" delay="0">
+                  <p:tgtEl>
+                    <p:sldTgt/>
+                  </p:tgtEl>
+                </p:cond>
+              </p:prevCondLst>
+              <p:nextCondLst>
+                <p:cond evt="onNext" delay="0">
+                  <p:tgtEl>
+                    <p:sldTgt/>
+                  </p:tgtEl>
+                </p:cond>
+              </p:nextCondLst>
+            </p:seq>
+          </p:childTnLst>
+        </p:cTn>
       </p:par>
     </p:tnLst>
   </p:timing>
@@ -6998,6 +10704,9 @@
   <p:clrMapOvr>
     <a:masterClrMapping/>
   </p:clrMapOvr>
+  <p:transition>
+    <p:fade/>
+  </p:transition>
   <p:timing>
     <p:tnLst>
       <p:par>
@@ -7219,6 +10928,9 @@
   <p:clrMapOvr>
     <a:masterClrMapping/>
   </p:clrMapOvr>
+  <p:transition>
+    <p:fade/>
+  </p:transition>
   <p:timing>
     <p:tnLst>
       <p:par>
@@ -7810,6 +11522,9 @@
   <p:clrMapOvr>
     <a:masterClrMapping/>
   </p:clrMapOvr>
+  <p:transition>
+    <p:fade/>
+  </p:transition>
   <p:timing>
     <p:tnLst>
       <p:par>
@@ -7935,6 +11650,9 @@
   <p:clrMapOvr>
     <a:masterClrMapping/>
   </p:clrMapOvr>
+  <p:transition>
+    <p:fade/>
+  </p:transition>
   <p:timing>
     <p:tnLst>
       <p:par>
@@ -8060,6 +11778,9 @@
   <p:clrMapOvr>
     <a:masterClrMapping/>
   </p:clrMapOvr>
+  <p:transition>
+    <p:fade/>
+  </p:transition>
   <p:timing>
     <p:tnLst>
       <p:par>
@@ -8112,10 +11833,6 @@
             <a:r>
               <a:rPr lang="de-DE" dirty="0" smtClean="0"/>
               <a:t>Attributed </a:t>
-            </a:r>
-            <a:r>
-              <a:rPr lang="de-DE" dirty="0" smtClean="0"/>
-              <a:t/>
             </a:r>
             <a:br>
               <a:rPr lang="de-DE" dirty="0" smtClean="0"/>
@@ -8210,6 +11927,9 @@
   <p:clrMapOvr>
     <a:masterClrMapping/>
   </p:clrMapOvr>
+  <p:transition>
+    <p:fade/>
+  </p:transition>
   <p:timing>
     <p:tnLst>
       <p:par>
@@ -8335,6 +12055,9 @@
   <p:clrMapOvr>
     <a:masterClrMapping/>
   </p:clrMapOvr>
+  <p:transition>
+    <p:fade/>
+  </p:transition>
   <p:timing>
     <p:tnLst>
       <p:par>
@@ -8464,6 +12187,9 @@
   <p:clrMapOvr>
     <a:masterClrMapping/>
   </p:clrMapOvr>
+  <p:transition>
+    <p:fade/>
+  </p:transition>
   <p:timing>
     <p:tnLst>
       <p:par>
@@ -8588,17 +12314,8 @@
             <a:pPr lvl="1"/>
             <a:r>
               <a:rPr lang="de-DE" dirty="0" smtClean="0"/>
-              <a:t>Harmonia: Inkrementeller </a:t>
-            </a:r>
-            <a:r>
-              <a:rPr lang="de-DE" dirty="0" smtClean="0"/>
-              <a:t>Parser mit </a:t>
-            </a:r>
-            <a:r>
-              <a:rPr lang="de-DE" dirty="0" smtClean="0"/>
-              <a:t>Sentential Forms</a:t>
-            </a:r>
-            <a:endParaRPr lang="de-DE" dirty="0" smtClean="0"/>
+              <a:t>Harmonia: Inkrementeller Parser mit Sentential Forms</a:t>
+            </a:r>
           </a:p>
           <a:p>
             <a:pPr lvl="1"/>
@@ -8606,7 +12323,6 @@
               <a:rPr lang="de-DE" dirty="0" smtClean="0"/>
               <a:t>Proxima: Tokens zur graphischen Darstellung </a:t>
             </a:r>
-            <a:endParaRPr lang="de-DE" dirty="0" smtClean="0"/>
           </a:p>
           <a:p>
             <a:pPr lvl="1"/>
@@ -8651,6 +12367,9 @@
   <p:clrMapOvr>
     <a:masterClrMapping/>
   </p:clrMapOvr>
+  <p:transition>
+    <p:fade/>
+  </p:transition>
   <p:timing>
     <p:tnLst>
       <p:par>
@@ -8805,6 +12524,9 @@
   <p:clrMapOvr>
     <a:masterClrMapping/>
   </p:clrMapOvr>
+  <p:transition>
+    <p:fade/>
+  </p:transition>
   <p:timing>
     <p:tnLst>
       <p:par>
@@ -8979,6 +12701,9 @@
   <p:clrMapOvr>
     <a:masterClrMapping/>
   </p:clrMapOvr>
+  <p:transition>
+    <p:fade/>
+  </p:transition>
   <p:timing>
     <p:tnLst>
       <p:par>
@@ -9178,6 +12903,9 @@
   <p:clrMapOvr>
     <a:masterClrMapping/>
   </p:clrMapOvr>
+  <p:transition>
+    <p:fade/>
+  </p:transition>
   <p:timing>
     <p:tnLst>
       <p:par>
@@ -9222,11 +12950,7 @@
           <a:p>
             <a:r>
               <a:rPr lang="de-DE" dirty="0" smtClean="0"/>
-              <a:t>Xtext </a:t>
-            </a:r>
-            <a:r>
-              <a:rPr lang="de-DE" dirty="0" smtClean="0"/>
-              <a:t>Architektur</a:t>
+              <a:t>Xtext Architektur</a:t>
             </a:r>
             <a:endParaRPr lang="de-DE" dirty="0"/>
           </a:p>
@@ -9357,12 +13081,227 @@
   <p:clrMapOvr>
     <a:masterClrMapping/>
   </p:clrMapOvr>
+  <p:transition>
+    <p:fade/>
+  </p:transition>
   <p:timing>
     <p:tnLst>
       <p:par>
-        <p:cTn id="1" dur="indefinite" restart="never" nodeType="tmRoot"/>
+        <p:cTn id="1" dur="indefinite" restart="never" nodeType="tmRoot">
+          <p:childTnLst>
+            <p:seq concurrent="1" nextAc="seek">
+              <p:cTn id="2" dur="indefinite" nodeType="mainSeq">
+                <p:childTnLst>
+                  <p:par>
+                    <p:cTn id="3" fill="hold">
+                      <p:stCondLst>
+                        <p:cond delay="indefinite"/>
+                        <p:cond evt="onBegin" delay="0">
+                          <p:tn val="2"/>
+                        </p:cond>
+                      </p:stCondLst>
+                      <p:childTnLst>
+                        <p:par>
+                          <p:cTn id="4" fill="hold">
+                            <p:stCondLst>
+                              <p:cond delay="0"/>
+                            </p:stCondLst>
+                            <p:childTnLst>
+                              <p:par>
+                                <p:cTn id="5" presetID="10" presetClass="entr" presetSubtype="0" fill="hold" grpId="0" nodeType="afterEffect">
+                                  <p:stCondLst>
+                                    <p:cond delay="0"/>
+                                  </p:stCondLst>
+                                  <p:childTnLst>
+                                    <p:set>
+                                      <p:cBhvr>
+                                        <p:cTn id="6" dur="1" fill="hold">
+                                          <p:stCondLst>
+                                            <p:cond delay="0"/>
+                                          </p:stCondLst>
+                                        </p:cTn>
+                                        <p:tgtEl>
+                                          <p:spTgt spid="10">
+                                            <p:txEl>
+                                              <p:pRg st="0" end="0"/>
+                                            </p:txEl>
+                                          </p:spTgt>
+                                        </p:tgtEl>
+                                        <p:attrNameLst>
+                                          <p:attrName>style.visibility</p:attrName>
+                                        </p:attrNameLst>
+                                      </p:cBhvr>
+                                      <p:to>
+                                        <p:strVal val="visible"/>
+                                      </p:to>
+                                    </p:set>
+                                    <p:animEffect transition="in" filter="fade">
+                                      <p:cBhvr>
+                                        <p:cTn id="7" dur="250"/>
+                                        <p:tgtEl>
+                                          <p:spTgt spid="10">
+                                            <p:txEl>
+                                              <p:pRg st="0" end="0"/>
+                                            </p:txEl>
+                                          </p:spTgt>
+                                        </p:tgtEl>
+                                      </p:cBhvr>
+                                    </p:animEffect>
+                                  </p:childTnLst>
+                                </p:cTn>
+                              </p:par>
+                            </p:childTnLst>
+                          </p:cTn>
+                        </p:par>
+                      </p:childTnLst>
+                    </p:cTn>
+                  </p:par>
+                  <p:par>
+                    <p:cTn id="8" fill="hold">
+                      <p:stCondLst>
+                        <p:cond delay="indefinite"/>
+                      </p:stCondLst>
+                      <p:childTnLst>
+                        <p:par>
+                          <p:cTn id="9" fill="hold">
+                            <p:stCondLst>
+                              <p:cond delay="0"/>
+                            </p:stCondLst>
+                            <p:childTnLst>
+                              <p:par>
+                                <p:cTn id="10" presetID="10" presetClass="entr" presetSubtype="0" fill="hold" grpId="0" nodeType="clickEffect">
+                                  <p:stCondLst>
+                                    <p:cond delay="0"/>
+                                  </p:stCondLst>
+                                  <p:childTnLst>
+                                    <p:set>
+                                      <p:cBhvr>
+                                        <p:cTn id="11" dur="1" fill="hold">
+                                          <p:stCondLst>
+                                            <p:cond delay="0"/>
+                                          </p:stCondLst>
+                                        </p:cTn>
+                                        <p:tgtEl>
+                                          <p:spTgt spid="10">
+                                            <p:txEl>
+                                              <p:pRg st="1" end="1"/>
+                                            </p:txEl>
+                                          </p:spTgt>
+                                        </p:tgtEl>
+                                        <p:attrNameLst>
+                                          <p:attrName>style.visibility</p:attrName>
+                                        </p:attrNameLst>
+                                      </p:cBhvr>
+                                      <p:to>
+                                        <p:strVal val="visible"/>
+                                      </p:to>
+                                    </p:set>
+                                    <p:animEffect transition="in" filter="fade">
+                                      <p:cBhvr>
+                                        <p:cTn id="12" dur="250"/>
+                                        <p:tgtEl>
+                                          <p:spTgt spid="10">
+                                            <p:txEl>
+                                              <p:pRg st="1" end="1"/>
+                                            </p:txEl>
+                                          </p:spTgt>
+                                        </p:tgtEl>
+                                      </p:cBhvr>
+                                    </p:animEffect>
+                                  </p:childTnLst>
+                                </p:cTn>
+                              </p:par>
+                            </p:childTnLst>
+                          </p:cTn>
+                        </p:par>
+                      </p:childTnLst>
+                    </p:cTn>
+                  </p:par>
+                  <p:par>
+                    <p:cTn id="13" fill="hold">
+                      <p:stCondLst>
+                        <p:cond delay="indefinite"/>
+                      </p:stCondLst>
+                      <p:childTnLst>
+                        <p:par>
+                          <p:cTn id="14" fill="hold">
+                            <p:stCondLst>
+                              <p:cond delay="0"/>
+                            </p:stCondLst>
+                            <p:childTnLst>
+                              <p:par>
+                                <p:cTn id="15" presetID="10" presetClass="entr" presetSubtype="0" fill="hold" grpId="0" nodeType="clickEffect">
+                                  <p:stCondLst>
+                                    <p:cond delay="0"/>
+                                  </p:stCondLst>
+                                  <p:childTnLst>
+                                    <p:set>
+                                      <p:cBhvr>
+                                        <p:cTn id="16" dur="1" fill="hold">
+                                          <p:stCondLst>
+                                            <p:cond delay="0"/>
+                                          </p:stCondLst>
+                                        </p:cTn>
+                                        <p:tgtEl>
+                                          <p:spTgt spid="10">
+                                            <p:txEl>
+                                              <p:pRg st="2" end="2"/>
+                                            </p:txEl>
+                                          </p:spTgt>
+                                        </p:tgtEl>
+                                        <p:attrNameLst>
+                                          <p:attrName>style.visibility</p:attrName>
+                                        </p:attrNameLst>
+                                      </p:cBhvr>
+                                      <p:to>
+                                        <p:strVal val="visible"/>
+                                      </p:to>
+                                    </p:set>
+                                    <p:animEffect transition="in" filter="fade">
+                                      <p:cBhvr>
+                                        <p:cTn id="17" dur="250"/>
+                                        <p:tgtEl>
+                                          <p:spTgt spid="10">
+                                            <p:txEl>
+                                              <p:pRg st="2" end="2"/>
+                                            </p:txEl>
+                                          </p:spTgt>
+                                        </p:tgtEl>
+                                      </p:cBhvr>
+                                    </p:animEffect>
+                                  </p:childTnLst>
+                                </p:cTn>
+                              </p:par>
+                            </p:childTnLst>
+                          </p:cTn>
+                        </p:par>
+                      </p:childTnLst>
+                    </p:cTn>
+                  </p:par>
+                </p:childTnLst>
+              </p:cTn>
+              <p:prevCondLst>
+                <p:cond evt="onPrev" delay="0">
+                  <p:tgtEl>
+                    <p:sldTgt/>
+                  </p:tgtEl>
+                </p:cond>
+              </p:prevCondLst>
+              <p:nextCondLst>
+                <p:cond evt="onNext" delay="0">
+                  <p:tgtEl>
+                    <p:sldTgt/>
+                  </p:tgtEl>
+                </p:cond>
+              </p:nextCondLst>
+            </p:seq>
+          </p:childTnLst>
+        </p:cTn>
       </p:par>
     </p:tnLst>
+    <p:bldLst>
+      <p:bldP spid="10" grpId="0" uiExpand="1" build="p"/>
+    </p:bldLst>
   </p:timing>
 </p:sld>
 </file>
@@ -9846,12 +13785,428 @@
   <p:clrMapOvr>
     <a:masterClrMapping/>
   </p:clrMapOvr>
+  <p:transition>
+    <p:fade/>
+  </p:transition>
   <p:timing>
     <p:tnLst>
       <p:par>
-        <p:cTn id="1" dur="indefinite" restart="never" nodeType="tmRoot"/>
+        <p:cTn id="1" dur="indefinite" restart="never" nodeType="tmRoot">
+          <p:childTnLst>
+            <p:seq concurrent="1" nextAc="seek">
+              <p:cTn id="2" dur="indefinite" nodeType="mainSeq">
+                <p:childTnLst>
+                  <p:par>
+                    <p:cTn id="3" fill="hold">
+                      <p:stCondLst>
+                        <p:cond delay="indefinite"/>
+                      </p:stCondLst>
+                      <p:childTnLst>
+                        <p:par>
+                          <p:cTn id="4" fill="hold">
+                            <p:stCondLst>
+                              <p:cond delay="0"/>
+                            </p:stCondLst>
+                            <p:childTnLst>
+                              <p:par>
+                                <p:cTn id="5" presetID="10" presetClass="entr" presetSubtype="0" fill="hold" grpId="0" nodeType="clickEffect">
+                                  <p:stCondLst>
+                                    <p:cond delay="0"/>
+                                  </p:stCondLst>
+                                  <p:childTnLst>
+                                    <p:set>
+                                      <p:cBhvr>
+                                        <p:cTn id="6" dur="1" fill="hold">
+                                          <p:stCondLst>
+                                            <p:cond delay="0"/>
+                                          </p:stCondLst>
+                                        </p:cTn>
+                                        <p:tgtEl>
+                                          <p:spTgt spid="4">
+                                            <p:txEl>
+                                              <p:pRg st="0" end="0"/>
+                                            </p:txEl>
+                                          </p:spTgt>
+                                        </p:tgtEl>
+                                        <p:attrNameLst>
+                                          <p:attrName>style.visibility</p:attrName>
+                                        </p:attrNameLst>
+                                      </p:cBhvr>
+                                      <p:to>
+                                        <p:strVal val="visible"/>
+                                      </p:to>
+                                    </p:set>
+                                    <p:animEffect transition="in" filter="fade">
+                                      <p:cBhvr>
+                                        <p:cTn id="7" dur="250"/>
+                                        <p:tgtEl>
+                                          <p:spTgt spid="4">
+                                            <p:txEl>
+                                              <p:pRg st="0" end="0"/>
+                                            </p:txEl>
+                                          </p:spTgt>
+                                        </p:tgtEl>
+                                      </p:cBhvr>
+                                    </p:animEffect>
+                                  </p:childTnLst>
+                                </p:cTn>
+                              </p:par>
+                              <p:par>
+                                <p:cTn id="8" presetID="10" presetClass="entr" presetSubtype="0" fill="hold" grpId="0" nodeType="withEffect">
+                                  <p:stCondLst>
+                                    <p:cond delay="0"/>
+                                  </p:stCondLst>
+                                  <p:childTnLst>
+                                    <p:set>
+                                      <p:cBhvr>
+                                        <p:cTn id="9" dur="1" fill="hold">
+                                          <p:stCondLst>
+                                            <p:cond delay="0"/>
+                                          </p:stCondLst>
+                                        </p:cTn>
+                                        <p:tgtEl>
+                                          <p:spTgt spid="9"/>
+                                        </p:tgtEl>
+                                        <p:attrNameLst>
+                                          <p:attrName>style.visibility</p:attrName>
+                                        </p:attrNameLst>
+                                      </p:cBhvr>
+                                      <p:to>
+                                        <p:strVal val="visible"/>
+                                      </p:to>
+                                    </p:set>
+                                    <p:animEffect transition="in" filter="fade">
+                                      <p:cBhvr>
+                                        <p:cTn id="10" dur="10"/>
+                                        <p:tgtEl>
+                                          <p:spTgt spid="9"/>
+                                        </p:tgtEl>
+                                      </p:cBhvr>
+                                    </p:animEffect>
+                                  </p:childTnLst>
+                                </p:cTn>
+                              </p:par>
+                            </p:childTnLst>
+                          </p:cTn>
+                        </p:par>
+                      </p:childTnLst>
+                    </p:cTn>
+                  </p:par>
+                  <p:par>
+                    <p:cTn id="11" fill="hold">
+                      <p:stCondLst>
+                        <p:cond delay="indefinite"/>
+                      </p:stCondLst>
+                      <p:childTnLst>
+                        <p:par>
+                          <p:cTn id="12" fill="hold">
+                            <p:stCondLst>
+                              <p:cond delay="0"/>
+                            </p:stCondLst>
+                            <p:childTnLst>
+                              <p:par>
+                                <p:cTn id="13" presetID="10" presetClass="entr" presetSubtype="0" fill="hold" grpId="0" nodeType="clickEffect">
+                                  <p:stCondLst>
+                                    <p:cond delay="0"/>
+                                  </p:stCondLst>
+                                  <p:childTnLst>
+                                    <p:set>
+                                      <p:cBhvr>
+                                        <p:cTn id="14" dur="1" fill="hold">
+                                          <p:stCondLst>
+                                            <p:cond delay="0"/>
+                                          </p:stCondLst>
+                                        </p:cTn>
+                                        <p:tgtEl>
+                                          <p:spTgt spid="4">
+                                            <p:txEl>
+                                              <p:pRg st="4" end="4"/>
+                                            </p:txEl>
+                                          </p:spTgt>
+                                        </p:tgtEl>
+                                        <p:attrNameLst>
+                                          <p:attrName>style.visibility</p:attrName>
+                                        </p:attrNameLst>
+                                      </p:cBhvr>
+                                      <p:to>
+                                        <p:strVal val="visible"/>
+                                      </p:to>
+                                    </p:set>
+                                    <p:animEffect transition="in" filter="fade">
+                                      <p:cBhvr>
+                                        <p:cTn id="15" dur="250"/>
+                                        <p:tgtEl>
+                                          <p:spTgt spid="4">
+                                            <p:txEl>
+                                              <p:pRg st="4" end="4"/>
+                                            </p:txEl>
+                                          </p:spTgt>
+                                        </p:tgtEl>
+                                      </p:cBhvr>
+                                    </p:animEffect>
+                                  </p:childTnLst>
+                                </p:cTn>
+                              </p:par>
+                              <p:par>
+                                <p:cTn id="16" presetID="10" presetClass="entr" presetSubtype="0" fill="hold" grpId="0" nodeType="withEffect">
+                                  <p:stCondLst>
+                                    <p:cond delay="0"/>
+                                  </p:stCondLst>
+                                  <p:childTnLst>
+                                    <p:set>
+                                      <p:cBhvr>
+                                        <p:cTn id="17" dur="1" fill="hold">
+                                          <p:stCondLst>
+                                            <p:cond delay="0"/>
+                                          </p:stCondLst>
+                                        </p:cTn>
+                                        <p:tgtEl>
+                                          <p:spTgt spid="12"/>
+                                        </p:tgtEl>
+                                        <p:attrNameLst>
+                                          <p:attrName>style.visibility</p:attrName>
+                                        </p:attrNameLst>
+                                      </p:cBhvr>
+                                      <p:to>
+                                        <p:strVal val="visible"/>
+                                      </p:to>
+                                    </p:set>
+                                    <p:animEffect transition="in" filter="fade">
+                                      <p:cBhvr>
+                                        <p:cTn id="18" dur="250"/>
+                                        <p:tgtEl>
+                                          <p:spTgt spid="12"/>
+                                        </p:tgtEl>
+                                      </p:cBhvr>
+                                    </p:animEffect>
+                                  </p:childTnLst>
+                                </p:cTn>
+                              </p:par>
+                              <p:par>
+                                <p:cTn id="19" presetID="10" presetClass="entr" presetSubtype="0" fill="hold" nodeType="withEffect">
+                                  <p:stCondLst>
+                                    <p:cond delay="0"/>
+                                  </p:stCondLst>
+                                  <p:childTnLst>
+                                    <p:set>
+                                      <p:cBhvr>
+                                        <p:cTn id="20" dur="1" fill="hold">
+                                          <p:stCondLst>
+                                            <p:cond delay="0"/>
+                                          </p:stCondLst>
+                                        </p:cTn>
+                                        <p:tgtEl>
+                                          <p:spTgt spid="4098"/>
+                                        </p:tgtEl>
+                                        <p:attrNameLst>
+                                          <p:attrName>style.visibility</p:attrName>
+                                        </p:attrNameLst>
+                                      </p:cBhvr>
+                                      <p:to>
+                                        <p:strVal val="visible"/>
+                                      </p:to>
+                                    </p:set>
+                                    <p:animEffect transition="in" filter="fade">
+                                      <p:cBhvr>
+                                        <p:cTn id="21" dur="250"/>
+                                        <p:tgtEl>
+                                          <p:spTgt spid="4098"/>
+                                        </p:tgtEl>
+                                      </p:cBhvr>
+                                    </p:animEffect>
+                                  </p:childTnLst>
+                                </p:cTn>
+                              </p:par>
+                            </p:childTnLst>
+                          </p:cTn>
+                        </p:par>
+                      </p:childTnLst>
+                    </p:cTn>
+                  </p:par>
+                  <p:par>
+                    <p:cTn id="22" fill="hold">
+                      <p:stCondLst>
+                        <p:cond delay="indefinite"/>
+                      </p:stCondLst>
+                      <p:childTnLst>
+                        <p:par>
+                          <p:cTn id="23" fill="hold">
+                            <p:stCondLst>
+                              <p:cond delay="0"/>
+                            </p:stCondLst>
+                            <p:childTnLst>
+                              <p:par>
+                                <p:cTn id="24" presetID="10" presetClass="entr" presetSubtype="0" fill="hold" grpId="0" nodeType="clickEffect">
+                                  <p:stCondLst>
+                                    <p:cond delay="0"/>
+                                  </p:stCondLst>
+                                  <p:childTnLst>
+                                    <p:set>
+                                      <p:cBhvr>
+                                        <p:cTn id="25" dur="1" fill="hold">
+                                          <p:stCondLst>
+                                            <p:cond delay="0"/>
+                                          </p:stCondLst>
+                                        </p:cTn>
+                                        <p:tgtEl>
+                                          <p:spTgt spid="4">
+                                            <p:txEl>
+                                              <p:pRg st="7" end="7"/>
+                                            </p:txEl>
+                                          </p:spTgt>
+                                        </p:tgtEl>
+                                        <p:attrNameLst>
+                                          <p:attrName>style.visibility</p:attrName>
+                                        </p:attrNameLst>
+                                      </p:cBhvr>
+                                      <p:to>
+                                        <p:strVal val="visible"/>
+                                      </p:to>
+                                    </p:set>
+                                    <p:animEffect transition="in" filter="fade">
+                                      <p:cBhvr>
+                                        <p:cTn id="26" dur="250"/>
+                                        <p:tgtEl>
+                                          <p:spTgt spid="4">
+                                            <p:txEl>
+                                              <p:pRg st="7" end="7"/>
+                                            </p:txEl>
+                                          </p:spTgt>
+                                        </p:tgtEl>
+                                      </p:cBhvr>
+                                    </p:animEffect>
+                                  </p:childTnLst>
+                                </p:cTn>
+                              </p:par>
+                              <p:par>
+                                <p:cTn id="27" presetID="10" presetClass="entr" presetSubtype="0" fill="hold" grpId="0" nodeType="withEffect">
+                                  <p:stCondLst>
+                                    <p:cond delay="0"/>
+                                  </p:stCondLst>
+                                  <p:childTnLst>
+                                    <p:set>
+                                      <p:cBhvr>
+                                        <p:cTn id="28" dur="1" fill="hold">
+                                          <p:stCondLst>
+                                            <p:cond delay="0"/>
+                                          </p:stCondLst>
+                                        </p:cTn>
+                                        <p:tgtEl>
+                                          <p:spTgt spid="13"/>
+                                        </p:tgtEl>
+                                        <p:attrNameLst>
+                                          <p:attrName>style.visibility</p:attrName>
+                                        </p:attrNameLst>
+                                      </p:cBhvr>
+                                      <p:to>
+                                        <p:strVal val="visible"/>
+                                      </p:to>
+                                    </p:set>
+                                    <p:animEffect transition="in" filter="fade">
+                                      <p:cBhvr>
+                                        <p:cTn id="29" dur="250"/>
+                                        <p:tgtEl>
+                                          <p:spTgt spid="13"/>
+                                        </p:tgtEl>
+                                      </p:cBhvr>
+                                    </p:animEffect>
+                                  </p:childTnLst>
+                                </p:cTn>
+                              </p:par>
+                            </p:childTnLst>
+                          </p:cTn>
+                        </p:par>
+                      </p:childTnLst>
+                    </p:cTn>
+                  </p:par>
+                  <p:par>
+                    <p:cTn id="30" fill="hold">
+                      <p:stCondLst>
+                        <p:cond delay="indefinite"/>
+                      </p:stCondLst>
+                      <p:childTnLst>
+                        <p:par>
+                          <p:cTn id="31" fill="hold">
+                            <p:stCondLst>
+                              <p:cond delay="0"/>
+                            </p:stCondLst>
+                            <p:childTnLst>
+                              <p:par>
+                                <p:cTn id="32" presetID="10" presetClass="entr" presetSubtype="0" fill="hold" grpId="0" nodeType="clickEffect">
+                                  <p:stCondLst>
+                                    <p:cond delay="0"/>
+                                  </p:stCondLst>
+                                  <p:childTnLst>
+                                    <p:set>
+                                      <p:cBhvr>
+                                        <p:cTn id="33" dur="1" fill="hold">
+                                          <p:stCondLst>
+                                            <p:cond delay="0"/>
+                                          </p:stCondLst>
+                                        </p:cTn>
+                                        <p:tgtEl>
+                                          <p:spTgt spid="4">
+                                            <p:txEl>
+                                              <p:pRg st="10" end="10"/>
+                                            </p:txEl>
+                                          </p:spTgt>
+                                        </p:tgtEl>
+                                        <p:attrNameLst>
+                                          <p:attrName>style.visibility</p:attrName>
+                                        </p:attrNameLst>
+                                      </p:cBhvr>
+                                      <p:to>
+                                        <p:strVal val="visible"/>
+                                      </p:to>
+                                    </p:set>
+                                    <p:animEffect transition="in" filter="fade">
+                                      <p:cBhvr>
+                                        <p:cTn id="34" dur="250"/>
+                                        <p:tgtEl>
+                                          <p:spTgt spid="4">
+                                            <p:txEl>
+                                              <p:pRg st="10" end="10"/>
+                                            </p:txEl>
+                                          </p:spTgt>
+                                        </p:tgtEl>
+                                      </p:cBhvr>
+                                    </p:animEffect>
+                                  </p:childTnLst>
+                                </p:cTn>
+                              </p:par>
+                            </p:childTnLst>
+                          </p:cTn>
+                        </p:par>
+                      </p:childTnLst>
+                    </p:cTn>
+                  </p:par>
+                </p:childTnLst>
+              </p:cTn>
+              <p:prevCondLst>
+                <p:cond evt="onPrev" delay="0">
+                  <p:tgtEl>
+                    <p:sldTgt/>
+                  </p:tgtEl>
+                </p:cond>
+              </p:prevCondLst>
+              <p:nextCondLst>
+                <p:cond evt="onNext" delay="0">
+                  <p:tgtEl>
+                    <p:sldTgt/>
+                  </p:tgtEl>
+                </p:cond>
+              </p:nextCondLst>
+            </p:seq>
+          </p:childTnLst>
+        </p:cTn>
       </p:par>
     </p:tnLst>
+    <p:bldLst>
+      <p:bldP spid="4" grpId="0" uiExpand="1" build="p"/>
+      <p:bldP spid="9" grpId="0" animBg="1"/>
+      <p:bldP spid="12" grpId="0" animBg="1"/>
+      <p:bldP spid="13" grpId="0" animBg="1"/>
+    </p:bldLst>
   </p:timing>
 </p:sld>
 </file>
@@ -10266,70 +14621,6 @@
       </p:sp>
       <p:sp>
         <p:nvSpPr>
-          <p:cNvPr id="9" name="TextBox 8"/>
-          <p:cNvSpPr txBox="1"/>
-          <p:nvPr/>
-        </p:nvSpPr>
-        <p:spPr>
-          <a:xfrm>
-            <a:off x="7696200" y="3163669"/>
-            <a:ext cx="1295400" cy="646331"/>
-          </a:xfrm>
-          <a:prstGeom prst="rect">
-            <a:avLst/>
-          </a:prstGeom>
-          <a:solidFill>
-            <a:schemeClr val="bg2"/>
-          </a:solidFill>
-          <a:ln>
-            <a:solidFill>
-              <a:schemeClr val="tx1"/>
-            </a:solidFill>
-          </a:ln>
-        </p:spPr>
-        <p:txBody>
-          <a:bodyPr wrap="square" rtlCol="0">
-            <a:spAutoFit/>
-          </a:bodyPr>
-          <a:lstStyle/>
-          <a:p>
-            <a:r>
-              <a:rPr lang="de-DE" dirty="0" smtClean="0">
-                <a:solidFill>
-                  <a:srgbClr val="FF0000"/>
-                </a:solidFill>
-                <a:latin typeface="Lucida Console" pitchFamily="49" charset="0"/>
-              </a:rPr>
-              <a:t>nicht b</a:t>
-            </a:r>
-            <a:r>
-              <a:rPr lang="de-DE" dirty="0">
-                <a:latin typeface="Lucida Console" pitchFamily="49" charset="0"/>
-              </a:rPr>
-              <a:t/>
-            </a:r>
-            <a:br>
-              <a:rPr lang="de-DE" dirty="0">
-                <a:latin typeface="Lucida Console" pitchFamily="49" charset="0"/>
-              </a:rPr>
-            </a:br>
-            <a:r>
-              <a:rPr lang="de-DE" dirty="0" smtClean="0">
-                <a:solidFill>
-                  <a:srgbClr val="FF0000"/>
-                </a:solidFill>
-                <a:latin typeface="Lucida Console" pitchFamily="49" charset="0"/>
-              </a:rPr>
-              <a:t>nicht v</a:t>
-            </a:r>
-            <a:endParaRPr lang="de-DE" dirty="0" smtClean="0">
-              <a:latin typeface="Lucida Console" pitchFamily="49" charset="0"/>
-            </a:endParaRPr>
-          </a:p>
-        </p:txBody>
-      </p:sp>
-      <p:sp>
-        <p:nvSpPr>
           <p:cNvPr id="16" name="TextBox 15"/>
           <p:cNvSpPr txBox="1"/>
           <p:nvPr/>
@@ -10582,6 +14873,73 @@
           </a:p>
         </p:txBody>
       </p:sp>
+      <p:sp>
+        <p:nvSpPr>
+          <p:cNvPr id="12" name="TextBox 11"/>
+          <p:cNvSpPr txBox="1"/>
+          <p:nvPr/>
+        </p:nvSpPr>
+        <p:spPr>
+          <a:xfrm>
+            <a:off x="7924800" y="3163669"/>
+            <a:ext cx="1040679" cy="646331"/>
+          </a:xfrm>
+          <a:prstGeom prst="rect">
+            <a:avLst/>
+          </a:prstGeom>
+          <a:solidFill>
+            <a:schemeClr val="bg2"/>
+          </a:solidFill>
+          <a:ln>
+            <a:solidFill>
+              <a:schemeClr val="tx2">
+                <a:lumMod val="60000"/>
+                <a:lumOff val="40000"/>
+              </a:schemeClr>
+            </a:solidFill>
+          </a:ln>
+        </p:spPr>
+        <p:txBody>
+          <a:bodyPr wrap="square" rtlCol="0">
+            <a:spAutoFit/>
+          </a:bodyPr>
+          <a:lstStyle/>
+          <a:p>
+            <a:r>
+              <a:rPr lang="de-DE" dirty="0" smtClean="0">
+                <a:solidFill>
+                  <a:srgbClr val="FF0000"/>
+                </a:solidFill>
+                <a:latin typeface="Lucida Console" pitchFamily="49" charset="0"/>
+              </a:rPr>
+              <a:t>Kein b</a:t>
+            </a:r>
+          </a:p>
+          <a:p>
+            <a:r>
+              <a:rPr lang="en-US" dirty="0" err="1" smtClean="0">
+                <a:solidFill>
+                  <a:srgbClr val="FF0000"/>
+                </a:solidFill>
+                <a:latin typeface="Lucida Console" pitchFamily="49" charset="0"/>
+              </a:rPr>
+              <a:t>Kein</a:t>
+            </a:r>
+            <a:r>
+              <a:rPr lang="en-US" dirty="0" smtClean="0">
+                <a:solidFill>
+                  <a:srgbClr val="FF0000"/>
+                </a:solidFill>
+                <a:latin typeface="Lucida Console" pitchFamily="49" charset="0"/>
+              </a:rPr>
+              <a:t> v</a:t>
+            </a:r>
+            <a:endParaRPr lang="de-DE" dirty="0" smtClean="0">
+              <a:latin typeface="Lucida Console" pitchFamily="49" charset="0"/>
+            </a:endParaRPr>
+          </a:p>
+        </p:txBody>
+      </p:sp>
     </p:spTree>
     <p:extLst>
       <p:ext uri="{BB962C8B-B14F-4D97-AF65-F5344CB8AC3E}">
@@ -10592,12 +14950,709 @@
   <p:clrMapOvr>
     <a:masterClrMapping/>
   </p:clrMapOvr>
+  <p:transition>
+    <p:fade/>
+  </p:transition>
   <p:timing>
     <p:tnLst>
       <p:par>
-        <p:cTn id="1" dur="indefinite" restart="never" nodeType="tmRoot"/>
+        <p:cTn id="1" dur="indefinite" restart="never" nodeType="tmRoot">
+          <p:childTnLst>
+            <p:seq concurrent="1" nextAc="seek">
+              <p:cTn id="2" dur="indefinite" nodeType="mainSeq">
+                <p:childTnLst>
+                  <p:par>
+                    <p:cTn id="3" fill="hold">
+                      <p:stCondLst>
+                        <p:cond delay="indefinite"/>
+                      </p:stCondLst>
+                      <p:childTnLst>
+                        <p:par>
+                          <p:cTn id="4" fill="hold">
+                            <p:stCondLst>
+                              <p:cond delay="0"/>
+                            </p:stCondLst>
+                            <p:childTnLst>
+                              <p:par>
+                                <p:cTn id="5" presetID="10" presetClass="entr" presetSubtype="0" fill="hold" grpId="0" nodeType="clickEffect">
+                                  <p:stCondLst>
+                                    <p:cond delay="0"/>
+                                  </p:stCondLst>
+                                  <p:childTnLst>
+                                    <p:set>
+                                      <p:cBhvr>
+                                        <p:cTn id="6" dur="1" fill="hold">
+                                          <p:stCondLst>
+                                            <p:cond delay="0"/>
+                                          </p:stCondLst>
+                                        </p:cTn>
+                                        <p:tgtEl>
+                                          <p:spTgt spid="4">
+                                            <p:txEl>
+                                              <p:pRg st="0" end="0"/>
+                                            </p:txEl>
+                                          </p:spTgt>
+                                        </p:tgtEl>
+                                        <p:attrNameLst>
+                                          <p:attrName>style.visibility</p:attrName>
+                                        </p:attrNameLst>
+                                      </p:cBhvr>
+                                      <p:to>
+                                        <p:strVal val="visible"/>
+                                      </p:to>
+                                    </p:set>
+                                    <p:animEffect transition="in" filter="fade">
+                                      <p:cBhvr>
+                                        <p:cTn id="7" dur="250"/>
+                                        <p:tgtEl>
+                                          <p:spTgt spid="4">
+                                            <p:txEl>
+                                              <p:pRg st="0" end="0"/>
+                                            </p:txEl>
+                                          </p:spTgt>
+                                        </p:tgtEl>
+                                      </p:cBhvr>
+                                    </p:animEffect>
+                                  </p:childTnLst>
+                                </p:cTn>
+                              </p:par>
+                              <p:par>
+                                <p:cTn id="8" presetID="10" presetClass="entr" presetSubtype="0" fill="hold" grpId="0" nodeType="withEffect">
+                                  <p:stCondLst>
+                                    <p:cond delay="500"/>
+                                  </p:stCondLst>
+                                  <p:childTnLst>
+                                    <p:set>
+                                      <p:cBhvr>
+                                        <p:cTn id="9" dur="1" fill="hold">
+                                          <p:stCondLst>
+                                            <p:cond delay="0"/>
+                                          </p:stCondLst>
+                                        </p:cTn>
+                                        <p:tgtEl>
+                                          <p:spTgt spid="4">
+                                            <p:txEl>
+                                              <p:pRg st="1" end="1"/>
+                                            </p:txEl>
+                                          </p:spTgt>
+                                        </p:tgtEl>
+                                        <p:attrNameLst>
+                                          <p:attrName>style.visibility</p:attrName>
+                                        </p:attrNameLst>
+                                      </p:cBhvr>
+                                      <p:to>
+                                        <p:strVal val="visible"/>
+                                      </p:to>
+                                    </p:set>
+                                    <p:animEffect transition="in" filter="fade">
+                                      <p:cBhvr>
+                                        <p:cTn id="10" dur="250"/>
+                                        <p:tgtEl>
+                                          <p:spTgt spid="4">
+                                            <p:txEl>
+                                              <p:pRg st="1" end="1"/>
+                                            </p:txEl>
+                                          </p:spTgt>
+                                        </p:tgtEl>
+                                      </p:cBhvr>
+                                    </p:animEffect>
+                                  </p:childTnLst>
+                                </p:cTn>
+                              </p:par>
+                              <p:par>
+                                <p:cTn id="11" presetID="10" presetClass="entr" presetSubtype="0" fill="hold" grpId="0" nodeType="withEffect">
+                                  <p:stCondLst>
+                                    <p:cond delay="500"/>
+                                  </p:stCondLst>
+                                  <p:childTnLst>
+                                    <p:set>
+                                      <p:cBhvr>
+                                        <p:cTn id="12" dur="1" fill="hold">
+                                          <p:stCondLst>
+                                            <p:cond delay="0"/>
+                                          </p:stCondLst>
+                                        </p:cTn>
+                                        <p:tgtEl>
+                                          <p:spTgt spid="4">
+                                            <p:txEl>
+                                              <p:pRg st="2" end="2"/>
+                                            </p:txEl>
+                                          </p:spTgt>
+                                        </p:tgtEl>
+                                        <p:attrNameLst>
+                                          <p:attrName>style.visibility</p:attrName>
+                                        </p:attrNameLst>
+                                      </p:cBhvr>
+                                      <p:to>
+                                        <p:strVal val="visible"/>
+                                      </p:to>
+                                    </p:set>
+                                    <p:animEffect transition="in" filter="fade">
+                                      <p:cBhvr>
+                                        <p:cTn id="13" dur="250"/>
+                                        <p:tgtEl>
+                                          <p:spTgt spid="4">
+                                            <p:txEl>
+                                              <p:pRg st="2" end="2"/>
+                                            </p:txEl>
+                                          </p:spTgt>
+                                        </p:tgtEl>
+                                      </p:cBhvr>
+                                    </p:animEffect>
+                                  </p:childTnLst>
+                                </p:cTn>
+                              </p:par>
+                              <p:par>
+                                <p:cTn id="14" presetID="10" presetClass="entr" presetSubtype="0" fill="hold" grpId="0" nodeType="withEffect">
+                                  <p:stCondLst>
+                                    <p:cond delay="500"/>
+                                  </p:stCondLst>
+                                  <p:childTnLst>
+                                    <p:set>
+                                      <p:cBhvr>
+                                        <p:cTn id="15" dur="1" fill="hold">
+                                          <p:stCondLst>
+                                            <p:cond delay="0"/>
+                                          </p:stCondLst>
+                                        </p:cTn>
+                                        <p:tgtEl>
+                                          <p:spTgt spid="5"/>
+                                        </p:tgtEl>
+                                        <p:attrNameLst>
+                                          <p:attrName>style.visibility</p:attrName>
+                                        </p:attrNameLst>
+                                      </p:cBhvr>
+                                      <p:to>
+                                        <p:strVal val="visible"/>
+                                      </p:to>
+                                    </p:set>
+                                    <p:animEffect transition="in" filter="fade">
+                                      <p:cBhvr>
+                                        <p:cTn id="16" dur="250"/>
+                                        <p:tgtEl>
+                                          <p:spTgt spid="5"/>
+                                        </p:tgtEl>
+                                      </p:cBhvr>
+                                    </p:animEffect>
+                                  </p:childTnLst>
+                                </p:cTn>
+                              </p:par>
+                              <p:par>
+                                <p:cTn id="17" presetID="10" presetClass="entr" presetSubtype="0" fill="hold" grpId="0" nodeType="withEffect">
+                                  <p:stCondLst>
+                                    <p:cond delay="500"/>
+                                  </p:stCondLst>
+                                  <p:childTnLst>
+                                    <p:set>
+                                      <p:cBhvr>
+                                        <p:cTn id="18" dur="1" fill="hold">
+                                          <p:stCondLst>
+                                            <p:cond delay="0"/>
+                                          </p:stCondLst>
+                                        </p:cTn>
+                                        <p:tgtEl>
+                                          <p:spTgt spid="7"/>
+                                        </p:tgtEl>
+                                        <p:attrNameLst>
+                                          <p:attrName>style.visibility</p:attrName>
+                                        </p:attrNameLst>
+                                      </p:cBhvr>
+                                      <p:to>
+                                        <p:strVal val="visible"/>
+                                      </p:to>
+                                    </p:set>
+                                    <p:animEffect transition="in" filter="fade">
+                                      <p:cBhvr>
+                                        <p:cTn id="19" dur="250"/>
+                                        <p:tgtEl>
+                                          <p:spTgt spid="7"/>
+                                        </p:tgtEl>
+                                      </p:cBhvr>
+                                    </p:animEffect>
+                                  </p:childTnLst>
+                                </p:cTn>
+                              </p:par>
+                              <p:par>
+                                <p:cTn id="20" presetID="10" presetClass="entr" presetSubtype="0" fill="hold" grpId="0" nodeType="withEffect">
+                                  <p:stCondLst>
+                                    <p:cond delay="500"/>
+                                  </p:stCondLst>
+                                  <p:childTnLst>
+                                    <p:set>
+                                      <p:cBhvr>
+                                        <p:cTn id="21" dur="1" fill="hold">
+                                          <p:stCondLst>
+                                            <p:cond delay="0"/>
+                                          </p:stCondLst>
+                                        </p:cTn>
+                                        <p:tgtEl>
+                                          <p:spTgt spid="6"/>
+                                        </p:tgtEl>
+                                        <p:attrNameLst>
+                                          <p:attrName>style.visibility</p:attrName>
+                                        </p:attrNameLst>
+                                      </p:cBhvr>
+                                      <p:to>
+                                        <p:strVal val="visible"/>
+                                      </p:to>
+                                    </p:set>
+                                    <p:animEffect transition="in" filter="fade">
+                                      <p:cBhvr>
+                                        <p:cTn id="22" dur="250"/>
+                                        <p:tgtEl>
+                                          <p:spTgt spid="6"/>
+                                        </p:tgtEl>
+                                      </p:cBhvr>
+                                    </p:animEffect>
+                                  </p:childTnLst>
+                                </p:cTn>
+                              </p:par>
+                            </p:childTnLst>
+                          </p:cTn>
+                        </p:par>
+                      </p:childTnLst>
+                    </p:cTn>
+                  </p:par>
+                  <p:par>
+                    <p:cTn id="23" fill="hold">
+                      <p:stCondLst>
+                        <p:cond delay="indefinite"/>
+                      </p:stCondLst>
+                      <p:childTnLst>
+                        <p:par>
+                          <p:cTn id="24" fill="hold">
+                            <p:stCondLst>
+                              <p:cond delay="0"/>
+                            </p:stCondLst>
+                            <p:childTnLst>
+                              <p:par>
+                                <p:cTn id="25" presetID="10" presetClass="entr" presetSubtype="0" fill="hold" grpId="0" nodeType="clickEffect">
+                                  <p:stCondLst>
+                                    <p:cond delay="0"/>
+                                  </p:stCondLst>
+                                  <p:childTnLst>
+                                    <p:set>
+                                      <p:cBhvr>
+                                        <p:cTn id="26" dur="1" fill="hold">
+                                          <p:stCondLst>
+                                            <p:cond delay="0"/>
+                                          </p:stCondLst>
+                                        </p:cTn>
+                                        <p:tgtEl>
+                                          <p:spTgt spid="4">
+                                            <p:txEl>
+                                              <p:pRg st="3" end="3"/>
+                                            </p:txEl>
+                                          </p:spTgt>
+                                        </p:tgtEl>
+                                        <p:attrNameLst>
+                                          <p:attrName>style.visibility</p:attrName>
+                                        </p:attrNameLst>
+                                      </p:cBhvr>
+                                      <p:to>
+                                        <p:strVal val="visible"/>
+                                      </p:to>
+                                    </p:set>
+                                    <p:animEffect transition="in" filter="fade">
+                                      <p:cBhvr>
+                                        <p:cTn id="27" dur="250"/>
+                                        <p:tgtEl>
+                                          <p:spTgt spid="4">
+                                            <p:txEl>
+                                              <p:pRg st="3" end="3"/>
+                                            </p:txEl>
+                                          </p:spTgt>
+                                        </p:tgtEl>
+                                      </p:cBhvr>
+                                    </p:animEffect>
+                                  </p:childTnLst>
+                                </p:cTn>
+                              </p:par>
+                              <p:par>
+                                <p:cTn id="28" presetID="10" presetClass="entr" presetSubtype="0" fill="hold" grpId="0" nodeType="withEffect">
+                                  <p:stCondLst>
+                                    <p:cond delay="0"/>
+                                  </p:stCondLst>
+                                  <p:childTnLst>
+                                    <p:set>
+                                      <p:cBhvr>
+                                        <p:cTn id="29" dur="1" fill="hold">
+                                          <p:stCondLst>
+                                            <p:cond delay="0"/>
+                                          </p:stCondLst>
+                                        </p:cTn>
+                                        <p:tgtEl>
+                                          <p:spTgt spid="12"/>
+                                        </p:tgtEl>
+                                        <p:attrNameLst>
+                                          <p:attrName>style.visibility</p:attrName>
+                                        </p:attrNameLst>
+                                      </p:cBhvr>
+                                      <p:to>
+                                        <p:strVal val="visible"/>
+                                      </p:to>
+                                    </p:set>
+                                    <p:animEffect transition="in" filter="fade">
+                                      <p:cBhvr>
+                                        <p:cTn id="30" dur="250"/>
+                                        <p:tgtEl>
+                                          <p:spTgt spid="12"/>
+                                        </p:tgtEl>
+                                      </p:cBhvr>
+                                    </p:animEffect>
+                                  </p:childTnLst>
+                                </p:cTn>
+                              </p:par>
+                            </p:childTnLst>
+                          </p:cTn>
+                        </p:par>
+                      </p:childTnLst>
+                    </p:cTn>
+                  </p:par>
+                  <p:par>
+                    <p:cTn id="31" fill="hold">
+                      <p:stCondLst>
+                        <p:cond delay="indefinite"/>
+                      </p:stCondLst>
+                      <p:childTnLst>
+                        <p:par>
+                          <p:cTn id="32" fill="hold">
+                            <p:stCondLst>
+                              <p:cond delay="0"/>
+                            </p:stCondLst>
+                            <p:childTnLst>
+                              <p:par>
+                                <p:cTn id="33" presetID="10" presetClass="entr" presetSubtype="0" fill="hold" grpId="0" nodeType="clickEffect">
+                                  <p:stCondLst>
+                                    <p:cond delay="0"/>
+                                  </p:stCondLst>
+                                  <p:childTnLst>
+                                    <p:set>
+                                      <p:cBhvr>
+                                        <p:cTn id="34" dur="1" fill="hold">
+                                          <p:stCondLst>
+                                            <p:cond delay="0"/>
+                                          </p:stCondLst>
+                                        </p:cTn>
+                                        <p:tgtEl>
+                                          <p:spTgt spid="4">
+                                            <p:txEl>
+                                              <p:pRg st="4" end="4"/>
+                                            </p:txEl>
+                                          </p:spTgt>
+                                        </p:tgtEl>
+                                        <p:attrNameLst>
+                                          <p:attrName>style.visibility</p:attrName>
+                                        </p:attrNameLst>
+                                      </p:cBhvr>
+                                      <p:to>
+                                        <p:strVal val="visible"/>
+                                      </p:to>
+                                    </p:set>
+                                    <p:animEffect transition="in" filter="fade">
+                                      <p:cBhvr>
+                                        <p:cTn id="35" dur="250"/>
+                                        <p:tgtEl>
+                                          <p:spTgt spid="4">
+                                            <p:txEl>
+                                              <p:pRg st="4" end="4"/>
+                                            </p:txEl>
+                                          </p:spTgt>
+                                        </p:tgtEl>
+                                      </p:cBhvr>
+                                    </p:animEffect>
+                                  </p:childTnLst>
+                                </p:cTn>
+                              </p:par>
+                            </p:childTnLst>
+                          </p:cTn>
+                        </p:par>
+                      </p:childTnLst>
+                    </p:cTn>
+                  </p:par>
+                  <p:par>
+                    <p:cTn id="36" fill="hold">
+                      <p:stCondLst>
+                        <p:cond delay="indefinite"/>
+                      </p:stCondLst>
+                      <p:childTnLst>
+                        <p:par>
+                          <p:cTn id="37" fill="hold">
+                            <p:stCondLst>
+                              <p:cond delay="0"/>
+                            </p:stCondLst>
+                            <p:childTnLst>
+                              <p:par>
+                                <p:cTn id="38" presetID="10" presetClass="entr" presetSubtype="0" fill="hold" grpId="0" nodeType="clickEffect">
+                                  <p:stCondLst>
+                                    <p:cond delay="0"/>
+                                  </p:stCondLst>
+                                  <p:childTnLst>
+                                    <p:set>
+                                      <p:cBhvr>
+                                        <p:cTn id="39" dur="1" fill="hold">
+                                          <p:stCondLst>
+                                            <p:cond delay="0"/>
+                                          </p:stCondLst>
+                                        </p:cTn>
+                                        <p:tgtEl>
+                                          <p:spTgt spid="4">
+                                            <p:txEl>
+                                              <p:pRg st="5" end="5"/>
+                                            </p:txEl>
+                                          </p:spTgt>
+                                        </p:tgtEl>
+                                        <p:attrNameLst>
+                                          <p:attrName>style.visibility</p:attrName>
+                                        </p:attrNameLst>
+                                      </p:cBhvr>
+                                      <p:to>
+                                        <p:strVal val="visible"/>
+                                      </p:to>
+                                    </p:set>
+                                    <p:animEffect transition="in" filter="fade">
+                                      <p:cBhvr>
+                                        <p:cTn id="40" dur="250"/>
+                                        <p:tgtEl>
+                                          <p:spTgt spid="4">
+                                            <p:txEl>
+                                              <p:pRg st="5" end="5"/>
+                                            </p:txEl>
+                                          </p:spTgt>
+                                        </p:tgtEl>
+                                      </p:cBhvr>
+                                    </p:animEffect>
+                                  </p:childTnLst>
+                                </p:cTn>
+                              </p:par>
+                              <p:par>
+                                <p:cTn id="41" presetID="10" presetClass="entr" presetSubtype="0" fill="hold" grpId="0" nodeType="withEffect">
+                                  <p:stCondLst>
+                                    <p:cond delay="0"/>
+                                  </p:stCondLst>
+                                  <p:childTnLst>
+                                    <p:set>
+                                      <p:cBhvr>
+                                        <p:cTn id="42" dur="1" fill="hold">
+                                          <p:stCondLst>
+                                            <p:cond delay="0"/>
+                                          </p:stCondLst>
+                                        </p:cTn>
+                                        <p:tgtEl>
+                                          <p:spTgt spid="4">
+                                            <p:txEl>
+                                              <p:pRg st="6" end="6"/>
+                                            </p:txEl>
+                                          </p:spTgt>
+                                        </p:tgtEl>
+                                        <p:attrNameLst>
+                                          <p:attrName>style.visibility</p:attrName>
+                                        </p:attrNameLst>
+                                      </p:cBhvr>
+                                      <p:to>
+                                        <p:strVal val="visible"/>
+                                      </p:to>
+                                    </p:set>
+                                    <p:animEffect transition="in" filter="fade">
+                                      <p:cBhvr>
+                                        <p:cTn id="43" dur="250"/>
+                                        <p:tgtEl>
+                                          <p:spTgt spid="4">
+                                            <p:txEl>
+                                              <p:pRg st="6" end="6"/>
+                                            </p:txEl>
+                                          </p:spTgt>
+                                        </p:tgtEl>
+                                      </p:cBhvr>
+                                    </p:animEffect>
+                                  </p:childTnLst>
+                                </p:cTn>
+                              </p:par>
+                              <p:par>
+                                <p:cTn id="44" presetID="10" presetClass="entr" presetSubtype="0" fill="hold" grpId="0" nodeType="withEffect">
+                                  <p:stCondLst>
+                                    <p:cond delay="0"/>
+                                  </p:stCondLst>
+                                  <p:childTnLst>
+                                    <p:set>
+                                      <p:cBhvr>
+                                        <p:cTn id="45" dur="1" fill="hold">
+                                          <p:stCondLst>
+                                            <p:cond delay="0"/>
+                                          </p:stCondLst>
+                                        </p:cTn>
+                                        <p:tgtEl>
+                                          <p:spTgt spid="4">
+                                            <p:txEl>
+                                              <p:pRg st="7" end="7"/>
+                                            </p:txEl>
+                                          </p:spTgt>
+                                        </p:tgtEl>
+                                        <p:attrNameLst>
+                                          <p:attrName>style.visibility</p:attrName>
+                                        </p:attrNameLst>
+                                      </p:cBhvr>
+                                      <p:to>
+                                        <p:strVal val="visible"/>
+                                      </p:to>
+                                    </p:set>
+                                    <p:animEffect transition="in" filter="fade">
+                                      <p:cBhvr>
+                                        <p:cTn id="46" dur="250"/>
+                                        <p:tgtEl>
+                                          <p:spTgt spid="4">
+                                            <p:txEl>
+                                              <p:pRg st="7" end="7"/>
+                                            </p:txEl>
+                                          </p:spTgt>
+                                        </p:tgtEl>
+                                      </p:cBhvr>
+                                    </p:animEffect>
+                                  </p:childTnLst>
+                                </p:cTn>
+                              </p:par>
+                              <p:par>
+                                <p:cTn id="47" presetID="10" presetClass="entr" presetSubtype="0" fill="hold" grpId="0" nodeType="withEffect">
+                                  <p:stCondLst>
+                                    <p:cond delay="0"/>
+                                  </p:stCondLst>
+                                  <p:childTnLst>
+                                    <p:set>
+                                      <p:cBhvr>
+                                        <p:cTn id="48" dur="1" fill="hold">
+                                          <p:stCondLst>
+                                            <p:cond delay="0"/>
+                                          </p:stCondLst>
+                                        </p:cTn>
+                                        <p:tgtEl>
+                                          <p:spTgt spid="16"/>
+                                        </p:tgtEl>
+                                        <p:attrNameLst>
+                                          <p:attrName>style.visibility</p:attrName>
+                                        </p:attrNameLst>
+                                      </p:cBhvr>
+                                      <p:to>
+                                        <p:strVal val="visible"/>
+                                      </p:to>
+                                    </p:set>
+                                    <p:animEffect transition="in" filter="fade">
+                                      <p:cBhvr>
+                                        <p:cTn id="49" dur="250"/>
+                                        <p:tgtEl>
+                                          <p:spTgt spid="16"/>
+                                        </p:tgtEl>
+                                      </p:cBhvr>
+                                    </p:animEffect>
+                                  </p:childTnLst>
+                                </p:cTn>
+                              </p:par>
+                              <p:par>
+                                <p:cTn id="50" presetID="10" presetClass="entr" presetSubtype="0" fill="hold" grpId="0" nodeType="withEffect">
+                                  <p:stCondLst>
+                                    <p:cond delay="0"/>
+                                  </p:stCondLst>
+                                  <p:childTnLst>
+                                    <p:set>
+                                      <p:cBhvr>
+                                        <p:cTn id="51" dur="1" fill="hold">
+                                          <p:stCondLst>
+                                            <p:cond delay="0"/>
+                                          </p:stCondLst>
+                                        </p:cTn>
+                                        <p:tgtEl>
+                                          <p:spTgt spid="18"/>
+                                        </p:tgtEl>
+                                        <p:attrNameLst>
+                                          <p:attrName>style.visibility</p:attrName>
+                                        </p:attrNameLst>
+                                      </p:cBhvr>
+                                      <p:to>
+                                        <p:strVal val="visible"/>
+                                      </p:to>
+                                    </p:set>
+                                    <p:animEffect transition="in" filter="fade">
+                                      <p:cBhvr>
+                                        <p:cTn id="52" dur="250"/>
+                                        <p:tgtEl>
+                                          <p:spTgt spid="18"/>
+                                        </p:tgtEl>
+                                      </p:cBhvr>
+                                    </p:animEffect>
+                                  </p:childTnLst>
+                                </p:cTn>
+                              </p:par>
+                              <p:par>
+                                <p:cTn id="53" presetID="10" presetClass="entr" presetSubtype="0" fill="hold" grpId="0" nodeType="withEffect">
+                                  <p:stCondLst>
+                                    <p:cond delay="0"/>
+                                  </p:stCondLst>
+                                  <p:childTnLst>
+                                    <p:set>
+                                      <p:cBhvr>
+                                        <p:cTn id="54" dur="1" fill="hold">
+                                          <p:stCondLst>
+                                            <p:cond delay="0"/>
+                                          </p:stCondLst>
+                                        </p:cTn>
+                                        <p:tgtEl>
+                                          <p:spTgt spid="17"/>
+                                        </p:tgtEl>
+                                        <p:attrNameLst>
+                                          <p:attrName>style.visibility</p:attrName>
+                                        </p:attrNameLst>
+                                      </p:cBhvr>
+                                      <p:to>
+                                        <p:strVal val="visible"/>
+                                      </p:to>
+                                    </p:set>
+                                    <p:animEffect transition="in" filter="fade">
+                                      <p:cBhvr>
+                                        <p:cTn id="55" dur="250"/>
+                                        <p:tgtEl>
+                                          <p:spTgt spid="17"/>
+                                        </p:tgtEl>
+                                      </p:cBhvr>
+                                    </p:animEffect>
+                                  </p:childTnLst>
+                                </p:cTn>
+                              </p:par>
+                            </p:childTnLst>
+                          </p:cTn>
+                        </p:par>
+                      </p:childTnLst>
+                    </p:cTn>
+                  </p:par>
+                </p:childTnLst>
+              </p:cTn>
+              <p:prevCondLst>
+                <p:cond evt="onPrev" delay="0">
+                  <p:tgtEl>
+                    <p:sldTgt/>
+                  </p:tgtEl>
+                </p:cond>
+              </p:prevCondLst>
+              <p:nextCondLst>
+                <p:cond evt="onNext" delay="0">
+                  <p:tgtEl>
+                    <p:sldTgt/>
+                  </p:tgtEl>
+                </p:cond>
+              </p:nextCondLst>
+            </p:seq>
+          </p:childTnLst>
+        </p:cTn>
       </p:par>
     </p:tnLst>
+    <p:bldLst>
+      <p:bldP spid="4" grpId="0" uiExpand="1" build="p"/>
+      <p:bldP spid="5" grpId="0" animBg="1"/>
+      <p:bldP spid="6" grpId="0" animBg="1"/>
+      <p:bldP spid="7" grpId="0" animBg="1"/>
+      <p:bldP spid="16" grpId="0" animBg="1"/>
+      <p:bldP spid="17" grpId="0" animBg="1"/>
+      <p:bldP spid="18" grpId="0" animBg="1"/>
+      <p:bldP spid="12" grpId="0" animBg="1"/>
+    </p:bldLst>
   </p:timing>
 </p:sld>
 </file>
@@ -10926,10 +15981,201 @@
   <p:clrMapOvr>
     <a:masterClrMapping/>
   </p:clrMapOvr>
+  <p:transition>
+    <p:fade/>
+  </p:transition>
   <p:timing>
     <p:tnLst>
       <p:par>
-        <p:cTn id="1" dur="indefinite" restart="never" nodeType="tmRoot"/>
+        <p:cTn id="1" dur="indefinite" restart="never" nodeType="tmRoot">
+          <p:childTnLst>
+            <p:seq concurrent="1" nextAc="seek">
+              <p:cTn id="2" dur="indefinite" nodeType="mainSeq">
+                <p:childTnLst>
+                  <p:par>
+                    <p:cTn id="3" fill="hold">
+                      <p:stCondLst>
+                        <p:cond delay="indefinite"/>
+                      </p:stCondLst>
+                      <p:childTnLst>
+                        <p:par>
+                          <p:cTn id="4" fill="hold">
+                            <p:stCondLst>
+                              <p:cond delay="0"/>
+                            </p:stCondLst>
+                            <p:childTnLst>
+                              <p:par>
+                                <p:cTn id="5" presetID="10" presetClass="entr" presetSubtype="0" fill="hold" nodeType="clickEffect">
+                                  <p:stCondLst>
+                                    <p:cond delay="0"/>
+                                  </p:stCondLst>
+                                  <p:childTnLst>
+                                    <p:set>
+                                      <p:cBhvr>
+                                        <p:cTn id="6" dur="1" fill="hold">
+                                          <p:stCondLst>
+                                            <p:cond delay="0"/>
+                                          </p:stCondLst>
+                                        </p:cTn>
+                                        <p:tgtEl>
+                                          <p:spTgt spid="4">
+                                            <p:txEl>
+                                              <p:pRg st="5" end="5"/>
+                                            </p:txEl>
+                                          </p:spTgt>
+                                        </p:tgtEl>
+                                        <p:attrNameLst>
+                                          <p:attrName>style.visibility</p:attrName>
+                                        </p:attrNameLst>
+                                      </p:cBhvr>
+                                      <p:to>
+                                        <p:strVal val="visible"/>
+                                      </p:to>
+                                    </p:set>
+                                    <p:animEffect transition="in" filter="fade">
+                                      <p:cBhvr>
+                                        <p:cTn id="7" dur="250"/>
+                                        <p:tgtEl>
+                                          <p:spTgt spid="4">
+                                            <p:txEl>
+                                              <p:pRg st="5" end="5"/>
+                                            </p:txEl>
+                                          </p:spTgt>
+                                        </p:tgtEl>
+                                      </p:cBhvr>
+                                    </p:animEffect>
+                                  </p:childTnLst>
+                                </p:cTn>
+                              </p:par>
+                            </p:childTnLst>
+                          </p:cTn>
+                        </p:par>
+                        <p:par>
+                          <p:cTn id="8" fill="hold">
+                            <p:stCondLst>
+                              <p:cond delay="250"/>
+                            </p:stCondLst>
+                            <p:childTnLst>
+                              <p:par>
+                                <p:cTn id="9" presetID="10" presetClass="entr" presetSubtype="0" fill="hold" nodeType="afterEffect">
+                                  <p:stCondLst>
+                                    <p:cond delay="500"/>
+                                  </p:stCondLst>
+                                  <p:childTnLst>
+                                    <p:set>
+                                      <p:cBhvr>
+                                        <p:cTn id="10" dur="1" fill="hold">
+                                          <p:stCondLst>
+                                            <p:cond delay="0"/>
+                                          </p:stCondLst>
+                                        </p:cTn>
+                                        <p:tgtEl>
+                                          <p:spTgt spid="4">
+                                            <p:txEl>
+                                              <p:pRg st="6" end="6"/>
+                                            </p:txEl>
+                                          </p:spTgt>
+                                        </p:tgtEl>
+                                        <p:attrNameLst>
+                                          <p:attrName>style.visibility</p:attrName>
+                                        </p:attrNameLst>
+                                      </p:cBhvr>
+                                      <p:to>
+                                        <p:strVal val="visible"/>
+                                      </p:to>
+                                    </p:set>
+                                    <p:animEffect transition="in" filter="fade">
+                                      <p:cBhvr>
+                                        <p:cTn id="11" dur="250"/>
+                                        <p:tgtEl>
+                                          <p:spTgt spid="4">
+                                            <p:txEl>
+                                              <p:pRg st="6" end="6"/>
+                                            </p:txEl>
+                                          </p:spTgt>
+                                        </p:tgtEl>
+                                      </p:cBhvr>
+                                    </p:animEffect>
+                                  </p:childTnLst>
+                                </p:cTn>
+                              </p:par>
+                            </p:childTnLst>
+                          </p:cTn>
+                        </p:par>
+                        <p:par>
+                          <p:cTn id="12" fill="hold">
+                            <p:stCondLst>
+                              <p:cond delay="1000"/>
+                            </p:stCondLst>
+                            <p:childTnLst>
+                              <p:par>
+                                <p:cTn id="13" presetID="10" presetClass="entr" presetSubtype="0" fill="hold" nodeType="afterEffect">
+                                  <p:stCondLst>
+                                    <p:cond delay="500"/>
+                                  </p:stCondLst>
+                                  <p:childTnLst>
+                                    <p:set>
+                                      <p:cBhvr>
+                                        <p:cTn id="14" dur="1" fill="hold">
+                                          <p:stCondLst>
+                                            <p:cond delay="0"/>
+                                          </p:stCondLst>
+                                        </p:cTn>
+                                        <p:tgtEl>
+                                          <p:spTgt spid="4">
+                                            <p:txEl>
+                                              <p:pRg st="7" end="7"/>
+                                            </p:txEl>
+                                          </p:spTgt>
+                                        </p:tgtEl>
+                                        <p:attrNameLst>
+                                          <p:attrName>style.visibility</p:attrName>
+                                        </p:attrNameLst>
+                                      </p:cBhvr>
+                                      <p:to>
+                                        <p:strVal val="visible"/>
+                                      </p:to>
+                                    </p:set>
+                                    <p:animEffect transition="in" filter="fade">
+                                      <p:cBhvr>
+                                        <p:cTn id="15" dur="250"/>
+                                        <p:tgtEl>
+                                          <p:spTgt spid="4">
+                                            <p:txEl>
+                                              <p:pRg st="7" end="7"/>
+                                            </p:txEl>
+                                          </p:spTgt>
+                                        </p:tgtEl>
+                                      </p:cBhvr>
+                                    </p:animEffect>
+                                  </p:childTnLst>
+                                </p:cTn>
+                              </p:par>
+                            </p:childTnLst>
+                          </p:cTn>
+                        </p:par>
+                      </p:childTnLst>
+                    </p:cTn>
+                  </p:par>
+                </p:childTnLst>
+              </p:cTn>
+              <p:prevCondLst>
+                <p:cond evt="onPrev" delay="0">
+                  <p:tgtEl>
+                    <p:sldTgt/>
+                  </p:tgtEl>
+                </p:cond>
+              </p:prevCondLst>
+              <p:nextCondLst>
+                <p:cond evt="onNext" delay="0">
+                  <p:tgtEl>
+                    <p:sldTgt/>
+                  </p:tgtEl>
+                </p:cond>
+              </p:nextCondLst>
+            </p:seq>
+          </p:childTnLst>
+        </p:cTn>
       </p:par>
     </p:tnLst>
   </p:timing>
@@ -11087,6 +16333,9 @@
   <p:clrMapOvr>
     <a:masterClrMapping/>
   </p:clrMapOvr>
+  <p:transition>
+    <p:fade/>
+  </p:transition>
   <p:timing>
     <p:tnLst>
       <p:par>
